--- a/Data624TimeSeriesDecompPresentation.pptx
+++ b/Data624TimeSeriesDecompPresentation.pptx
@@ -7,11 +7,12 @@
   <p:sldIdLst>
     <p:sldId id="256" r:id="rId2"/>
     <p:sldId id="257" r:id="rId3"/>
-    <p:sldId id="258" r:id="rId4"/>
-    <p:sldId id="259" r:id="rId5"/>
-    <p:sldId id="260" r:id="rId6"/>
-    <p:sldId id="261" r:id="rId7"/>
-    <p:sldId id="262" r:id="rId8"/>
+    <p:sldId id="262" r:id="rId4"/>
+    <p:sldId id="263" r:id="rId5"/>
+    <p:sldId id="258" r:id="rId6"/>
+    <p:sldId id="259" r:id="rId7"/>
+    <p:sldId id="260" r:id="rId8"/>
+    <p:sldId id="261" r:id="rId9"/>
   </p:sldIdLst>
   <p:sldSz cx="12192000" cy="6858000"/>
   <p:notesSz cx="6858000" cy="9144000"/>
@@ -7831,6 +7832,12 @@
             </a:r>
           </a:p>
           <a:p>
+            <a:endParaRPr lang="en-US" sz="1800" dirty="0"/>
+          </a:p>
+          <a:p>
+            <a:endParaRPr lang="en-US" dirty="0"/>
+          </a:p>
+          <a:p>
             <a:pPr marL="0" indent="0">
               <a:buNone/>
             </a:pPr>
@@ -7846,8 +7853,8 @@
         </p:nvSpPr>
         <p:spPr>
           <a:xfrm>
-            <a:off x="935422" y="1293697"/>
-            <a:ext cx="10714678" cy="369332"/>
+            <a:off x="998484" y="1293697"/>
+            <a:ext cx="8923282" cy="369332"/>
           </a:xfrm>
           <a:prstGeom prst="rect">
             <a:avLst/>
@@ -7863,6 +7870,49 @@
             <a:r>
               <a:rPr lang="en-US" dirty="0"/>
               <a:t>Transformations and Adjustments</a:t>
+            </a:r>
+          </a:p>
+        </p:txBody>
+      </p:sp>
+      <p:sp>
+        <p:nvSpPr>
+          <p:cNvPr id="5" name="TextBox 4">
+            <a:extLst>
+              <a:ext uri="{FF2B5EF4-FFF2-40B4-BE49-F238E27FC236}">
+                <a16:creationId xmlns:a16="http://schemas.microsoft.com/office/drawing/2014/main" id="{9DED9E85-A2D1-1548-BD08-CC62BCE3E60D}"/>
+              </a:ext>
+            </a:extLst>
+          </p:cNvPr>
+          <p:cNvSpPr txBox="1"/>
+          <p:nvPr/>
+        </p:nvSpPr>
+        <p:spPr>
+          <a:xfrm>
+            <a:off x="10612345" y="1032087"/>
+            <a:ext cx="1533881" cy="523220"/>
+          </a:xfrm>
+          <a:prstGeom prst="rect">
+            <a:avLst/>
+          </a:prstGeom>
+          <a:noFill/>
+        </p:spPr>
+        <p:txBody>
+          <a:bodyPr wrap="none" rtlCol="0">
+            <a:spAutoFit/>
+          </a:bodyPr>
+          <a:lstStyle/>
+          <a:p>
+            <a:pPr algn="ctr"/>
+            <a:r>
+              <a:rPr lang="en-US" sz="1400" dirty="0"/>
+              <a:t>Why</a:t>
+            </a:r>
+          </a:p>
+          <a:p>
+            <a:pPr algn="ctr"/>
+            <a:r>
+              <a:rPr lang="en-US" sz="1400" dirty="0"/>
+              <a:t>Transformations?</a:t>
             </a:r>
           </a:p>
         </p:txBody>
@@ -7968,47 +8018,40 @@
             </a:pPr>
             <a:r>
               <a:rPr lang="en-US" sz="1200" dirty="0"/>
-              <a:t>Some text.</a:t>
-            </a:r>
+              <a:t>Useful for correcting heteroskedasticity (</a:t>
+            </a:r>
+            <a:r>
+              <a:rPr lang="en-US" sz="1200" i="1" dirty="0"/>
+              <a:t>variance gets larger over time</a:t>
+            </a:r>
+            <a:r>
+              <a:rPr lang="en-US" sz="1200" dirty="0"/>
+              <a:t>) prior to modeling.</a:t>
+            </a:r>
+          </a:p>
+          <a:p>
+            <a:pPr marL="0" indent="0">
+              <a:buNone/>
+            </a:pPr>
+            <a:endParaRPr lang="en-US" sz="1200" dirty="0"/>
+          </a:p>
+          <a:p>
+            <a:pPr marL="0" indent="0">
+              <a:buNone/>
+            </a:pPr>
+            <a:endParaRPr lang="en-US" sz="1200" dirty="0"/>
+          </a:p>
+          <a:p>
+            <a:pPr marL="0" indent="0">
+              <a:buNone/>
+            </a:pPr>
+            <a:endParaRPr lang="en-US" sz="1200" dirty="0"/>
           </a:p>
           <a:p>
             <a:pPr marL="0" indent="0">
               <a:buNone/>
             </a:pPr>
             <a:endParaRPr lang="en-US" sz="1600" b="1" dirty="0"/>
-          </a:p>
-          <a:p>
-            <a:pPr marL="0" indent="0">
-              <a:buNone/>
-            </a:pPr>
-            <a:r>
-              <a:rPr lang="en-US" sz="1600" b="1" dirty="0"/>
-              <a:t>Power (x√,x3)</a:t>
-            </a:r>
-          </a:p>
-          <a:p>
-            <a:pPr marL="0" indent="0">
-              <a:buNone/>
-            </a:pPr>
-            <a:r>
-              <a:rPr lang="en-US" sz="1200" dirty="0"/>
-              <a:t>Some text.</a:t>
-            </a:r>
-          </a:p>
-          <a:p>
-            <a:pPr marL="0" indent="0">
-              <a:buNone/>
-            </a:pPr>
-            <a:endParaRPr lang="en-US" sz="1200" dirty="0"/>
-          </a:p>
-          <a:p>
-            <a:pPr marL="0" indent="0">
-              <a:buNone/>
-            </a:pPr>
-            <a:r>
-              <a:rPr lang="en-US" sz="1600" b="1" dirty="0"/>
-              <a:t>Inverse</a:t>
-            </a:r>
           </a:p>
           <a:p>
             <a:pPr marL="0" indent="0">
@@ -8061,8 +8104,8 @@
         </p:nvSpPr>
         <p:spPr>
           <a:xfrm>
-            <a:off x="10752083" y="1025490"/>
-            <a:ext cx="1273105" cy="523220"/>
+            <a:off x="10654557" y="1025490"/>
+            <a:ext cx="1468159" cy="523220"/>
           </a:xfrm>
           <a:prstGeom prst="rect">
             <a:avLst/>
@@ -8085,15 +8128,45 @@
             <a:pPr algn="ctr"/>
             <a:r>
               <a:rPr lang="en-US" sz="1400" dirty="0"/>
-              <a:t>Adjustments</a:t>
-            </a:r>
-          </a:p>
-        </p:txBody>
-      </p:sp>
+              <a:t>Transformations</a:t>
+            </a:r>
+          </a:p>
+        </p:txBody>
+      </p:sp>
+      <p:pic>
+        <p:nvPicPr>
+          <p:cNvPr id="8" name="Picture 7" descr="Chart, scatter chart&#10;&#10;Description automatically generated">
+            <a:extLst>
+              <a:ext uri="{FF2B5EF4-FFF2-40B4-BE49-F238E27FC236}">
+                <a16:creationId xmlns:a16="http://schemas.microsoft.com/office/drawing/2014/main" id="{74C57507-D85A-3847-A404-7235EA435249}"/>
+              </a:ext>
+            </a:extLst>
+          </p:cNvPr>
+          <p:cNvPicPr>
+            <a:picLocks noChangeAspect="1"/>
+          </p:cNvPicPr>
+          <p:nvPr/>
+        </p:nvPicPr>
+        <p:blipFill>
+          <a:blip r:embed="rId2"/>
+          <a:stretch>
+            <a:fillRect/>
+          </a:stretch>
+        </p:blipFill>
+        <p:spPr>
+          <a:xfrm>
+            <a:off x="800115" y="3462336"/>
+            <a:ext cx="6126202" cy="3092095"/>
+          </a:xfrm>
+          <a:prstGeom prst="rect">
+            <a:avLst/>
+          </a:prstGeom>
+        </p:spPr>
+      </p:pic>
     </p:spTree>
     <p:extLst>
       <p:ext uri="{BB962C8B-B14F-4D97-AF65-F5344CB8AC3E}">
-        <p14:creationId xmlns:p14="http://schemas.microsoft.com/office/powerpoint/2010/main" val="142848313"/>
+        <p14:creationId xmlns:p14="http://schemas.microsoft.com/office/powerpoint/2010/main" val="3588662481"/>
       </p:ext>
     </p:extLst>
   </p:cSld>
@@ -8171,15 +8244,6 @@
               <a:buNone/>
             </a:pPr>
             <a:r>
-              <a:rPr lang="en-US" b="1" dirty="0"/>
-              <a:t>Calendar Adjustments</a:t>
-            </a:r>
-          </a:p>
-          <a:p>
-            <a:pPr marL="0" indent="0">
-              <a:buNone/>
-            </a:pPr>
-            <a:r>
               <a:rPr lang="en-US" sz="1600" b="1" dirty="0"/>
               <a:t>Logarithmic</a:t>
             </a:r>
@@ -8191,8 +8255,41 @@
             </a:pPr>
             <a:r>
               <a:rPr lang="en-US" sz="1200" dirty="0"/>
-              <a:t>Some text.</a:t>
-            </a:r>
+              <a:t>Useful for normalizing data.</a:t>
+            </a:r>
+          </a:p>
+          <a:p>
+            <a:pPr marL="0" indent="0">
+              <a:buNone/>
+            </a:pPr>
+            <a:r>
+              <a:rPr lang="en-US" sz="1200" dirty="0"/>
+              <a:t>A log transform will transform skewed data to approximately conform to normality.</a:t>
+            </a:r>
+          </a:p>
+          <a:p>
+            <a:pPr marL="0" indent="0">
+              <a:buNone/>
+            </a:pPr>
+            <a:endParaRPr lang="en-US" sz="1200" dirty="0"/>
+          </a:p>
+          <a:p>
+            <a:pPr marL="0" indent="0">
+              <a:buNone/>
+            </a:pPr>
+            <a:endParaRPr lang="en-US" sz="1200" dirty="0"/>
+          </a:p>
+          <a:p>
+            <a:pPr marL="0" indent="0">
+              <a:buNone/>
+            </a:pPr>
+            <a:endParaRPr lang="en-US" sz="1200" dirty="0"/>
+          </a:p>
+          <a:p>
+            <a:pPr marL="0" indent="0">
+              <a:buNone/>
+            </a:pPr>
+            <a:endParaRPr lang="en-US" sz="1200" dirty="0"/>
           </a:p>
           <a:p>
             <a:pPr marL="0" indent="0">
@@ -8204,34 +8301,43 @@
             <a:pPr marL="0" indent="0">
               <a:buNone/>
             </a:pPr>
-            <a:r>
-              <a:rPr lang="en-US" sz="1600" b="1" dirty="0"/>
-              <a:t>Power (x√,x3)</a:t>
-            </a:r>
+            <a:endParaRPr lang="en-US" sz="1600" b="1" dirty="0"/>
           </a:p>
           <a:p>
             <a:pPr marL="0" indent="0">
               <a:buNone/>
             </a:pPr>
-            <a:r>
-              <a:rPr lang="en-US" sz="1200" dirty="0"/>
-              <a:t>Some text.</a:t>
-            </a:r>
+            <a:endParaRPr lang="en-US" sz="1600" b="1" dirty="0"/>
           </a:p>
           <a:p>
             <a:pPr marL="0" indent="0">
               <a:buNone/>
             </a:pPr>
-            <a:endParaRPr lang="en-US" sz="1200" dirty="0"/>
+            <a:endParaRPr lang="en-US" sz="1600" b="1" dirty="0"/>
           </a:p>
           <a:p>
             <a:pPr marL="0" indent="0">
               <a:buNone/>
             </a:pPr>
-            <a:r>
-              <a:rPr lang="en-US" sz="1600" b="1" dirty="0"/>
-              <a:t>Inverse</a:t>
-            </a:r>
+            <a:endParaRPr lang="en-US" sz="1600" b="1" dirty="0"/>
+          </a:p>
+          <a:p>
+            <a:pPr marL="0" indent="0">
+              <a:buNone/>
+            </a:pPr>
+            <a:r>
+              <a:rPr lang="en-US" sz="1050" b="1" i="1" dirty="0"/>
+              <a:t>       Before Logarithmic Transformation</a:t>
+            </a:r>
+            <a:r>
+              <a:rPr lang="en-US" sz="1050" dirty="0"/>
+              <a:t>                              </a:t>
+            </a:r>
+            <a:r>
+              <a:rPr lang="en-US" sz="1050" b="1" i="1" dirty="0"/>
+              <a:t>After Logarithmic Transformation</a:t>
+            </a:r>
+            <a:endParaRPr lang="en-US" sz="1050" dirty="0"/>
           </a:p>
           <a:p>
             <a:pPr marL="0" indent="0">
@@ -8275,7 +8381,7 @@
           <p:cNvPr id="5" name="TextBox 4">
             <a:extLst>
               <a:ext uri="{FF2B5EF4-FFF2-40B4-BE49-F238E27FC236}">
-                <a16:creationId xmlns:a16="http://schemas.microsoft.com/office/drawing/2014/main" id="{3B11B03F-1D94-234E-AF2D-BD7312C1808B}"/>
+                <a16:creationId xmlns:a16="http://schemas.microsoft.com/office/drawing/2014/main" id="{8EE40ED9-1C0A-4C4E-9863-74EE11F820A9}"/>
               </a:ext>
             </a:extLst>
           </p:cNvPr>
@@ -8284,8 +8390,8 @@
         </p:nvSpPr>
         <p:spPr>
           <a:xfrm>
-            <a:off x="10798989" y="1025490"/>
-            <a:ext cx="1183336" cy="523220"/>
+            <a:off x="10654557" y="1025490"/>
+            <a:ext cx="1468159" cy="523220"/>
           </a:xfrm>
           <a:prstGeom prst="rect">
             <a:avLst/>
@@ -8301,22 +8407,52 @@
             <a:pPr algn="ctr"/>
             <a:r>
               <a:rPr lang="en-US" sz="1400" dirty="0"/>
-              <a:t>Calendar</a:t>
+              <a:t>Mathematical</a:t>
             </a:r>
           </a:p>
           <a:p>
             <a:pPr algn="ctr"/>
             <a:r>
               <a:rPr lang="en-US" sz="1400" dirty="0"/>
-              <a:t>Adjustments</a:t>
-            </a:r>
-          </a:p>
-        </p:txBody>
-      </p:sp>
+              <a:t>Transformations</a:t>
+            </a:r>
+          </a:p>
+        </p:txBody>
+      </p:sp>
+      <p:pic>
+        <p:nvPicPr>
+          <p:cNvPr id="7" name="Picture 6" descr="Chart, histogram&#10;&#10;Description automatically generated">
+            <a:extLst>
+              <a:ext uri="{FF2B5EF4-FFF2-40B4-BE49-F238E27FC236}">
+                <a16:creationId xmlns:a16="http://schemas.microsoft.com/office/drawing/2014/main" id="{A1C5E6CC-0287-C642-8BC1-95A337424022}"/>
+              </a:ext>
+            </a:extLst>
+          </p:cNvPr>
+          <p:cNvPicPr>
+            <a:picLocks noChangeAspect="1"/>
+          </p:cNvPicPr>
+          <p:nvPr/>
+        </p:nvPicPr>
+        <p:blipFill>
+          <a:blip r:embed="rId2"/>
+          <a:stretch>
+            <a:fillRect/>
+          </a:stretch>
+        </p:blipFill>
+        <p:spPr>
+          <a:xfrm>
+            <a:off x="775138" y="3355428"/>
+            <a:ext cx="6277303" cy="2615544"/>
+          </a:xfrm>
+          <a:prstGeom prst="rect">
+            <a:avLst/>
+          </a:prstGeom>
+        </p:spPr>
+      </p:pic>
     </p:spTree>
     <p:extLst>
       <p:ext uri="{BB962C8B-B14F-4D97-AF65-F5344CB8AC3E}">
-        <p14:creationId xmlns:p14="http://schemas.microsoft.com/office/powerpoint/2010/main" val="1877975350"/>
+        <p14:creationId xmlns:p14="http://schemas.microsoft.com/office/powerpoint/2010/main" val="2941228201"/>
       </p:ext>
     </p:extLst>
   </p:cSld>
@@ -8394,19 +8530,9 @@
               <a:buNone/>
             </a:pPr>
             <a:r>
-              <a:rPr lang="en-US" b="1" dirty="0"/>
-              <a:t>Population Adjustments</a:t>
-            </a:r>
-          </a:p>
-          <a:p>
-            <a:pPr marL="0" indent="0">
-              <a:buNone/>
-            </a:pPr>
-            <a:r>
               <a:rPr lang="en-US" sz="1600" b="1" dirty="0"/>
-              <a:t>Logarithmic</a:t>
-            </a:r>
-            <a:endParaRPr lang="en-US" sz="1400" b="1" dirty="0"/>
+              <a:t>Power (x√,x3)</a:t>
+            </a:r>
           </a:p>
           <a:p>
             <a:pPr marL="0" indent="0">
@@ -8421,30 +8547,6 @@
             <a:pPr marL="0" indent="0">
               <a:buNone/>
             </a:pPr>
-            <a:endParaRPr lang="en-US" sz="1600" b="1" dirty="0"/>
-          </a:p>
-          <a:p>
-            <a:pPr marL="0" indent="0">
-              <a:buNone/>
-            </a:pPr>
-            <a:r>
-              <a:rPr lang="en-US" sz="1600" b="1" dirty="0"/>
-              <a:t>Power (x√,x3)</a:t>
-            </a:r>
-          </a:p>
-          <a:p>
-            <a:pPr marL="0" indent="0">
-              <a:buNone/>
-            </a:pPr>
-            <a:r>
-              <a:rPr lang="en-US" sz="1200" dirty="0"/>
-              <a:t>Some text.</a:t>
-            </a:r>
-          </a:p>
-          <a:p>
-            <a:pPr marL="0" indent="0">
-              <a:buNone/>
-            </a:pPr>
             <a:endParaRPr lang="en-US" sz="1200" dirty="0"/>
           </a:p>
           <a:p>
@@ -8454,6 +8556,31 @@
             <a:r>
               <a:rPr lang="en-US" sz="1600" b="1" dirty="0"/>
               <a:t>Inverse</a:t>
+            </a:r>
+          </a:p>
+          <a:p>
+            <a:pPr marL="0" indent="0">
+              <a:buNone/>
+            </a:pPr>
+            <a:r>
+              <a:rPr lang="en-US" sz="800" dirty="0"/>
+              <a:t>    (</a:t>
+            </a:r>
+            <a:r>
+              <a:rPr lang="en-US" sz="800" b="1" i="1" dirty="0"/>
+              <a:t>Before Logarithmic Transformation</a:t>
+            </a:r>
+            <a:r>
+              <a:rPr lang="en-US" sz="800" dirty="0"/>
+              <a:t>)          (</a:t>
+            </a:r>
+            <a:r>
+              <a:rPr lang="en-US" sz="800" b="1" i="1" dirty="0"/>
+              <a:t>After Logarithmic Transformation</a:t>
+            </a:r>
+            <a:r>
+              <a:rPr lang="en-US" sz="800" dirty="0"/>
+              <a:t>)</a:t>
             </a:r>
           </a:p>
           <a:p>
@@ -8498,7 +8625,7 @@
           <p:cNvPr id="5" name="TextBox 4">
             <a:extLst>
               <a:ext uri="{FF2B5EF4-FFF2-40B4-BE49-F238E27FC236}">
-                <a16:creationId xmlns:a16="http://schemas.microsoft.com/office/drawing/2014/main" id="{E957E86E-3381-C246-8C57-00F5C98C2EB2}"/>
+                <a16:creationId xmlns:a16="http://schemas.microsoft.com/office/drawing/2014/main" id="{8EE40ED9-1C0A-4C4E-9863-74EE11F820A9}"/>
               </a:ext>
             </a:extLst>
           </p:cNvPr>
@@ -8507,8 +8634,8 @@
         </p:nvSpPr>
         <p:spPr>
           <a:xfrm>
-            <a:off x="10798034" y="1025490"/>
-            <a:ext cx="1183336" cy="523220"/>
+            <a:off x="10654557" y="1025490"/>
+            <a:ext cx="1468159" cy="523220"/>
           </a:xfrm>
           <a:prstGeom prst="rect">
             <a:avLst/>
@@ -8524,14 +8651,14 @@
             <a:pPr algn="ctr"/>
             <a:r>
               <a:rPr lang="en-US" sz="1400" dirty="0"/>
-              <a:t>Population</a:t>
+              <a:t>Mathematical</a:t>
             </a:r>
           </a:p>
           <a:p>
             <a:pPr algn="ctr"/>
             <a:r>
               <a:rPr lang="en-US" sz="1400" dirty="0"/>
-              <a:t>Adjustments</a:t>
+              <a:t>Transformations</a:t>
             </a:r>
           </a:p>
         </p:txBody>
@@ -8539,7 +8666,7 @@
     </p:spTree>
     <p:extLst>
       <p:ext uri="{BB962C8B-B14F-4D97-AF65-F5344CB8AC3E}">
-        <p14:creationId xmlns:p14="http://schemas.microsoft.com/office/powerpoint/2010/main" val="3745016284"/>
+        <p14:creationId xmlns:p14="http://schemas.microsoft.com/office/powerpoint/2010/main" val="142848313"/>
       </p:ext>
     </p:extLst>
   </p:cSld>
@@ -8605,7 +8732,7 @@
         </p:nvSpPr>
         <p:spPr>
           <a:xfrm>
-            <a:off x="680320" y="2347383"/>
+            <a:off x="680321" y="2336872"/>
             <a:ext cx="9613861" cy="4250539"/>
           </a:xfrm>
         </p:spPr>
@@ -8618,7 +8745,7 @@
             </a:pPr>
             <a:r>
               <a:rPr lang="en-US" b="1" dirty="0"/>
-              <a:t>Inflation Adjustments</a:t>
+              <a:t>Calendar Adjustments</a:t>
             </a:r>
           </a:p>
           <a:p>
@@ -8721,7 +8848,7 @@
           <p:cNvPr id="5" name="TextBox 4">
             <a:extLst>
               <a:ext uri="{FF2B5EF4-FFF2-40B4-BE49-F238E27FC236}">
-                <a16:creationId xmlns:a16="http://schemas.microsoft.com/office/drawing/2014/main" id="{7895024F-CFF8-2343-A5E4-E5E4E3EF9E24}"/>
+                <a16:creationId xmlns:a16="http://schemas.microsoft.com/office/drawing/2014/main" id="{3B11B03F-1D94-234E-AF2D-BD7312C1808B}"/>
               </a:ext>
             </a:extLst>
           </p:cNvPr>
@@ -8730,8 +8857,8 @@
         </p:nvSpPr>
         <p:spPr>
           <a:xfrm>
-            <a:off x="10753438" y="1025490"/>
-            <a:ext cx="1227965" cy="523220"/>
+            <a:off x="10798989" y="1025490"/>
+            <a:ext cx="1183336" cy="523220"/>
           </a:xfrm>
           <a:prstGeom prst="rect">
             <a:avLst/>
@@ -8747,14 +8874,14 @@
             <a:pPr algn="ctr"/>
             <a:r>
               <a:rPr lang="en-US" sz="1400" dirty="0"/>
-              <a:t>Inflation</a:t>
+              <a:t>Calendar</a:t>
             </a:r>
           </a:p>
           <a:p>
             <a:pPr algn="ctr"/>
             <a:r>
               <a:rPr lang="en-US" sz="1400" dirty="0"/>
-              <a:t> Adjustments</a:t>
+              <a:t>Adjustments</a:t>
             </a:r>
           </a:p>
         </p:txBody>
@@ -8762,7 +8889,7 @@
     </p:spTree>
     <p:extLst>
       <p:ext uri="{BB962C8B-B14F-4D97-AF65-F5344CB8AC3E}">
-        <p14:creationId xmlns:p14="http://schemas.microsoft.com/office/powerpoint/2010/main" val="174790273"/>
+        <p14:creationId xmlns:p14="http://schemas.microsoft.com/office/powerpoint/2010/main" val="1877975350"/>
       </p:ext>
     </p:extLst>
   </p:cSld>
@@ -8841,7 +8968,7 @@
             </a:pPr>
             <a:r>
               <a:rPr lang="en-US" b="1" dirty="0"/>
-              <a:t>Bias Adjustments</a:t>
+              <a:t>Population Adjustments</a:t>
             </a:r>
           </a:p>
           <a:p>
@@ -8944,7 +9071,7 @@
           <p:cNvPr id="5" name="TextBox 4">
             <a:extLst>
               <a:ext uri="{FF2B5EF4-FFF2-40B4-BE49-F238E27FC236}">
-                <a16:creationId xmlns:a16="http://schemas.microsoft.com/office/drawing/2014/main" id="{969154E0-FBD4-0F44-B179-26F4C1E63D8C}"/>
+                <a16:creationId xmlns:a16="http://schemas.microsoft.com/office/drawing/2014/main" id="{E957E86E-3381-C246-8C57-00F5C98C2EB2}"/>
               </a:ext>
             </a:extLst>
           </p:cNvPr>
@@ -8953,8 +9080,8 @@
         </p:nvSpPr>
         <p:spPr>
           <a:xfrm>
-            <a:off x="10797260" y="1025490"/>
-            <a:ext cx="1183337" cy="523220"/>
+            <a:off x="10798034" y="1025490"/>
+            <a:ext cx="1183336" cy="523220"/>
           </a:xfrm>
           <a:prstGeom prst="rect">
             <a:avLst/>
@@ -8970,7 +9097,7 @@
             <a:pPr algn="ctr"/>
             <a:r>
               <a:rPr lang="en-US" sz="1400" dirty="0"/>
-              <a:t>Bias</a:t>
+              <a:t>Population</a:t>
             </a:r>
           </a:p>
           <a:p>
@@ -8985,7 +9112,230 @@
     </p:spTree>
     <p:extLst>
       <p:ext uri="{BB962C8B-B14F-4D97-AF65-F5344CB8AC3E}">
-        <p14:creationId xmlns:p14="http://schemas.microsoft.com/office/powerpoint/2010/main" val="2675413872"/>
+        <p14:creationId xmlns:p14="http://schemas.microsoft.com/office/powerpoint/2010/main" val="3745016284"/>
+      </p:ext>
+    </p:extLst>
+  </p:cSld>
+  <p:clrMapOvr>
+    <a:masterClrMapping/>
+  </p:clrMapOvr>
+</p:sld>
+</file>
+
+<file path=ppt/slides/slide8.xml><?xml version="1.0" encoding="utf-8"?>
+<p:sld xmlns:a="http://schemas.openxmlformats.org/drawingml/2006/main" xmlns:r="http://schemas.openxmlformats.org/officeDocument/2006/relationships" xmlns:p="http://schemas.openxmlformats.org/presentationml/2006/main">
+  <p:cSld>
+    <p:spTree>
+      <p:nvGrpSpPr>
+        <p:cNvPr id="1" name=""/>
+        <p:cNvGrpSpPr/>
+        <p:nvPr/>
+      </p:nvGrpSpPr>
+      <p:grpSpPr>
+        <a:xfrm>
+          <a:off x="0" y="0"/>
+          <a:ext cx="0" cy="0"/>
+          <a:chOff x="0" y="0"/>
+          <a:chExt cx="0" cy="0"/>
+        </a:xfrm>
+      </p:grpSpPr>
+      <p:sp>
+        <p:nvSpPr>
+          <p:cNvPr id="2" name="Title 1"/>
+          <p:cNvSpPr>
+            <a:spLocks noGrp="1"/>
+          </p:cNvSpPr>
+          <p:nvPr>
+            <p:ph type="title"/>
+          </p:nvPr>
+        </p:nvSpPr>
+        <p:spPr>
+          <a:xfrm>
+            <a:off x="680321" y="753229"/>
+            <a:ext cx="9613861" cy="592096"/>
+          </a:xfrm>
+        </p:spPr>
+        <p:txBody>
+          <a:bodyPr/>
+          <a:lstStyle/>
+          <a:p>
+            <a:r>
+              <a:rPr lang="en-US" dirty="0"/>
+              <a:t>Time Series Decomposition</a:t>
+            </a:r>
+          </a:p>
+        </p:txBody>
+      </p:sp>
+      <p:sp>
+        <p:nvSpPr>
+          <p:cNvPr id="3" name="Content Placeholder 2"/>
+          <p:cNvSpPr>
+            <a:spLocks noGrp="1"/>
+          </p:cNvSpPr>
+          <p:nvPr>
+            <p:ph idx="1"/>
+          </p:nvPr>
+        </p:nvSpPr>
+        <p:spPr>
+          <a:xfrm>
+            <a:off x="680320" y="2347383"/>
+            <a:ext cx="9613861" cy="4250539"/>
+          </a:xfrm>
+        </p:spPr>
+        <p:txBody>
+          <a:bodyPr/>
+          <a:lstStyle/>
+          <a:p>
+            <a:pPr marL="0" indent="0">
+              <a:buNone/>
+            </a:pPr>
+            <a:r>
+              <a:rPr lang="en-US" b="1" dirty="0"/>
+              <a:t>Inflation Adjustments</a:t>
+            </a:r>
+          </a:p>
+          <a:p>
+            <a:pPr marL="0" indent="0">
+              <a:buNone/>
+            </a:pPr>
+            <a:r>
+              <a:rPr lang="en-US" sz="1600" b="1" dirty="0"/>
+              <a:t>Logarithmic</a:t>
+            </a:r>
+            <a:endParaRPr lang="en-US" sz="1400" b="1" dirty="0"/>
+          </a:p>
+          <a:p>
+            <a:pPr marL="0" indent="0">
+              <a:buNone/>
+            </a:pPr>
+            <a:r>
+              <a:rPr lang="en-US" sz="1200" dirty="0"/>
+              <a:t>Some text.</a:t>
+            </a:r>
+          </a:p>
+          <a:p>
+            <a:pPr marL="0" indent="0">
+              <a:buNone/>
+            </a:pPr>
+            <a:endParaRPr lang="en-US" sz="1600" b="1" dirty="0"/>
+          </a:p>
+          <a:p>
+            <a:pPr marL="0" indent="0">
+              <a:buNone/>
+            </a:pPr>
+            <a:r>
+              <a:rPr lang="en-US" sz="1600" b="1" dirty="0"/>
+              <a:t>Power (x√,x3)</a:t>
+            </a:r>
+          </a:p>
+          <a:p>
+            <a:pPr marL="0" indent="0">
+              <a:buNone/>
+            </a:pPr>
+            <a:r>
+              <a:rPr lang="en-US" sz="1200" dirty="0"/>
+              <a:t>Some text.</a:t>
+            </a:r>
+          </a:p>
+          <a:p>
+            <a:pPr marL="0" indent="0">
+              <a:buNone/>
+            </a:pPr>
+            <a:endParaRPr lang="en-US" sz="1200" dirty="0"/>
+          </a:p>
+          <a:p>
+            <a:pPr marL="0" indent="0">
+              <a:buNone/>
+            </a:pPr>
+            <a:r>
+              <a:rPr lang="en-US" sz="1600" b="1" dirty="0"/>
+              <a:t>Inverse</a:t>
+            </a:r>
+          </a:p>
+          <a:p>
+            <a:pPr marL="0" indent="0">
+              <a:buNone/>
+            </a:pPr>
+            <a:endParaRPr lang="en-US" sz="1200" dirty="0"/>
+          </a:p>
+        </p:txBody>
+      </p:sp>
+      <p:sp>
+        <p:nvSpPr>
+          <p:cNvPr id="4" name="TextBox 3"/>
+          <p:cNvSpPr txBox="1"/>
+          <p:nvPr/>
+        </p:nvSpPr>
+        <p:spPr>
+          <a:xfrm>
+            <a:off x="948488" y="1287100"/>
+            <a:ext cx="4078361" cy="369332"/>
+          </a:xfrm>
+          <a:prstGeom prst="rect">
+            <a:avLst/>
+          </a:prstGeom>
+          <a:noFill/>
+        </p:spPr>
+        <p:txBody>
+          <a:bodyPr wrap="none" rtlCol="0">
+            <a:spAutoFit/>
+          </a:bodyPr>
+          <a:lstStyle/>
+          <a:p>
+            <a:r>
+              <a:rPr lang="en-US" dirty="0"/>
+              <a:t>Transformation and Adjustment Types</a:t>
+            </a:r>
+          </a:p>
+        </p:txBody>
+      </p:sp>
+      <p:sp>
+        <p:nvSpPr>
+          <p:cNvPr id="5" name="TextBox 4">
+            <a:extLst>
+              <a:ext uri="{FF2B5EF4-FFF2-40B4-BE49-F238E27FC236}">
+                <a16:creationId xmlns:a16="http://schemas.microsoft.com/office/drawing/2014/main" id="{7895024F-CFF8-2343-A5E4-E5E4E3EF9E24}"/>
+              </a:ext>
+            </a:extLst>
+          </p:cNvPr>
+          <p:cNvSpPr txBox="1"/>
+          <p:nvPr/>
+        </p:nvSpPr>
+        <p:spPr>
+          <a:xfrm>
+            <a:off x="10753438" y="1025490"/>
+            <a:ext cx="1227965" cy="523220"/>
+          </a:xfrm>
+          <a:prstGeom prst="rect">
+            <a:avLst/>
+          </a:prstGeom>
+          <a:noFill/>
+        </p:spPr>
+        <p:txBody>
+          <a:bodyPr wrap="none" rtlCol="0">
+            <a:spAutoFit/>
+          </a:bodyPr>
+          <a:lstStyle/>
+          <a:p>
+            <a:pPr algn="ctr"/>
+            <a:r>
+              <a:rPr lang="en-US" sz="1400" dirty="0"/>
+              <a:t>Inflation</a:t>
+            </a:r>
+          </a:p>
+          <a:p>
+            <a:pPr algn="ctr"/>
+            <a:r>
+              <a:rPr lang="en-US" sz="1400" dirty="0"/>
+              <a:t> Adjustments</a:t>
+            </a:r>
+          </a:p>
+        </p:txBody>
+      </p:sp>
+    </p:spTree>
+    <p:extLst>
+      <p:ext uri="{BB962C8B-B14F-4D97-AF65-F5344CB8AC3E}">
+        <p14:creationId xmlns:p14="http://schemas.microsoft.com/office/powerpoint/2010/main" val="174790273"/>
       </p:ext>
     </p:extLst>
   </p:cSld>

--- a/Data624TimeSeriesDecompPresentation.pptx
+++ b/Data624TimeSeriesDecompPresentation.pptx
@@ -7,12 +7,14 @@
   <p:sldIdLst>
     <p:sldId id="256" r:id="rId2"/>
     <p:sldId id="257" r:id="rId3"/>
-    <p:sldId id="262" r:id="rId4"/>
-    <p:sldId id="263" r:id="rId5"/>
-    <p:sldId id="258" r:id="rId6"/>
-    <p:sldId id="259" r:id="rId7"/>
-    <p:sldId id="260" r:id="rId8"/>
-    <p:sldId id="261" r:id="rId9"/>
+    <p:sldId id="258" r:id="rId4"/>
+    <p:sldId id="265" r:id="rId5"/>
+    <p:sldId id="264" r:id="rId6"/>
+    <p:sldId id="263" r:id="rId7"/>
+    <p:sldId id="266" r:id="rId8"/>
+    <p:sldId id="259" r:id="rId9"/>
+    <p:sldId id="260" r:id="rId10"/>
+    <p:sldId id="261" r:id="rId11"/>
   </p:sldIdLst>
   <p:sldSz cx="12192000" cy="6858000"/>
   <p:notesSz cx="6858000" cy="9144000"/>
@@ -7765,6 +7767,229 @@
 </p:sld>
 </file>
 
+<file path=ppt/slides/slide10.xml><?xml version="1.0" encoding="utf-8"?>
+<p:sld xmlns:a="http://schemas.openxmlformats.org/drawingml/2006/main" xmlns:r="http://schemas.openxmlformats.org/officeDocument/2006/relationships" xmlns:p="http://schemas.openxmlformats.org/presentationml/2006/main">
+  <p:cSld>
+    <p:spTree>
+      <p:nvGrpSpPr>
+        <p:cNvPr id="1" name=""/>
+        <p:cNvGrpSpPr/>
+        <p:nvPr/>
+      </p:nvGrpSpPr>
+      <p:grpSpPr>
+        <a:xfrm>
+          <a:off x="0" y="0"/>
+          <a:ext cx="0" cy="0"/>
+          <a:chOff x="0" y="0"/>
+          <a:chExt cx="0" cy="0"/>
+        </a:xfrm>
+      </p:grpSpPr>
+      <p:sp>
+        <p:nvSpPr>
+          <p:cNvPr id="2" name="Title 1"/>
+          <p:cNvSpPr>
+            <a:spLocks noGrp="1"/>
+          </p:cNvSpPr>
+          <p:nvPr>
+            <p:ph type="title"/>
+          </p:nvPr>
+        </p:nvSpPr>
+        <p:spPr>
+          <a:xfrm>
+            <a:off x="680321" y="753229"/>
+            <a:ext cx="9613861" cy="592096"/>
+          </a:xfrm>
+        </p:spPr>
+        <p:txBody>
+          <a:bodyPr/>
+          <a:lstStyle/>
+          <a:p>
+            <a:r>
+              <a:rPr lang="en-US" dirty="0"/>
+              <a:t>Time Series Decomposition</a:t>
+            </a:r>
+          </a:p>
+        </p:txBody>
+      </p:sp>
+      <p:sp>
+        <p:nvSpPr>
+          <p:cNvPr id="3" name="Content Placeholder 2"/>
+          <p:cNvSpPr>
+            <a:spLocks noGrp="1"/>
+          </p:cNvSpPr>
+          <p:nvPr>
+            <p:ph idx="1"/>
+          </p:nvPr>
+        </p:nvSpPr>
+        <p:spPr>
+          <a:xfrm>
+            <a:off x="680320" y="2347383"/>
+            <a:ext cx="9613861" cy="4250539"/>
+          </a:xfrm>
+        </p:spPr>
+        <p:txBody>
+          <a:bodyPr/>
+          <a:lstStyle/>
+          <a:p>
+            <a:pPr marL="0" indent="0">
+              <a:buNone/>
+            </a:pPr>
+            <a:r>
+              <a:rPr lang="en-US" b="1" dirty="0"/>
+              <a:t>Inflation Adjustments</a:t>
+            </a:r>
+          </a:p>
+          <a:p>
+            <a:pPr marL="0" indent="0">
+              <a:buNone/>
+            </a:pPr>
+            <a:r>
+              <a:rPr lang="en-US" sz="1600" b="1" dirty="0"/>
+              <a:t>Logarithmic</a:t>
+            </a:r>
+            <a:endParaRPr lang="en-US" sz="1400" b="1" dirty="0"/>
+          </a:p>
+          <a:p>
+            <a:pPr marL="0" indent="0">
+              <a:buNone/>
+            </a:pPr>
+            <a:r>
+              <a:rPr lang="en-US" sz="1200" dirty="0"/>
+              <a:t>Some text.</a:t>
+            </a:r>
+          </a:p>
+          <a:p>
+            <a:pPr marL="0" indent="0">
+              <a:buNone/>
+            </a:pPr>
+            <a:endParaRPr lang="en-US" sz="1600" b="1" dirty="0"/>
+          </a:p>
+          <a:p>
+            <a:pPr marL="0" indent="0">
+              <a:buNone/>
+            </a:pPr>
+            <a:r>
+              <a:rPr lang="en-US" sz="1600" b="1" dirty="0"/>
+              <a:t>Power (x√,x3)</a:t>
+            </a:r>
+          </a:p>
+          <a:p>
+            <a:pPr marL="0" indent="0">
+              <a:buNone/>
+            </a:pPr>
+            <a:r>
+              <a:rPr lang="en-US" sz="1200" dirty="0"/>
+              <a:t>Some text.</a:t>
+            </a:r>
+          </a:p>
+          <a:p>
+            <a:pPr marL="0" indent="0">
+              <a:buNone/>
+            </a:pPr>
+            <a:endParaRPr lang="en-US" sz="1200" dirty="0"/>
+          </a:p>
+          <a:p>
+            <a:pPr marL="0" indent="0">
+              <a:buNone/>
+            </a:pPr>
+            <a:r>
+              <a:rPr lang="en-US" sz="1600" b="1" dirty="0"/>
+              <a:t>Inverse</a:t>
+            </a:r>
+          </a:p>
+          <a:p>
+            <a:pPr marL="0" indent="0">
+              <a:buNone/>
+            </a:pPr>
+            <a:endParaRPr lang="en-US" sz="1200" dirty="0"/>
+          </a:p>
+        </p:txBody>
+      </p:sp>
+      <p:sp>
+        <p:nvSpPr>
+          <p:cNvPr id="4" name="TextBox 3"/>
+          <p:cNvSpPr txBox="1"/>
+          <p:nvPr/>
+        </p:nvSpPr>
+        <p:spPr>
+          <a:xfrm>
+            <a:off x="948488" y="1287100"/>
+            <a:ext cx="4078361" cy="369332"/>
+          </a:xfrm>
+          <a:prstGeom prst="rect">
+            <a:avLst/>
+          </a:prstGeom>
+          <a:noFill/>
+        </p:spPr>
+        <p:txBody>
+          <a:bodyPr wrap="none" rtlCol="0">
+            <a:spAutoFit/>
+          </a:bodyPr>
+          <a:lstStyle/>
+          <a:p>
+            <a:r>
+              <a:rPr lang="en-US" dirty="0"/>
+              <a:t>Transformation and Adjustment Types</a:t>
+            </a:r>
+          </a:p>
+        </p:txBody>
+      </p:sp>
+      <p:sp>
+        <p:nvSpPr>
+          <p:cNvPr id="5" name="TextBox 4">
+            <a:extLst>
+              <a:ext uri="{FF2B5EF4-FFF2-40B4-BE49-F238E27FC236}">
+                <a16:creationId xmlns:a16="http://schemas.microsoft.com/office/drawing/2014/main" id="{7895024F-CFF8-2343-A5E4-E5E4E3EF9E24}"/>
+              </a:ext>
+            </a:extLst>
+          </p:cNvPr>
+          <p:cNvSpPr txBox="1"/>
+          <p:nvPr/>
+        </p:nvSpPr>
+        <p:spPr>
+          <a:xfrm>
+            <a:off x="10753438" y="1025490"/>
+            <a:ext cx="1227965" cy="523220"/>
+          </a:xfrm>
+          <a:prstGeom prst="rect">
+            <a:avLst/>
+          </a:prstGeom>
+          <a:noFill/>
+        </p:spPr>
+        <p:txBody>
+          <a:bodyPr wrap="none" rtlCol="0">
+            <a:spAutoFit/>
+          </a:bodyPr>
+          <a:lstStyle/>
+          <a:p>
+            <a:pPr algn="ctr"/>
+            <a:r>
+              <a:rPr lang="en-US" sz="1400" dirty="0"/>
+              <a:t>Inflation</a:t>
+            </a:r>
+          </a:p>
+          <a:p>
+            <a:pPr algn="ctr"/>
+            <a:r>
+              <a:rPr lang="en-US" sz="1400" dirty="0"/>
+              <a:t> Adjustments</a:t>
+            </a:r>
+          </a:p>
+        </p:txBody>
+      </p:sp>
+    </p:spTree>
+    <p:extLst>
+      <p:ext uri="{BB962C8B-B14F-4D97-AF65-F5344CB8AC3E}">
+        <p14:creationId xmlns:p14="http://schemas.microsoft.com/office/powerpoint/2010/main" val="174790273"/>
+      </p:ext>
+    </p:extLst>
+  </p:cSld>
+  <p:clrMapOvr>
+    <a:masterClrMapping/>
+  </p:clrMapOvr>
+</p:sld>
+</file>
+
 <file path=ppt/slides/slide2.xml><?xml version="1.0" encoding="utf-8"?>
 <p:sld xmlns:a="http://schemas.openxmlformats.org/drawingml/2006/main" xmlns:r="http://schemas.openxmlformats.org/officeDocument/2006/relationships" xmlns:p="http://schemas.openxmlformats.org/presentationml/2006/main">
   <p:cSld>
@@ -7991,7 +8216,9 @@
           </a:xfrm>
         </p:spPr>
         <p:txBody>
-          <a:bodyPr/>
+          <a:bodyPr>
+            <a:normAutofit/>
+          </a:bodyPr>
           <a:lstStyle/>
           <a:p>
             <a:pPr marL="0" indent="0">
@@ -8008,9 +8235,25 @@
             </a:pPr>
             <a:r>
               <a:rPr lang="en-US" sz="1600" b="1" dirty="0"/>
-              <a:t>Logarithmic</a:t>
-            </a:r>
-            <a:endParaRPr lang="en-US" sz="1400" b="1" dirty="0"/>
+              <a:t>Power Transformations </a:t>
+            </a:r>
+            <a:r>
+              <a:rPr lang="en-US" sz="1600" b="1" i="1" dirty="0"/>
+              <a:t>√(𝑥), (𝑥)</a:t>
+            </a:r>
+            <a:r>
+              <a:rPr lang="en-US" sz="1600" b="1" i="1" baseline="30000" dirty="0"/>
+              <a:t>1/3</a:t>
+            </a:r>
+            <a:r>
+              <a:rPr lang="en-US" sz="1600" b="1" i="1" dirty="0"/>
+              <a:t>, log(𝑥), Box Cox </a:t>
+            </a:r>
+            <a:r>
+              <a:rPr lang="en-US" sz="1600" b="1" i="1" baseline="30000" dirty="0"/>
+              <a:t> </a:t>
+            </a:r>
+            <a:endParaRPr lang="en-US" sz="1200" i="1" baseline="30000" dirty="0"/>
           </a:p>
           <a:p>
             <a:pPr marL="0" indent="0">
@@ -8018,15 +8261,16 @@
             </a:pPr>
             <a:r>
               <a:rPr lang="en-US" sz="1200" dirty="0"/>
-              <a:t>Useful for correcting heteroskedasticity (</a:t>
-            </a:r>
-            <a:r>
-              <a:rPr lang="en-US" sz="1200" i="1" dirty="0"/>
-              <a:t>variance gets larger over time</a:t>
-            </a:r>
+              <a:t>Power transformations are used for variance stabilization and normalization.</a:t>
+            </a:r>
+          </a:p>
+          <a:p>
+            <a:pPr marL="0" indent="0">
+              <a:buNone/>
+            </a:pPr>
             <a:r>
               <a:rPr lang="en-US" sz="1200" dirty="0"/>
-              <a:t>) prior to modeling.</a:t>
+              <a:t>In the context of a time series, power transformations are useful for removing change in variance over time.</a:t>
             </a:r>
           </a:p>
           <a:p>
@@ -8039,6 +8283,82 @@
             <a:pPr marL="0" indent="0">
               <a:buNone/>
             </a:pPr>
+            <a:r>
+              <a:rPr lang="en-US" sz="1400" dirty="0"/>
+              <a:t>The most common power transformations are:</a:t>
+            </a:r>
+          </a:p>
+          <a:p>
+            <a:pPr marL="342900" indent="-342900">
+              <a:buAutoNum type="alphaUcPeriod"/>
+            </a:pPr>
+            <a:r>
+              <a:rPr lang="en-US" sz="1400" dirty="0"/>
+              <a:t>Square root -&gt; (√𝑥)</a:t>
+            </a:r>
+            <a:br>
+              <a:rPr lang="en-US" sz="1400" dirty="0"/>
+            </a:br>
+            <a:endParaRPr lang="en-US" sz="1400" dirty="0"/>
+          </a:p>
+          <a:p>
+            <a:pPr marL="342900" indent="-342900">
+              <a:buFont typeface="Arial" panose="020B0604020202020204" pitchFamily="34" charset="0"/>
+              <a:buAutoNum type="alphaUcPeriod"/>
+            </a:pPr>
+            <a:r>
+              <a:rPr lang="en-US" sz="1400" dirty="0"/>
+              <a:t>Cube root -&gt; (𝑥)</a:t>
+            </a:r>
+            <a:r>
+              <a:rPr lang="en-US" sz="1400" baseline="30000" dirty="0"/>
+              <a:t>1/3</a:t>
+            </a:r>
+            <a:br>
+              <a:rPr lang="en-US" sz="1400" baseline="30000" dirty="0"/>
+            </a:br>
+            <a:endParaRPr lang="en-US" sz="1400" baseline="30000" dirty="0"/>
+          </a:p>
+          <a:p>
+            <a:pPr marL="342900" indent="-342900">
+              <a:buFont typeface="Arial" panose="020B0604020202020204" pitchFamily="34" charset="0"/>
+              <a:buAutoNum type="alphaUcPeriod"/>
+            </a:pPr>
+            <a:r>
+              <a:rPr lang="en-US" sz="1400" dirty="0"/>
+              <a:t>Log -&gt; log(𝑥)</a:t>
+            </a:r>
+            <a:br>
+              <a:rPr lang="en-US" sz="1400" dirty="0"/>
+            </a:br>
+            <a:endParaRPr lang="en-US" sz="1400" dirty="0"/>
+          </a:p>
+          <a:p>
+            <a:pPr marL="342900" indent="-342900">
+              <a:buFont typeface="Arial" panose="020B0604020202020204" pitchFamily="34" charset="0"/>
+              <a:buAutoNum type="alphaUcPeriod"/>
+            </a:pPr>
+            <a:r>
+              <a:rPr lang="en-US" sz="1400" dirty="0"/>
+              <a:t>Box Cox</a:t>
+            </a:r>
+          </a:p>
+          <a:p>
+            <a:pPr marL="0" indent="0">
+              <a:buNone/>
+            </a:pPr>
+            <a:endParaRPr lang="en-US" sz="1400" baseline="30000" dirty="0"/>
+          </a:p>
+          <a:p>
+            <a:pPr marL="342900" indent="-342900">
+              <a:buAutoNum type="alphaUcPeriod"/>
+            </a:pPr>
+            <a:endParaRPr lang="en-US" sz="1400" dirty="0"/>
+          </a:p>
+          <a:p>
+            <a:pPr marL="0" indent="0">
+              <a:buNone/>
+            </a:pPr>
             <a:endParaRPr lang="en-US" sz="1200" dirty="0"/>
           </a:p>
           <a:p>
@@ -8051,7 +8371,7 @@
             <a:pPr marL="0" indent="0">
               <a:buNone/>
             </a:pPr>
-            <a:endParaRPr lang="en-US" sz="1600" b="1" dirty="0"/>
+            <a:endParaRPr lang="en-US" sz="1200" dirty="0"/>
           </a:p>
           <a:p>
             <a:pPr marL="0" indent="0">
@@ -8133,40 +8453,10 @@
           </a:p>
         </p:txBody>
       </p:sp>
-      <p:pic>
-        <p:nvPicPr>
-          <p:cNvPr id="8" name="Picture 7" descr="Chart, scatter chart&#10;&#10;Description automatically generated">
-            <a:extLst>
-              <a:ext uri="{FF2B5EF4-FFF2-40B4-BE49-F238E27FC236}">
-                <a16:creationId xmlns:a16="http://schemas.microsoft.com/office/drawing/2014/main" id="{74C57507-D85A-3847-A404-7235EA435249}"/>
-              </a:ext>
-            </a:extLst>
-          </p:cNvPr>
-          <p:cNvPicPr>
-            <a:picLocks noChangeAspect="1"/>
-          </p:cNvPicPr>
-          <p:nvPr/>
-        </p:nvPicPr>
-        <p:blipFill>
-          <a:blip r:embed="rId2"/>
-          <a:stretch>
-            <a:fillRect/>
-          </a:stretch>
-        </p:blipFill>
-        <p:spPr>
-          <a:xfrm>
-            <a:off x="800115" y="3462336"/>
-            <a:ext cx="6126202" cy="3092095"/>
-          </a:xfrm>
-          <a:prstGeom prst="rect">
-            <a:avLst/>
-          </a:prstGeom>
-        </p:spPr>
-      </p:pic>
     </p:spTree>
     <p:extLst>
       <p:ext uri="{BB962C8B-B14F-4D97-AF65-F5344CB8AC3E}">
-        <p14:creationId xmlns:p14="http://schemas.microsoft.com/office/powerpoint/2010/main" val="3588662481"/>
+        <p14:creationId xmlns:p14="http://schemas.microsoft.com/office/powerpoint/2010/main" val="142848313"/>
       </p:ext>
     </p:extLst>
   </p:cSld>
@@ -8237,17 +8527,18 @@
           </a:xfrm>
         </p:spPr>
         <p:txBody>
-          <a:bodyPr/>
+          <a:bodyPr>
+            <a:normAutofit/>
+          </a:bodyPr>
           <a:lstStyle/>
           <a:p>
             <a:pPr marL="0" indent="0">
               <a:buNone/>
             </a:pPr>
             <a:r>
-              <a:rPr lang="en-US" sz="1600" b="1" dirty="0"/>
-              <a:t>Logarithmic</a:t>
-            </a:r>
-            <a:endParaRPr lang="en-US" sz="1400" b="1" dirty="0"/>
+              <a:rPr lang="en-US" sz="1400" dirty="0"/>
+              <a:t>A. Square root -&gt; (√𝑥) </a:t>
+            </a:r>
           </a:p>
           <a:p>
             <a:pPr marL="0" indent="0">
@@ -8255,22 +8546,101 @@
             </a:pPr>
             <a:r>
               <a:rPr lang="en-US" sz="1200" dirty="0"/>
-              <a:t>Useful for normalizing data.</a:t>
-            </a:r>
+              <a:t>Used to make a time series with a quadratic growth trend linear by taking the square root.</a:t>
+            </a:r>
+            <a:endParaRPr lang="en-US" sz="1400" baseline="30000" dirty="0"/>
           </a:p>
           <a:p>
             <a:pPr marL="0" indent="0">
               <a:buNone/>
             </a:pPr>
-            <a:r>
-              <a:rPr lang="en-US" sz="1200" dirty="0"/>
-              <a:t>A log transform will transform skewed data to approximately conform to normality.</a:t>
-            </a:r>
+            <a:endParaRPr lang="en-US" sz="1400" baseline="30000" dirty="0"/>
           </a:p>
           <a:p>
             <a:pPr marL="0" indent="0">
               <a:buNone/>
             </a:pPr>
+            <a:endParaRPr lang="en-US" sz="1400" baseline="30000" dirty="0"/>
+          </a:p>
+          <a:p>
+            <a:pPr marL="0" indent="0">
+              <a:buNone/>
+            </a:pPr>
+            <a:endParaRPr lang="en-US" sz="1400" baseline="30000" dirty="0"/>
+          </a:p>
+          <a:p>
+            <a:pPr marL="0" indent="0">
+              <a:buNone/>
+            </a:pPr>
+            <a:endParaRPr lang="en-US" sz="1400" baseline="30000" dirty="0"/>
+          </a:p>
+          <a:p>
+            <a:pPr marL="0" indent="0">
+              <a:buNone/>
+            </a:pPr>
+            <a:endParaRPr lang="en-US" sz="1400" baseline="30000" dirty="0"/>
+          </a:p>
+          <a:p>
+            <a:pPr marL="0" indent="0">
+              <a:buNone/>
+            </a:pPr>
+            <a:endParaRPr lang="en-US" sz="1400" baseline="30000" dirty="0"/>
+          </a:p>
+          <a:p>
+            <a:pPr marL="0" indent="0">
+              <a:buNone/>
+            </a:pPr>
+            <a:endParaRPr lang="en-US" sz="1400" baseline="30000" dirty="0"/>
+          </a:p>
+          <a:p>
+            <a:pPr marL="0" indent="0">
+              <a:buNone/>
+            </a:pPr>
+            <a:endParaRPr lang="en-US" sz="1400" baseline="30000" dirty="0"/>
+          </a:p>
+          <a:p>
+            <a:pPr marL="0" indent="0">
+              <a:buNone/>
+            </a:pPr>
+            <a:endParaRPr lang="en-US" sz="1400" dirty="0"/>
+          </a:p>
+          <a:p>
+            <a:pPr marL="0" indent="0">
+              <a:buNone/>
+            </a:pPr>
+            <a:endParaRPr lang="en-US" sz="1000" b="1" i="1" dirty="0"/>
+          </a:p>
+          <a:p>
+            <a:pPr marL="0" indent="0">
+              <a:buNone/>
+            </a:pPr>
+            <a:endParaRPr lang="en-US" sz="1000" b="1" i="1" dirty="0"/>
+          </a:p>
+          <a:p>
+            <a:pPr marL="0" indent="0">
+              <a:buNone/>
+            </a:pPr>
+            <a:endParaRPr lang="en-US" sz="1000" b="1" i="1" dirty="0"/>
+          </a:p>
+          <a:p>
+            <a:pPr marL="0" indent="0">
+              <a:buNone/>
+            </a:pPr>
+            <a:r>
+              <a:rPr lang="en-US" sz="1000" b="1" i="1" dirty="0"/>
+              <a:t>Before Square Root transformation.			               After Square Root transformation.</a:t>
+            </a:r>
+          </a:p>
+          <a:p>
+            <a:pPr marL="0" indent="0">
+              <a:buNone/>
+            </a:pPr>
+            <a:endParaRPr lang="en-US" sz="1400" dirty="0"/>
+          </a:p>
+          <a:p>
+            <a:pPr marL="0" indent="0">
+              <a:buNone/>
+            </a:pPr>
             <a:endParaRPr lang="en-US" sz="1200" dirty="0"/>
           </a:p>
           <a:p>
@@ -8284,60 +8654,6 @@
               <a:buNone/>
             </a:pPr>
             <a:endParaRPr lang="en-US" sz="1200" dirty="0"/>
-          </a:p>
-          <a:p>
-            <a:pPr marL="0" indent="0">
-              <a:buNone/>
-            </a:pPr>
-            <a:endParaRPr lang="en-US" sz="1200" dirty="0"/>
-          </a:p>
-          <a:p>
-            <a:pPr marL="0" indent="0">
-              <a:buNone/>
-            </a:pPr>
-            <a:endParaRPr lang="en-US" sz="1600" b="1" dirty="0"/>
-          </a:p>
-          <a:p>
-            <a:pPr marL="0" indent="0">
-              <a:buNone/>
-            </a:pPr>
-            <a:endParaRPr lang="en-US" sz="1600" b="1" dirty="0"/>
-          </a:p>
-          <a:p>
-            <a:pPr marL="0" indent="0">
-              <a:buNone/>
-            </a:pPr>
-            <a:endParaRPr lang="en-US" sz="1600" b="1" dirty="0"/>
-          </a:p>
-          <a:p>
-            <a:pPr marL="0" indent="0">
-              <a:buNone/>
-            </a:pPr>
-            <a:endParaRPr lang="en-US" sz="1600" b="1" dirty="0"/>
-          </a:p>
-          <a:p>
-            <a:pPr marL="0" indent="0">
-              <a:buNone/>
-            </a:pPr>
-            <a:endParaRPr lang="en-US" sz="1600" b="1" dirty="0"/>
-          </a:p>
-          <a:p>
-            <a:pPr marL="0" indent="0">
-              <a:buNone/>
-            </a:pPr>
-            <a:r>
-              <a:rPr lang="en-US" sz="1050" b="1" i="1" dirty="0"/>
-              <a:t>       Before Logarithmic Transformation</a:t>
-            </a:r>
-            <a:r>
-              <a:rPr lang="en-US" sz="1050" dirty="0"/>
-              <a:t>                              </a:t>
-            </a:r>
-            <a:r>
-              <a:rPr lang="en-US" sz="1050" b="1" i="1" dirty="0"/>
-              <a:t>After Logarithmic Transformation</a:t>
-            </a:r>
-            <a:endParaRPr lang="en-US" sz="1050" dirty="0"/>
           </a:p>
           <a:p>
             <a:pPr marL="0" indent="0">
@@ -8421,10 +8737,10 @@
       </p:sp>
       <p:pic>
         <p:nvPicPr>
-          <p:cNvPr id="7" name="Picture 6" descr="Chart, histogram&#10;&#10;Description automatically generated">
+          <p:cNvPr id="7" name="Picture 6" descr="Histogram&#10;&#10;Description automatically generated">
             <a:extLst>
               <a:ext uri="{FF2B5EF4-FFF2-40B4-BE49-F238E27FC236}">
-                <a16:creationId xmlns:a16="http://schemas.microsoft.com/office/drawing/2014/main" id="{A1C5E6CC-0287-C642-8BC1-95A337424022}"/>
+                <a16:creationId xmlns:a16="http://schemas.microsoft.com/office/drawing/2014/main" id="{3758A71E-6070-AB44-8DCA-26F68C3C3468}"/>
               </a:ext>
             </a:extLst>
           </p:cNvPr>
@@ -8441,8 +8757,38 @@
         </p:blipFill>
         <p:spPr>
           <a:xfrm>
-            <a:off x="775138" y="3355428"/>
-            <a:ext cx="6277303" cy="2615544"/>
+            <a:off x="680321" y="3054919"/>
+            <a:ext cx="3745616" cy="2814443"/>
+          </a:xfrm>
+          <a:prstGeom prst="rect">
+            <a:avLst/>
+          </a:prstGeom>
+        </p:spPr>
+      </p:pic>
+      <p:pic>
+        <p:nvPicPr>
+          <p:cNvPr id="10" name="Picture 9" descr="Chart&#10;&#10;Description automatically generated with medium confidence">
+            <a:extLst>
+              <a:ext uri="{FF2B5EF4-FFF2-40B4-BE49-F238E27FC236}">
+                <a16:creationId xmlns:a16="http://schemas.microsoft.com/office/drawing/2014/main" id="{60716CD1-974F-9743-8F8A-ABC453B8DA72}"/>
+              </a:ext>
+            </a:extLst>
+          </p:cNvPr>
+          <p:cNvPicPr>
+            <a:picLocks noChangeAspect="1"/>
+          </p:cNvPicPr>
+          <p:nvPr/>
+        </p:nvPicPr>
+        <p:blipFill>
+          <a:blip r:embed="rId3"/>
+          <a:stretch>
+            <a:fillRect/>
+          </a:stretch>
+        </p:blipFill>
+        <p:spPr>
+          <a:xfrm>
+            <a:off x="5834351" y="3054918"/>
+            <a:ext cx="3863428" cy="2814443"/>
           </a:xfrm>
           <a:prstGeom prst="rect">
             <a:avLst/>
@@ -8452,7 +8798,7 @@
     </p:spTree>
     <p:extLst>
       <p:ext uri="{BB962C8B-B14F-4D97-AF65-F5344CB8AC3E}">
-        <p14:creationId xmlns:p14="http://schemas.microsoft.com/office/powerpoint/2010/main" val="2941228201"/>
+        <p14:creationId xmlns:p14="http://schemas.microsoft.com/office/powerpoint/2010/main" val="2443802054"/>
       </p:ext>
     </p:extLst>
   </p:cSld>
@@ -8523,15 +8869,21 @@
           </a:xfrm>
         </p:spPr>
         <p:txBody>
-          <a:bodyPr/>
+          <a:bodyPr>
+            <a:normAutofit/>
+          </a:bodyPr>
           <a:lstStyle/>
           <a:p>
             <a:pPr marL="0" indent="0">
               <a:buNone/>
             </a:pPr>
             <a:r>
-              <a:rPr lang="en-US" sz="1600" b="1" dirty="0"/>
-              <a:t>Power (x√,x3)</a:t>
+              <a:rPr lang="en-US" sz="1400" dirty="0"/>
+              <a:t>B. Cube root -&gt; (𝑥)</a:t>
+            </a:r>
+            <a:r>
+              <a:rPr lang="en-US" sz="1400" baseline="30000" dirty="0"/>
+              <a:t>1/3</a:t>
             </a:r>
           </a:p>
           <a:p>
@@ -8540,48 +8892,96 @@
             </a:pPr>
             <a:r>
               <a:rPr lang="en-US" sz="1200" dirty="0"/>
-              <a:t>Some text.</a:t>
-            </a:r>
+              <a:t>Used to make a time series with a cubic growth trend linear by transforming the data to its cube root.</a:t>
+            </a:r>
+            <a:endParaRPr lang="en-US" sz="1400" baseline="30000" dirty="0"/>
           </a:p>
           <a:p>
             <a:pPr marL="0" indent="0">
               <a:buNone/>
             </a:pPr>
+            <a:endParaRPr lang="en-US" sz="1400" baseline="30000" dirty="0"/>
+          </a:p>
+          <a:p>
+            <a:pPr marL="0" indent="0">
+              <a:buNone/>
+            </a:pPr>
+            <a:endParaRPr lang="en-US" sz="1400" baseline="30000" dirty="0"/>
+          </a:p>
+          <a:p>
+            <a:pPr marL="0" indent="0">
+              <a:buNone/>
+            </a:pPr>
+            <a:endParaRPr lang="en-US" sz="1400" baseline="30000" dirty="0"/>
+          </a:p>
+          <a:p>
+            <a:pPr marL="0" indent="0">
+              <a:buNone/>
+            </a:pPr>
+            <a:endParaRPr lang="en-US" sz="1400" baseline="30000" dirty="0"/>
+          </a:p>
+          <a:p>
+            <a:pPr marL="0" indent="0">
+              <a:buNone/>
+            </a:pPr>
+            <a:endParaRPr lang="en-US" sz="1400" baseline="30000" dirty="0"/>
+          </a:p>
+          <a:p>
+            <a:pPr marL="0" indent="0">
+              <a:buNone/>
+            </a:pPr>
+            <a:endParaRPr lang="en-US" sz="1400" baseline="30000" dirty="0"/>
+          </a:p>
+          <a:p>
+            <a:pPr marL="0" indent="0">
+              <a:buNone/>
+            </a:pPr>
+            <a:endParaRPr lang="en-US" sz="1400" baseline="30000" dirty="0"/>
+          </a:p>
+          <a:p>
+            <a:pPr marL="0" indent="0">
+              <a:buNone/>
+            </a:pPr>
+            <a:endParaRPr lang="en-US" sz="1400" baseline="30000" dirty="0"/>
+          </a:p>
+          <a:p>
+            <a:pPr marL="0" indent="0">
+              <a:buNone/>
+            </a:pPr>
+            <a:endParaRPr lang="en-US" sz="1400" dirty="0"/>
+          </a:p>
+          <a:p>
+            <a:pPr marL="0" indent="0">
+              <a:buNone/>
+            </a:pPr>
+            <a:r>
+              <a:rPr lang="en-US" sz="1000" b="1" i="1" dirty="0"/>
+              <a:t>Before Cube Root transformation.			               After Cube Root transformation.</a:t>
+            </a:r>
+          </a:p>
+          <a:p>
+            <a:pPr marL="0" indent="0">
+              <a:buNone/>
+            </a:pPr>
+            <a:endParaRPr lang="en-US" sz="1400" dirty="0"/>
+          </a:p>
+          <a:p>
+            <a:pPr marL="0" indent="0">
+              <a:buNone/>
+            </a:pPr>
             <a:endParaRPr lang="en-US" sz="1200" dirty="0"/>
           </a:p>
           <a:p>
             <a:pPr marL="0" indent="0">
               <a:buNone/>
             </a:pPr>
-            <a:r>
-              <a:rPr lang="en-US" sz="1600" b="1" dirty="0"/>
-              <a:t>Inverse</a:t>
-            </a:r>
+            <a:endParaRPr lang="en-US" sz="1200" dirty="0"/>
           </a:p>
           <a:p>
             <a:pPr marL="0" indent="0">
               <a:buNone/>
             </a:pPr>
-            <a:r>
-              <a:rPr lang="en-US" sz="800" dirty="0"/>
-              <a:t>    (</a:t>
-            </a:r>
-            <a:r>
-              <a:rPr lang="en-US" sz="800" b="1" i="1" dirty="0"/>
-              <a:t>Before Logarithmic Transformation</a:t>
-            </a:r>
-            <a:r>
-              <a:rPr lang="en-US" sz="800" dirty="0"/>
-              <a:t>)          (</a:t>
-            </a:r>
-            <a:r>
-              <a:rPr lang="en-US" sz="800" b="1" i="1" dirty="0"/>
-              <a:t>After Logarithmic Transformation</a:t>
-            </a:r>
-            <a:r>
-              <a:rPr lang="en-US" sz="800" dirty="0"/>
-              <a:t>)</a:t>
-            </a:r>
+            <a:endParaRPr lang="en-US" sz="1200" dirty="0"/>
           </a:p>
           <a:p>
             <a:pPr marL="0" indent="0">
@@ -8663,10 +9063,70 @@
           </a:p>
         </p:txBody>
       </p:sp>
+      <p:pic>
+        <p:nvPicPr>
+          <p:cNvPr id="9" name="Picture 8" descr="A picture containing chart&#10;&#10;Description automatically generated">
+            <a:extLst>
+              <a:ext uri="{FF2B5EF4-FFF2-40B4-BE49-F238E27FC236}">
+                <a16:creationId xmlns:a16="http://schemas.microsoft.com/office/drawing/2014/main" id="{35EE78FE-9884-DC4B-99EB-5CF548D73F4F}"/>
+              </a:ext>
+            </a:extLst>
+          </p:cNvPr>
+          <p:cNvPicPr>
+            <a:picLocks noChangeAspect="1"/>
+          </p:cNvPicPr>
+          <p:nvPr/>
+        </p:nvPicPr>
+        <p:blipFill>
+          <a:blip r:embed="rId2"/>
+          <a:stretch>
+            <a:fillRect/>
+          </a:stretch>
+        </p:blipFill>
+        <p:spPr>
+          <a:xfrm>
+            <a:off x="5764108" y="2972378"/>
+            <a:ext cx="4530074" cy="2264641"/>
+          </a:xfrm>
+          <a:prstGeom prst="rect">
+            <a:avLst/>
+          </a:prstGeom>
+        </p:spPr>
+      </p:pic>
+      <p:pic>
+        <p:nvPicPr>
+          <p:cNvPr id="11" name="Picture 10" descr="A picture containing graphical user interface&#10;&#10;Description automatically generated">
+            <a:extLst>
+              <a:ext uri="{FF2B5EF4-FFF2-40B4-BE49-F238E27FC236}">
+                <a16:creationId xmlns:a16="http://schemas.microsoft.com/office/drawing/2014/main" id="{3BC8BB06-5AE4-1145-BA31-B1DCEB2A0BA1}"/>
+              </a:ext>
+            </a:extLst>
+          </p:cNvPr>
+          <p:cNvPicPr>
+            <a:picLocks noChangeAspect="1"/>
+          </p:cNvPicPr>
+          <p:nvPr/>
+        </p:nvPicPr>
+        <p:blipFill>
+          <a:blip r:embed="rId3"/>
+          <a:stretch>
+            <a:fillRect/>
+          </a:stretch>
+        </p:blipFill>
+        <p:spPr>
+          <a:xfrm>
+            <a:off x="680321" y="2972378"/>
+            <a:ext cx="4396570" cy="2190808"/>
+          </a:xfrm>
+          <a:prstGeom prst="rect">
+            <a:avLst/>
+          </a:prstGeom>
+        </p:spPr>
+      </p:pic>
     </p:spTree>
     <p:extLst>
       <p:ext uri="{BB962C8B-B14F-4D97-AF65-F5344CB8AC3E}">
-        <p14:creationId xmlns:p14="http://schemas.microsoft.com/office/powerpoint/2010/main" val="142848313"/>
+        <p14:creationId xmlns:p14="http://schemas.microsoft.com/office/powerpoint/2010/main" val="4052401024"/>
       </p:ext>
     </p:extLst>
   </p:cSld>
@@ -8744,67 +9204,91 @@
               <a:buNone/>
             </a:pPr>
             <a:r>
-              <a:rPr lang="en-US" b="1" dirty="0"/>
-              <a:t>Calendar Adjustments</a:t>
-            </a:r>
+              <a:rPr lang="en-US" sz="1400" dirty="0"/>
+              <a:t>C. Log -&gt; log(𝑥)</a:t>
+            </a:r>
+            <a:endParaRPr lang="en-US" sz="1200" dirty="0"/>
           </a:p>
           <a:p>
             <a:pPr marL="0" indent="0">
               <a:buNone/>
             </a:pPr>
             <a:r>
-              <a:rPr lang="en-US" sz="1600" b="1" dirty="0"/>
-              <a:t>Logarithmic</a:t>
-            </a:r>
-            <a:endParaRPr lang="en-US" sz="1400" b="1" dirty="0"/>
+              <a:rPr lang="en-US" sz="1200" dirty="0"/>
+              <a:t>A log transform will transform skewed data to approximately conform to normality.</a:t>
+            </a:r>
           </a:p>
           <a:p>
             <a:pPr marL="0" indent="0">
               <a:buNone/>
             </a:pPr>
-            <a:r>
-              <a:rPr lang="en-US" sz="1200" dirty="0"/>
-              <a:t>Some text.</a:t>
-            </a:r>
+            <a:endParaRPr lang="en-US" sz="1200" dirty="0"/>
           </a:p>
           <a:p>
             <a:pPr marL="0" indent="0">
               <a:buNone/>
             </a:pPr>
+            <a:endParaRPr lang="en-US" sz="1200" dirty="0"/>
+          </a:p>
+          <a:p>
+            <a:pPr marL="0" indent="0">
+              <a:buNone/>
+            </a:pPr>
+            <a:endParaRPr lang="en-US" sz="1200" dirty="0"/>
+          </a:p>
+          <a:p>
+            <a:pPr marL="0" indent="0">
+              <a:buNone/>
+            </a:pPr>
+            <a:endParaRPr lang="en-US" sz="1200" dirty="0"/>
+          </a:p>
+          <a:p>
+            <a:pPr marL="0" indent="0">
+              <a:buNone/>
+            </a:pPr>
             <a:endParaRPr lang="en-US" sz="1600" b="1" dirty="0"/>
           </a:p>
           <a:p>
             <a:pPr marL="0" indent="0">
               <a:buNone/>
             </a:pPr>
-            <a:r>
-              <a:rPr lang="en-US" sz="1600" b="1" dirty="0"/>
-              <a:t>Power (x√,x3)</a:t>
-            </a:r>
+            <a:endParaRPr lang="en-US" sz="1600" b="1" dirty="0"/>
           </a:p>
           <a:p>
             <a:pPr marL="0" indent="0">
               <a:buNone/>
             </a:pPr>
-            <a:r>
-              <a:rPr lang="en-US" sz="1200" dirty="0"/>
-              <a:t>Some text.</a:t>
-            </a:r>
+            <a:endParaRPr lang="en-US" sz="1600" b="1" dirty="0"/>
           </a:p>
           <a:p>
             <a:pPr marL="0" indent="0">
               <a:buNone/>
             </a:pPr>
-            <a:endParaRPr lang="en-US" sz="1200" dirty="0"/>
+            <a:endParaRPr lang="en-US" sz="1600" b="1" dirty="0"/>
           </a:p>
           <a:p>
             <a:pPr marL="0" indent="0">
               <a:buNone/>
             </a:pPr>
-            <a:r>
-              <a:rPr lang="en-US" sz="1600" b="1" dirty="0"/>
-              <a:t>Inverse</a:t>
-            </a:r>
+            <a:endParaRPr lang="en-US" sz="1600" b="1" dirty="0"/>
+          </a:p>
+          <a:p>
+            <a:pPr marL="0" indent="0">
+              <a:buNone/>
+            </a:pPr>
+            <a:r>
+              <a:rPr lang="en-US" sz="1050" b="1" i="1" dirty="0"/>
+              <a:t>Before Logarithmic Transformation.</a:t>
+            </a:r>
+            <a:r>
+              <a:rPr lang="en-US" sz="1050" dirty="0"/>
+              <a:t>                       </a:t>
+            </a:r>
+            <a:r>
+              <a:rPr lang="en-US" sz="1050" b="1" i="1" dirty="0"/>
+              <a:t>After Logarithmic Transformation.</a:t>
+            </a:r>
+            <a:endParaRPr lang="en-US" sz="1050" dirty="0"/>
           </a:p>
           <a:p>
             <a:pPr marL="0" indent="0">
@@ -8848,7 +9332,7 @@
           <p:cNvPr id="5" name="TextBox 4">
             <a:extLst>
               <a:ext uri="{FF2B5EF4-FFF2-40B4-BE49-F238E27FC236}">
-                <a16:creationId xmlns:a16="http://schemas.microsoft.com/office/drawing/2014/main" id="{3B11B03F-1D94-234E-AF2D-BD7312C1808B}"/>
+                <a16:creationId xmlns:a16="http://schemas.microsoft.com/office/drawing/2014/main" id="{8EE40ED9-1C0A-4C4E-9863-74EE11F820A9}"/>
               </a:ext>
             </a:extLst>
           </p:cNvPr>
@@ -8857,8 +9341,8 @@
         </p:nvSpPr>
         <p:spPr>
           <a:xfrm>
-            <a:off x="10798989" y="1025490"/>
-            <a:ext cx="1183336" cy="523220"/>
+            <a:off x="10654557" y="1025490"/>
+            <a:ext cx="1468159" cy="523220"/>
           </a:xfrm>
           <a:prstGeom prst="rect">
             <a:avLst/>
@@ -8874,22 +9358,52 @@
             <a:pPr algn="ctr"/>
             <a:r>
               <a:rPr lang="en-US" sz="1400" dirty="0"/>
-              <a:t>Calendar</a:t>
+              <a:t>Mathematical</a:t>
             </a:r>
           </a:p>
           <a:p>
             <a:pPr algn="ctr"/>
             <a:r>
               <a:rPr lang="en-US" sz="1400" dirty="0"/>
-              <a:t>Adjustments</a:t>
-            </a:r>
-          </a:p>
-        </p:txBody>
-      </p:sp>
+              <a:t>Transformations</a:t>
+            </a:r>
+          </a:p>
+        </p:txBody>
+      </p:sp>
+      <p:pic>
+        <p:nvPicPr>
+          <p:cNvPr id="7" name="Picture 6" descr="Chart, histogram&#10;&#10;Description automatically generated">
+            <a:extLst>
+              <a:ext uri="{FF2B5EF4-FFF2-40B4-BE49-F238E27FC236}">
+                <a16:creationId xmlns:a16="http://schemas.microsoft.com/office/drawing/2014/main" id="{A1C5E6CC-0287-C642-8BC1-95A337424022}"/>
+              </a:ext>
+            </a:extLst>
+          </p:cNvPr>
+          <p:cNvPicPr>
+            <a:picLocks noChangeAspect="1"/>
+          </p:cNvPicPr>
+          <p:nvPr/>
+        </p:nvPicPr>
+        <p:blipFill>
+          <a:blip r:embed="rId2"/>
+          <a:stretch>
+            <a:fillRect/>
+          </a:stretch>
+        </p:blipFill>
+        <p:spPr>
+          <a:xfrm>
+            <a:off x="756665" y="3041392"/>
+            <a:ext cx="6277303" cy="2615544"/>
+          </a:xfrm>
+          <a:prstGeom prst="rect">
+            <a:avLst/>
+          </a:prstGeom>
+        </p:spPr>
+      </p:pic>
     </p:spTree>
     <p:extLst>
       <p:ext uri="{BB962C8B-B14F-4D97-AF65-F5344CB8AC3E}">
-        <p14:creationId xmlns:p14="http://schemas.microsoft.com/office/powerpoint/2010/main" val="1877975350"/>
+        <p14:creationId xmlns:p14="http://schemas.microsoft.com/office/powerpoint/2010/main" val="2941228201"/>
       </p:ext>
     </p:extLst>
   </p:cSld>
@@ -8960,26 +9474,28 @@
           </a:xfrm>
         </p:spPr>
         <p:txBody>
-          <a:bodyPr/>
+          <a:bodyPr>
+            <a:normAutofit/>
+          </a:bodyPr>
           <a:lstStyle/>
           <a:p>
             <a:pPr marL="0" indent="0">
               <a:buNone/>
             </a:pPr>
             <a:r>
-              <a:rPr lang="en-US" b="1" dirty="0"/>
-              <a:t>Population Adjustments</a:t>
-            </a:r>
+              <a:rPr lang="en-US" sz="1400" dirty="0"/>
+              <a:t>D. Box Cox</a:t>
+            </a:r>
+            <a:endParaRPr lang="en-US" sz="1400" baseline="30000" dirty="0"/>
           </a:p>
           <a:p>
             <a:pPr marL="0" indent="0">
               <a:buNone/>
             </a:pPr>
             <a:r>
-              <a:rPr lang="en-US" sz="1600" b="1" dirty="0"/>
-              <a:t>Logarithmic</a:t>
-            </a:r>
-            <a:endParaRPr lang="en-US" sz="1400" b="1" dirty="0"/>
+              <a:rPr lang="en-US" sz="1200" dirty="0"/>
+              <a:t>Used to identify the ideal Lambda needed to normalize the time series. The Lambda value indicates the power to which all data should be raised.</a:t>
+            </a:r>
           </a:p>
           <a:p>
             <a:pPr marL="0" indent="0">
@@ -8987,47 +9503,96 @@
             </a:pPr>
             <a:r>
               <a:rPr lang="en-US" sz="1200" dirty="0"/>
-              <a:t>Some text.</a:t>
-            </a:r>
+              <a:t> </a:t>
+            </a:r>
+            <a:endParaRPr lang="en-US" sz="1400" baseline="30000" dirty="0"/>
           </a:p>
           <a:p>
             <a:pPr marL="0" indent="0">
               <a:buNone/>
             </a:pPr>
-            <a:endParaRPr lang="en-US" sz="1600" b="1" dirty="0"/>
+            <a:endParaRPr lang="en-US" sz="1400" baseline="30000" dirty="0"/>
           </a:p>
           <a:p>
             <a:pPr marL="0" indent="0">
               <a:buNone/>
             </a:pPr>
-            <a:r>
-              <a:rPr lang="en-US" sz="1600" b="1" dirty="0"/>
-              <a:t>Power (x√,x3)</a:t>
-            </a:r>
+            <a:endParaRPr lang="en-US" sz="1400" baseline="30000" dirty="0"/>
           </a:p>
           <a:p>
             <a:pPr marL="0" indent="0">
               <a:buNone/>
             </a:pPr>
-            <a:r>
-              <a:rPr lang="en-US" sz="1200" dirty="0"/>
-              <a:t>Some text.</a:t>
-            </a:r>
+            <a:endParaRPr lang="en-US" sz="1400" baseline="30000" dirty="0"/>
           </a:p>
           <a:p>
             <a:pPr marL="0" indent="0">
               <a:buNone/>
             </a:pPr>
+            <a:endParaRPr lang="en-US" sz="1400" baseline="30000" dirty="0"/>
+          </a:p>
+          <a:p>
+            <a:pPr marL="0" indent="0">
+              <a:buNone/>
+            </a:pPr>
+            <a:endParaRPr lang="en-US" sz="1400" baseline="30000" dirty="0"/>
+          </a:p>
+          <a:p>
+            <a:pPr marL="0" indent="0">
+              <a:buNone/>
+            </a:pPr>
+            <a:endParaRPr lang="en-US" sz="1400" baseline="30000" dirty="0"/>
+          </a:p>
+          <a:p>
+            <a:pPr marL="0" indent="0">
+              <a:buNone/>
+            </a:pPr>
+            <a:endParaRPr lang="en-US" sz="1400" baseline="30000" dirty="0"/>
+          </a:p>
+          <a:p>
+            <a:pPr marL="0" indent="0">
+              <a:buNone/>
+            </a:pPr>
+            <a:endParaRPr lang="en-US" sz="1400" baseline="30000" dirty="0"/>
+          </a:p>
+          <a:p>
+            <a:pPr marL="0" indent="0">
+              <a:buNone/>
+            </a:pPr>
+            <a:endParaRPr lang="en-US" sz="1400" dirty="0"/>
+          </a:p>
+          <a:p>
+            <a:pPr marL="0" indent="0">
+              <a:buNone/>
+            </a:pPr>
+            <a:r>
+              <a:rPr lang="en-US" sz="1000" b="1" i="1" dirty="0"/>
+              <a:t>Manual Log transformation with Lambda set to 0 .                                           Box Cox transformation with selected ideal Lambda value of -0.152542.</a:t>
+            </a:r>
+          </a:p>
+          <a:p>
+            <a:pPr marL="0" indent="0">
+              <a:buNone/>
+            </a:pPr>
+            <a:endParaRPr lang="en-US" sz="1400" dirty="0"/>
+          </a:p>
+          <a:p>
+            <a:pPr marL="0" indent="0">
+              <a:buNone/>
+            </a:pPr>
             <a:endParaRPr lang="en-US" sz="1200" dirty="0"/>
           </a:p>
           <a:p>
             <a:pPr marL="0" indent="0">
               <a:buNone/>
             </a:pPr>
-            <a:r>
-              <a:rPr lang="en-US" sz="1600" b="1" dirty="0"/>
-              <a:t>Inverse</a:t>
-            </a:r>
+            <a:endParaRPr lang="en-US" sz="1200" dirty="0"/>
+          </a:p>
+          <a:p>
+            <a:pPr marL="0" indent="0">
+              <a:buNone/>
+            </a:pPr>
+            <a:endParaRPr lang="en-US" sz="1200" dirty="0"/>
           </a:p>
           <a:p>
             <a:pPr marL="0" indent="0">
@@ -9071,7 +9636,7 @@
           <p:cNvPr id="5" name="TextBox 4">
             <a:extLst>
               <a:ext uri="{FF2B5EF4-FFF2-40B4-BE49-F238E27FC236}">
-                <a16:creationId xmlns:a16="http://schemas.microsoft.com/office/drawing/2014/main" id="{E957E86E-3381-C246-8C57-00F5C98C2EB2}"/>
+                <a16:creationId xmlns:a16="http://schemas.microsoft.com/office/drawing/2014/main" id="{8EE40ED9-1C0A-4C4E-9863-74EE11F820A9}"/>
               </a:ext>
             </a:extLst>
           </p:cNvPr>
@@ -9080,8 +9645,8 @@
         </p:nvSpPr>
         <p:spPr>
           <a:xfrm>
-            <a:off x="10798034" y="1025490"/>
-            <a:ext cx="1183336" cy="523220"/>
+            <a:off x="10654557" y="1025490"/>
+            <a:ext cx="1468159" cy="523220"/>
           </a:xfrm>
           <a:prstGeom prst="rect">
             <a:avLst/>
@@ -9097,22 +9662,82 @@
             <a:pPr algn="ctr"/>
             <a:r>
               <a:rPr lang="en-US" sz="1400" dirty="0"/>
-              <a:t>Population</a:t>
+              <a:t>Mathematical</a:t>
             </a:r>
           </a:p>
           <a:p>
             <a:pPr algn="ctr"/>
             <a:r>
               <a:rPr lang="en-US" sz="1400" dirty="0"/>
-              <a:t>Adjustments</a:t>
-            </a:r>
-          </a:p>
-        </p:txBody>
-      </p:sp>
+              <a:t>Transformations</a:t>
+            </a:r>
+          </a:p>
+        </p:txBody>
+      </p:sp>
+      <p:pic>
+        <p:nvPicPr>
+          <p:cNvPr id="7" name="Picture 6" descr="Graphical user interface&#10;&#10;Description automatically generated with medium confidence">
+            <a:extLst>
+              <a:ext uri="{FF2B5EF4-FFF2-40B4-BE49-F238E27FC236}">
+                <a16:creationId xmlns:a16="http://schemas.microsoft.com/office/drawing/2014/main" id="{ADCAC83A-83BA-6A44-A2D6-84C08EEA9B50}"/>
+              </a:ext>
+            </a:extLst>
+          </p:cNvPr>
+          <p:cNvPicPr>
+            <a:picLocks noChangeAspect="1"/>
+          </p:cNvPicPr>
+          <p:nvPr/>
+        </p:nvPicPr>
+        <p:blipFill>
+          <a:blip r:embed="rId2"/>
+          <a:stretch>
+            <a:fillRect/>
+          </a:stretch>
+        </p:blipFill>
+        <p:spPr>
+          <a:xfrm>
+            <a:off x="680321" y="3283350"/>
+            <a:ext cx="3841164" cy="2357581"/>
+          </a:xfrm>
+          <a:prstGeom prst="rect">
+            <a:avLst/>
+          </a:prstGeom>
+        </p:spPr>
+      </p:pic>
+      <p:pic>
+        <p:nvPicPr>
+          <p:cNvPr id="10" name="Picture 9" descr="Chart, histogram&#10;&#10;Description automatically generated">
+            <a:extLst>
+              <a:ext uri="{FF2B5EF4-FFF2-40B4-BE49-F238E27FC236}">
+                <a16:creationId xmlns:a16="http://schemas.microsoft.com/office/drawing/2014/main" id="{0E23DAE9-0BAC-1741-84BF-3888CE7F21CF}"/>
+              </a:ext>
+            </a:extLst>
+          </p:cNvPr>
+          <p:cNvPicPr>
+            <a:picLocks noChangeAspect="1"/>
+          </p:cNvPicPr>
+          <p:nvPr/>
+        </p:nvPicPr>
+        <p:blipFill>
+          <a:blip r:embed="rId3"/>
+          <a:stretch>
+            <a:fillRect/>
+          </a:stretch>
+        </p:blipFill>
+        <p:spPr>
+          <a:xfrm>
+            <a:off x="5234440" y="3283350"/>
+            <a:ext cx="4020395" cy="2357581"/>
+          </a:xfrm>
+          <a:prstGeom prst="rect">
+            <a:avLst/>
+          </a:prstGeom>
+        </p:spPr>
+      </p:pic>
     </p:spTree>
     <p:extLst>
       <p:ext uri="{BB962C8B-B14F-4D97-AF65-F5344CB8AC3E}">
-        <p14:creationId xmlns:p14="http://schemas.microsoft.com/office/powerpoint/2010/main" val="3745016284"/>
+        <p14:creationId xmlns:p14="http://schemas.microsoft.com/office/powerpoint/2010/main" val="2391501962"/>
       </p:ext>
     </p:extLst>
   </p:cSld>
@@ -9178,7 +9803,7 @@
         </p:nvSpPr>
         <p:spPr>
           <a:xfrm>
-            <a:off x="680320" y="2347383"/>
+            <a:off x="680321" y="2336872"/>
             <a:ext cx="9613861" cy="4250539"/>
           </a:xfrm>
         </p:spPr>
@@ -9191,7 +9816,7 @@
             </a:pPr>
             <a:r>
               <a:rPr lang="en-US" b="1" dirty="0"/>
-              <a:t>Inflation Adjustments</a:t>
+              <a:t>Calendar Adjustment</a:t>
             </a:r>
           </a:p>
           <a:p>
@@ -9199,10 +9824,9 @@
               <a:buNone/>
             </a:pPr>
             <a:r>
-              <a:rPr lang="en-US" sz="1600" b="1" dirty="0"/>
-              <a:t>Logarithmic</a:t>
-            </a:r>
-            <a:endParaRPr lang="en-US" sz="1400" b="1" dirty="0"/>
+              <a:rPr lang="en-US" sz="1200" dirty="0"/>
+              <a:t>Used to remove calendar variations from a time series.</a:t>
+            </a:r>
           </a:p>
           <a:p>
             <a:pPr marL="0" indent="0">
@@ -9210,53 +9834,20 @@
             </a:pPr>
             <a:r>
               <a:rPr lang="en-US" sz="1200" dirty="0"/>
-              <a:t>Some text.</a:t>
+              <a:t>Calendar variations include:</a:t>
             </a:r>
           </a:p>
           <a:p>
             <a:pPr marL="0" indent="0">
               <a:buNone/>
             </a:pPr>
+            <a:endParaRPr lang="en-US" sz="1200" dirty="0"/>
+          </a:p>
+          <a:p>
+            <a:pPr marL="0" indent="0">
+              <a:buNone/>
+            </a:pPr>
             <a:endParaRPr lang="en-US" sz="1600" b="1" dirty="0"/>
-          </a:p>
-          <a:p>
-            <a:pPr marL="0" indent="0">
-              <a:buNone/>
-            </a:pPr>
-            <a:r>
-              <a:rPr lang="en-US" sz="1600" b="1" dirty="0"/>
-              <a:t>Power (x√,x3)</a:t>
-            </a:r>
-          </a:p>
-          <a:p>
-            <a:pPr marL="0" indent="0">
-              <a:buNone/>
-            </a:pPr>
-            <a:r>
-              <a:rPr lang="en-US" sz="1200" dirty="0"/>
-              <a:t>Some text.</a:t>
-            </a:r>
-          </a:p>
-          <a:p>
-            <a:pPr marL="0" indent="0">
-              <a:buNone/>
-            </a:pPr>
-            <a:endParaRPr lang="en-US" sz="1200" dirty="0"/>
-          </a:p>
-          <a:p>
-            <a:pPr marL="0" indent="0">
-              <a:buNone/>
-            </a:pPr>
-            <a:r>
-              <a:rPr lang="en-US" sz="1600" b="1" dirty="0"/>
-              <a:t>Inverse</a:t>
-            </a:r>
-          </a:p>
-          <a:p>
-            <a:pPr marL="0" indent="0">
-              <a:buNone/>
-            </a:pPr>
-            <a:endParaRPr lang="en-US" sz="1200" dirty="0"/>
           </a:p>
         </p:txBody>
       </p:sp>
@@ -9294,7 +9885,7 @@
           <p:cNvPr id="5" name="TextBox 4">
             <a:extLst>
               <a:ext uri="{FF2B5EF4-FFF2-40B4-BE49-F238E27FC236}">
-                <a16:creationId xmlns:a16="http://schemas.microsoft.com/office/drawing/2014/main" id="{7895024F-CFF8-2343-A5E4-E5E4E3EF9E24}"/>
+                <a16:creationId xmlns:a16="http://schemas.microsoft.com/office/drawing/2014/main" id="{3B11B03F-1D94-234E-AF2D-BD7312C1808B}"/>
               </a:ext>
             </a:extLst>
           </p:cNvPr>
@@ -9303,8 +9894,8 @@
         </p:nvSpPr>
         <p:spPr>
           <a:xfrm>
-            <a:off x="10753438" y="1025490"/>
-            <a:ext cx="1227965" cy="523220"/>
+            <a:off x="10835056" y="1025490"/>
+            <a:ext cx="1111202" cy="523220"/>
           </a:xfrm>
           <a:prstGeom prst="rect">
             <a:avLst/>
@@ -9320,14 +9911,14 @@
             <a:pPr algn="ctr"/>
             <a:r>
               <a:rPr lang="en-US" sz="1400" dirty="0"/>
-              <a:t>Inflation</a:t>
+              <a:t>Calendar</a:t>
             </a:r>
           </a:p>
           <a:p>
             <a:pPr algn="ctr"/>
             <a:r>
               <a:rPr lang="en-US" sz="1400" dirty="0"/>
-              <a:t> Adjustments</a:t>
+              <a:t>Adjustment</a:t>
             </a:r>
           </a:p>
         </p:txBody>
@@ -9335,7 +9926,230 @@
     </p:spTree>
     <p:extLst>
       <p:ext uri="{BB962C8B-B14F-4D97-AF65-F5344CB8AC3E}">
-        <p14:creationId xmlns:p14="http://schemas.microsoft.com/office/powerpoint/2010/main" val="174790273"/>
+        <p14:creationId xmlns:p14="http://schemas.microsoft.com/office/powerpoint/2010/main" val="1877975350"/>
+      </p:ext>
+    </p:extLst>
+  </p:cSld>
+  <p:clrMapOvr>
+    <a:masterClrMapping/>
+  </p:clrMapOvr>
+</p:sld>
+</file>
+
+<file path=ppt/slides/slide9.xml><?xml version="1.0" encoding="utf-8"?>
+<p:sld xmlns:a="http://schemas.openxmlformats.org/drawingml/2006/main" xmlns:r="http://schemas.openxmlformats.org/officeDocument/2006/relationships" xmlns:p="http://schemas.openxmlformats.org/presentationml/2006/main">
+  <p:cSld>
+    <p:spTree>
+      <p:nvGrpSpPr>
+        <p:cNvPr id="1" name=""/>
+        <p:cNvGrpSpPr/>
+        <p:nvPr/>
+      </p:nvGrpSpPr>
+      <p:grpSpPr>
+        <a:xfrm>
+          <a:off x="0" y="0"/>
+          <a:ext cx="0" cy="0"/>
+          <a:chOff x="0" y="0"/>
+          <a:chExt cx="0" cy="0"/>
+        </a:xfrm>
+      </p:grpSpPr>
+      <p:sp>
+        <p:nvSpPr>
+          <p:cNvPr id="2" name="Title 1"/>
+          <p:cNvSpPr>
+            <a:spLocks noGrp="1"/>
+          </p:cNvSpPr>
+          <p:nvPr>
+            <p:ph type="title"/>
+          </p:nvPr>
+        </p:nvSpPr>
+        <p:spPr>
+          <a:xfrm>
+            <a:off x="680321" y="753229"/>
+            <a:ext cx="9613861" cy="592096"/>
+          </a:xfrm>
+        </p:spPr>
+        <p:txBody>
+          <a:bodyPr/>
+          <a:lstStyle/>
+          <a:p>
+            <a:r>
+              <a:rPr lang="en-US" dirty="0"/>
+              <a:t>Time Series Decomposition</a:t>
+            </a:r>
+          </a:p>
+        </p:txBody>
+      </p:sp>
+      <p:sp>
+        <p:nvSpPr>
+          <p:cNvPr id="3" name="Content Placeholder 2"/>
+          <p:cNvSpPr>
+            <a:spLocks noGrp="1"/>
+          </p:cNvSpPr>
+          <p:nvPr>
+            <p:ph idx="1"/>
+          </p:nvPr>
+        </p:nvSpPr>
+        <p:spPr>
+          <a:xfrm>
+            <a:off x="680321" y="2336872"/>
+            <a:ext cx="9613861" cy="4250539"/>
+          </a:xfrm>
+        </p:spPr>
+        <p:txBody>
+          <a:bodyPr/>
+          <a:lstStyle/>
+          <a:p>
+            <a:pPr marL="0" indent="0">
+              <a:buNone/>
+            </a:pPr>
+            <a:r>
+              <a:rPr lang="en-US" b="1" dirty="0"/>
+              <a:t>Population Adjustments</a:t>
+            </a:r>
+          </a:p>
+          <a:p>
+            <a:pPr marL="0" indent="0">
+              <a:buNone/>
+            </a:pPr>
+            <a:r>
+              <a:rPr lang="en-US" sz="1600" b="1" dirty="0"/>
+              <a:t>Logarithmic</a:t>
+            </a:r>
+            <a:endParaRPr lang="en-US" sz="1400" b="1" dirty="0"/>
+          </a:p>
+          <a:p>
+            <a:pPr marL="0" indent="0">
+              <a:buNone/>
+            </a:pPr>
+            <a:r>
+              <a:rPr lang="en-US" sz="1200" dirty="0"/>
+              <a:t>Some text.</a:t>
+            </a:r>
+          </a:p>
+          <a:p>
+            <a:pPr marL="0" indent="0">
+              <a:buNone/>
+            </a:pPr>
+            <a:endParaRPr lang="en-US" sz="1600" b="1" dirty="0"/>
+          </a:p>
+          <a:p>
+            <a:pPr marL="0" indent="0">
+              <a:buNone/>
+            </a:pPr>
+            <a:r>
+              <a:rPr lang="en-US" sz="1600" b="1" dirty="0"/>
+              <a:t>Power (x√,x3)</a:t>
+            </a:r>
+          </a:p>
+          <a:p>
+            <a:pPr marL="0" indent="0">
+              <a:buNone/>
+            </a:pPr>
+            <a:r>
+              <a:rPr lang="en-US" sz="1200" dirty="0"/>
+              <a:t>Some text.</a:t>
+            </a:r>
+          </a:p>
+          <a:p>
+            <a:pPr marL="0" indent="0">
+              <a:buNone/>
+            </a:pPr>
+            <a:endParaRPr lang="en-US" sz="1200" dirty="0"/>
+          </a:p>
+          <a:p>
+            <a:pPr marL="0" indent="0">
+              <a:buNone/>
+            </a:pPr>
+            <a:r>
+              <a:rPr lang="en-US" sz="1600" b="1" dirty="0"/>
+              <a:t>Inverse</a:t>
+            </a:r>
+          </a:p>
+          <a:p>
+            <a:pPr marL="0" indent="0">
+              <a:buNone/>
+            </a:pPr>
+            <a:endParaRPr lang="en-US" sz="1200" dirty="0"/>
+          </a:p>
+        </p:txBody>
+      </p:sp>
+      <p:sp>
+        <p:nvSpPr>
+          <p:cNvPr id="4" name="TextBox 3"/>
+          <p:cNvSpPr txBox="1"/>
+          <p:nvPr/>
+        </p:nvSpPr>
+        <p:spPr>
+          <a:xfrm>
+            <a:off x="948488" y="1287100"/>
+            <a:ext cx="4078361" cy="369332"/>
+          </a:xfrm>
+          <a:prstGeom prst="rect">
+            <a:avLst/>
+          </a:prstGeom>
+          <a:noFill/>
+        </p:spPr>
+        <p:txBody>
+          <a:bodyPr wrap="none" rtlCol="0">
+            <a:spAutoFit/>
+          </a:bodyPr>
+          <a:lstStyle/>
+          <a:p>
+            <a:r>
+              <a:rPr lang="en-US" dirty="0"/>
+              <a:t>Transformation and Adjustment Types</a:t>
+            </a:r>
+          </a:p>
+        </p:txBody>
+      </p:sp>
+      <p:sp>
+        <p:nvSpPr>
+          <p:cNvPr id="5" name="TextBox 4">
+            <a:extLst>
+              <a:ext uri="{FF2B5EF4-FFF2-40B4-BE49-F238E27FC236}">
+                <a16:creationId xmlns:a16="http://schemas.microsoft.com/office/drawing/2014/main" id="{E957E86E-3381-C246-8C57-00F5C98C2EB2}"/>
+              </a:ext>
+            </a:extLst>
+          </p:cNvPr>
+          <p:cNvSpPr txBox="1"/>
+          <p:nvPr/>
+        </p:nvSpPr>
+        <p:spPr>
+          <a:xfrm>
+            <a:off x="10798034" y="1025490"/>
+            <a:ext cx="1183336" cy="523220"/>
+          </a:xfrm>
+          <a:prstGeom prst="rect">
+            <a:avLst/>
+          </a:prstGeom>
+          <a:noFill/>
+        </p:spPr>
+        <p:txBody>
+          <a:bodyPr wrap="none" rtlCol="0">
+            <a:spAutoFit/>
+          </a:bodyPr>
+          <a:lstStyle/>
+          <a:p>
+            <a:pPr algn="ctr"/>
+            <a:r>
+              <a:rPr lang="en-US" sz="1400" dirty="0"/>
+              <a:t>Population</a:t>
+            </a:r>
+          </a:p>
+          <a:p>
+            <a:pPr algn="ctr"/>
+            <a:r>
+              <a:rPr lang="en-US" sz="1400" dirty="0"/>
+              <a:t>Adjustments</a:t>
+            </a:r>
+          </a:p>
+        </p:txBody>
+      </p:sp>
+    </p:spTree>
+    <p:extLst>
+      <p:ext uri="{BB962C8B-B14F-4D97-AF65-F5344CB8AC3E}">
+        <p14:creationId xmlns:p14="http://schemas.microsoft.com/office/powerpoint/2010/main" val="3745016284"/>
       </p:ext>
     </p:extLst>
   </p:cSld>

--- a/Data624TimeSeriesDecompPresentation.pptx
+++ b/Data624TimeSeriesDecompPresentation.pptx
@@ -13,8 +13,9 @@
     <p:sldId id="263" r:id="rId7"/>
     <p:sldId id="266" r:id="rId8"/>
     <p:sldId id="259" r:id="rId9"/>
-    <p:sldId id="260" r:id="rId10"/>
-    <p:sldId id="261" r:id="rId11"/>
+    <p:sldId id="267" r:id="rId10"/>
+    <p:sldId id="260" r:id="rId11"/>
+    <p:sldId id="261" r:id="rId12"/>
   </p:sldIdLst>
   <p:sldSz cx="12192000" cy="6858000"/>
   <p:notesSz cx="6858000" cy="9144000"/>
@@ -395,7 +396,7 @@
           <a:p>
             <a:fld id="{78ABE3C1-DBE1-495D-B57B-2849774B866A}" type="datetimeFigureOut">
               <a:rPr lang="en-US" dirty="0"/>
-              <a:t>9/19/21</a:t>
+              <a:t>9/20/21</a:t>
             </a:fld>
             <a:endParaRPr lang="en-US" dirty="0"/>
           </a:p>
@@ -804,7 +805,7 @@
           <a:p>
             <a:fld id="{446C117F-5CCF-4837-BE5F-2B92066CAFAF}" type="datetimeFigureOut">
               <a:rPr lang="en-US" dirty="0"/>
-              <a:t>9/19/21</a:t>
+              <a:t>9/20/21</a:t>
             </a:fld>
             <a:endParaRPr lang="en-US" dirty="0"/>
           </a:p>
@@ -1135,7 +1136,7 @@
           <a:p>
             <a:fld id="{84EB90BD-B6CE-46B7-997F-7313B992CCDC}" type="datetimeFigureOut">
               <a:rPr lang="en-US" dirty="0"/>
-              <a:t>9/19/21</a:t>
+              <a:t>9/20/21</a:t>
             </a:fld>
             <a:endParaRPr lang="en-US" dirty="0"/>
           </a:p>
@@ -1535,7 +1536,7 @@
           <a:p>
             <a:fld id="{CDB9D11F-B188-461D-B23F-39381795C052}" type="datetimeFigureOut">
               <a:rPr lang="en-US" dirty="0"/>
-              <a:t>9/19/21</a:t>
+              <a:t>9/20/21</a:t>
             </a:fld>
             <a:endParaRPr lang="en-US" dirty="0"/>
           </a:p>
@@ -2098,7 +2099,7 @@
           <a:p>
             <a:fld id="{52E6D8D9-55A2-4063-B0F3-121F44549695}" type="datetimeFigureOut">
               <a:rPr lang="en-US" dirty="0"/>
-              <a:t>9/19/21</a:t>
+              <a:t>9/20/21</a:t>
             </a:fld>
             <a:endParaRPr lang="en-US" dirty="0"/>
           </a:p>
@@ -2774,7 +2775,7 @@
           <a:p>
             <a:fld id="{D4B24536-994D-4021-A283-9F449C0DB509}" type="datetimeFigureOut">
               <a:rPr lang="en-US" dirty="0"/>
-              <a:t>9/19/21</a:t>
+              <a:t>9/20/21</a:t>
             </a:fld>
             <a:endParaRPr lang="en-US" dirty="0"/>
           </a:p>
@@ -3682,7 +3683,7 @@
           <a:p>
             <a:fld id="{3CBBBB78-C96F-47B7-AB17-D852CA960AC9}" type="datetimeFigureOut">
               <a:rPr lang="en-US" dirty="0"/>
-              <a:t>9/19/21</a:t>
+              <a:t>9/20/21</a:t>
             </a:fld>
             <a:endParaRPr lang="en-US" dirty="0"/>
           </a:p>
@@ -3990,7 +3991,7 @@
           <a:p>
             <a:fld id="{1FA3F48C-C7C6-4055-9F49-3777875E72AE}" type="datetimeFigureOut">
               <a:rPr lang="en-US" dirty="0"/>
-              <a:t>9/19/21</a:t>
+              <a:t>9/20/21</a:t>
             </a:fld>
             <a:endParaRPr lang="en-US" dirty="0"/>
           </a:p>
@@ -4249,7 +4250,7 @@
           <a:p>
             <a:fld id="{6178E61D-D431-422C-9764-11DAFE33AB63}" type="datetimeFigureOut">
               <a:rPr lang="en-US" dirty="0"/>
-              <a:t>9/19/21</a:t>
+              <a:t>9/20/21</a:t>
             </a:fld>
             <a:endParaRPr lang="en-US" dirty="0"/>
           </a:p>
@@ -4568,7 +4569,7 @@
           <a:p>
             <a:fld id="{12DE42F4-6EEF-4EF7-8ED4-2208F0F89A08}" type="datetimeFigureOut">
               <a:rPr lang="en-US" dirty="0"/>
-              <a:t>9/19/21</a:t>
+              <a:t>9/20/21</a:t>
             </a:fld>
             <a:endParaRPr lang="en-US" dirty="0"/>
           </a:p>
@@ -4952,7 +4953,7 @@
           <a:p>
             <a:fld id="{30578ACC-22D6-47C1-A373-4FD133E34F3C}" type="datetimeFigureOut">
               <a:rPr lang="en-US" dirty="0"/>
-              <a:t>9/19/21</a:t>
+              <a:t>9/20/21</a:t>
             </a:fld>
             <a:endParaRPr lang="en-US" dirty="0"/>
           </a:p>
@@ -5323,7 +5324,7 @@
           <a:p>
             <a:fld id="{4E5A6C69-6797-4E8A-BF37-F2C3751466E9}" type="datetimeFigureOut">
               <a:rPr lang="en-US" dirty="0"/>
-              <a:t>9/19/21</a:t>
+              <a:t>9/20/21</a:t>
             </a:fld>
             <a:endParaRPr lang="en-US" dirty="0"/>
           </a:p>
@@ -5824,7 +5825,7 @@
           <a:p>
             <a:fld id="{D82014A1-A632-4878-A0D3-F52BA7563730}" type="datetimeFigureOut">
               <a:rPr lang="en-US" dirty="0"/>
-              <a:t>9/19/21</a:t>
+              <a:t>9/20/21</a:t>
             </a:fld>
             <a:endParaRPr lang="en-US" dirty="0"/>
           </a:p>
@@ -6076,7 +6077,7 @@
           <a:p>
             <a:fld id="{CE99F462-093F-4566-844B-4C71F2739DA5}" type="datetimeFigureOut">
               <a:rPr lang="en-US" dirty="0"/>
-              <a:t>9/19/21</a:t>
+              <a:t>9/20/21</a:t>
             </a:fld>
             <a:endParaRPr lang="en-US" dirty="0"/>
           </a:p>
@@ -6234,7 +6235,7 @@
           <a:p>
             <a:fld id="{3D24A7AC-904D-4781-85BA-7D10C17ED021}" type="datetimeFigureOut">
               <a:rPr lang="en-US" dirty="0"/>
-              <a:t>9/19/21</a:t>
+              <a:t>9/20/21</a:t>
             </a:fld>
             <a:endParaRPr lang="en-US" dirty="0"/>
           </a:p>
@@ -6619,7 +6620,7 @@
           <a:p>
             <a:fld id="{E331444B-B92B-4E27-8C94-BB93EAF5CB18}" type="datetimeFigureOut">
               <a:rPr lang="en-US" dirty="0"/>
-              <a:t>9/19/21</a:t>
+              <a:t>9/20/21</a:t>
             </a:fld>
             <a:endParaRPr lang="en-US" dirty="0"/>
           </a:p>
@@ -7023,7 +7024,7 @@
           <a:p>
             <a:fld id="{363EFA5E-FA76-400D-B3DC-F0BA90E6D107}" type="datetimeFigureOut">
               <a:rPr lang="en-US" dirty="0"/>
-              <a:t>9/19/21</a:t>
+              <a:t>9/20/21</a:t>
             </a:fld>
             <a:endParaRPr lang="en-US" dirty="0"/>
           </a:p>
@@ -7262,7 +7263,7 @@
           <a:p>
             <a:fld id="{9D6E9DEC-419B-4CC5-A080-3B06BD5A8291}" type="datetimeFigureOut">
               <a:rPr lang="en-US" dirty="0"/>
-              <a:t>9/19/21</a:t>
+              <a:t>9/20/21</a:t>
             </a:fld>
             <a:endParaRPr lang="en-US" dirty="0"/>
           </a:p>
@@ -7823,6 +7824,229 @@
         </p:nvSpPr>
         <p:spPr>
           <a:xfrm>
+            <a:off x="680321" y="2336872"/>
+            <a:ext cx="9613861" cy="4250539"/>
+          </a:xfrm>
+        </p:spPr>
+        <p:txBody>
+          <a:bodyPr/>
+          <a:lstStyle/>
+          <a:p>
+            <a:pPr marL="0" indent="0">
+              <a:buNone/>
+            </a:pPr>
+            <a:r>
+              <a:rPr lang="en-US" b="1" dirty="0"/>
+              <a:t>Population Adjustments</a:t>
+            </a:r>
+          </a:p>
+          <a:p>
+            <a:pPr marL="0" indent="0">
+              <a:buNone/>
+            </a:pPr>
+            <a:r>
+              <a:rPr lang="en-US" sz="1600" b="1" dirty="0"/>
+              <a:t>Logarithmic</a:t>
+            </a:r>
+            <a:endParaRPr lang="en-US" sz="1400" b="1" dirty="0"/>
+          </a:p>
+          <a:p>
+            <a:pPr marL="0" indent="0">
+              <a:buNone/>
+            </a:pPr>
+            <a:r>
+              <a:rPr lang="en-US" sz="1200" dirty="0"/>
+              <a:t>Some text.</a:t>
+            </a:r>
+          </a:p>
+          <a:p>
+            <a:pPr marL="0" indent="0">
+              <a:buNone/>
+            </a:pPr>
+            <a:endParaRPr lang="en-US" sz="1600" b="1" dirty="0"/>
+          </a:p>
+          <a:p>
+            <a:pPr marL="0" indent="0">
+              <a:buNone/>
+            </a:pPr>
+            <a:r>
+              <a:rPr lang="en-US" sz="1600" b="1" dirty="0"/>
+              <a:t>Power (x√,x3)</a:t>
+            </a:r>
+          </a:p>
+          <a:p>
+            <a:pPr marL="0" indent="0">
+              <a:buNone/>
+            </a:pPr>
+            <a:r>
+              <a:rPr lang="en-US" sz="1200" dirty="0"/>
+              <a:t>Some text.</a:t>
+            </a:r>
+          </a:p>
+          <a:p>
+            <a:pPr marL="0" indent="0">
+              <a:buNone/>
+            </a:pPr>
+            <a:endParaRPr lang="en-US" sz="1200" dirty="0"/>
+          </a:p>
+          <a:p>
+            <a:pPr marL="0" indent="0">
+              <a:buNone/>
+            </a:pPr>
+            <a:r>
+              <a:rPr lang="en-US" sz="1600" b="1" dirty="0"/>
+              <a:t>Inverse</a:t>
+            </a:r>
+          </a:p>
+          <a:p>
+            <a:pPr marL="0" indent="0">
+              <a:buNone/>
+            </a:pPr>
+            <a:endParaRPr lang="en-US" sz="1200" dirty="0"/>
+          </a:p>
+        </p:txBody>
+      </p:sp>
+      <p:sp>
+        <p:nvSpPr>
+          <p:cNvPr id="4" name="TextBox 3"/>
+          <p:cNvSpPr txBox="1"/>
+          <p:nvPr/>
+        </p:nvSpPr>
+        <p:spPr>
+          <a:xfrm>
+            <a:off x="948488" y="1287100"/>
+            <a:ext cx="3443891" cy="369332"/>
+          </a:xfrm>
+          <a:prstGeom prst="rect">
+            <a:avLst/>
+          </a:prstGeom>
+          <a:noFill/>
+        </p:spPr>
+        <p:txBody>
+          <a:bodyPr wrap="none" rtlCol="0">
+            <a:spAutoFit/>
+          </a:bodyPr>
+          <a:lstStyle/>
+          <a:p>
+            <a:r>
+              <a:rPr lang="en-US" dirty="0"/>
+              <a:t>Transformation and Adjustment</a:t>
+            </a:r>
+          </a:p>
+        </p:txBody>
+      </p:sp>
+      <p:sp>
+        <p:nvSpPr>
+          <p:cNvPr id="5" name="TextBox 4">
+            <a:extLst>
+              <a:ext uri="{FF2B5EF4-FFF2-40B4-BE49-F238E27FC236}">
+                <a16:creationId xmlns:a16="http://schemas.microsoft.com/office/drawing/2014/main" id="{E957E86E-3381-C246-8C57-00F5C98C2EB2}"/>
+              </a:ext>
+            </a:extLst>
+          </p:cNvPr>
+          <p:cNvSpPr txBox="1"/>
+          <p:nvPr/>
+        </p:nvSpPr>
+        <p:spPr>
+          <a:xfrm>
+            <a:off x="10798034" y="1025490"/>
+            <a:ext cx="1183336" cy="523220"/>
+          </a:xfrm>
+          <a:prstGeom prst="rect">
+            <a:avLst/>
+          </a:prstGeom>
+          <a:noFill/>
+        </p:spPr>
+        <p:txBody>
+          <a:bodyPr wrap="none" rtlCol="0">
+            <a:spAutoFit/>
+          </a:bodyPr>
+          <a:lstStyle/>
+          <a:p>
+            <a:pPr algn="ctr"/>
+            <a:r>
+              <a:rPr lang="en-US" sz="1400" dirty="0"/>
+              <a:t>Population</a:t>
+            </a:r>
+          </a:p>
+          <a:p>
+            <a:pPr algn="ctr"/>
+            <a:r>
+              <a:rPr lang="en-US" sz="1400" dirty="0"/>
+              <a:t>Adjustments</a:t>
+            </a:r>
+          </a:p>
+        </p:txBody>
+      </p:sp>
+    </p:spTree>
+    <p:extLst>
+      <p:ext uri="{BB962C8B-B14F-4D97-AF65-F5344CB8AC3E}">
+        <p14:creationId xmlns:p14="http://schemas.microsoft.com/office/powerpoint/2010/main" val="3745016284"/>
+      </p:ext>
+    </p:extLst>
+  </p:cSld>
+  <p:clrMapOvr>
+    <a:masterClrMapping/>
+  </p:clrMapOvr>
+</p:sld>
+</file>
+
+<file path=ppt/slides/slide11.xml><?xml version="1.0" encoding="utf-8"?>
+<p:sld xmlns:a="http://schemas.openxmlformats.org/drawingml/2006/main" xmlns:r="http://schemas.openxmlformats.org/officeDocument/2006/relationships" xmlns:p="http://schemas.openxmlformats.org/presentationml/2006/main">
+  <p:cSld>
+    <p:spTree>
+      <p:nvGrpSpPr>
+        <p:cNvPr id="1" name=""/>
+        <p:cNvGrpSpPr/>
+        <p:nvPr/>
+      </p:nvGrpSpPr>
+      <p:grpSpPr>
+        <a:xfrm>
+          <a:off x="0" y="0"/>
+          <a:ext cx="0" cy="0"/>
+          <a:chOff x="0" y="0"/>
+          <a:chExt cx="0" cy="0"/>
+        </a:xfrm>
+      </p:grpSpPr>
+      <p:sp>
+        <p:nvSpPr>
+          <p:cNvPr id="2" name="Title 1"/>
+          <p:cNvSpPr>
+            <a:spLocks noGrp="1"/>
+          </p:cNvSpPr>
+          <p:nvPr>
+            <p:ph type="title"/>
+          </p:nvPr>
+        </p:nvSpPr>
+        <p:spPr>
+          <a:xfrm>
+            <a:off x="680321" y="753229"/>
+            <a:ext cx="9613861" cy="592096"/>
+          </a:xfrm>
+        </p:spPr>
+        <p:txBody>
+          <a:bodyPr/>
+          <a:lstStyle/>
+          <a:p>
+            <a:r>
+              <a:rPr lang="en-US" dirty="0"/>
+              <a:t>Time Series Decomposition</a:t>
+            </a:r>
+          </a:p>
+        </p:txBody>
+      </p:sp>
+      <p:sp>
+        <p:nvSpPr>
+          <p:cNvPr id="3" name="Content Placeholder 2"/>
+          <p:cNvSpPr>
+            <a:spLocks noGrp="1"/>
+          </p:cNvSpPr>
+          <p:nvPr>
+            <p:ph idx="1"/>
+          </p:nvPr>
+        </p:nvSpPr>
+        <p:spPr>
+          <a:xfrm>
             <a:off x="680320" y="2347383"/>
             <a:ext cx="9613861" cy="4250539"/>
           </a:xfrm>
@@ -8052,12 +8276,68 @@
               <a:buNone/>
             </a:pPr>
             <a:r>
-              <a:rPr lang="en-US" dirty="0"/>
-              <a:t>Why Make Transformation and Adjustments?</a:t>
-            </a:r>
-          </a:p>
-          <a:p>
-            <a:endParaRPr lang="en-US" sz="1800" dirty="0"/>
+              <a:rPr lang="en-US" sz="1600" b="1" dirty="0"/>
+              <a:t>Performing a Box Cox Adjustment In R Using The Forecast Package</a:t>
+            </a:r>
+          </a:p>
+          <a:p>
+            <a:pPr marL="0" indent="0">
+              <a:buNone/>
+            </a:pPr>
+            <a:r>
+              <a:rPr lang="en-US" sz="1200" dirty="0"/>
+              <a:t>The forecast package provides the </a:t>
+            </a:r>
+            <a:r>
+              <a:rPr lang="en-US" sz="1200" b="1" i="1" dirty="0" err="1"/>
+              <a:t>BoxCox</a:t>
+            </a:r>
+            <a:r>
+              <a:rPr lang="en-US" sz="1200" b="1" i="1" dirty="0"/>
+              <a:t>()  </a:t>
+            </a:r>
+            <a:r>
+              <a:rPr lang="en-US" sz="1200" dirty="0"/>
+              <a:t>function for performing Box Cox transformations. </a:t>
+            </a:r>
+          </a:p>
+          <a:p>
+            <a:pPr marL="0" indent="0">
+              <a:buNone/>
+            </a:pPr>
+            <a:r>
+              <a:rPr lang="en-US" sz="1200" dirty="0"/>
+              <a:t>Lambda value can be defined, or if undefined, the function will provide the optimal lambda value. </a:t>
+            </a:r>
+          </a:p>
+          <a:p>
+            <a:pPr marL="0" indent="0">
+              <a:buNone/>
+            </a:pPr>
+            <a:r>
+              <a:rPr lang="en-US" sz="1000" b="1" i="1" dirty="0"/>
+              <a:t>Defining a lambda value of 0.5 generates the following plot</a:t>
+            </a:r>
+            <a:r>
+              <a:rPr lang="en-US" sz="1200" b="1" i="1" dirty="0"/>
+              <a:t>:                             </a:t>
+            </a:r>
+            <a:r>
+              <a:rPr lang="en-US" sz="1000" b="1" i="1" dirty="0"/>
+              <a:t>Allowing the function to select the optimal lambda value (0.055) produces: </a:t>
+            </a:r>
+          </a:p>
+          <a:p>
+            <a:pPr marL="0" indent="0">
+              <a:buNone/>
+            </a:pPr>
+            <a:endParaRPr lang="en-US" sz="1000" dirty="0"/>
+          </a:p>
+          <a:p>
+            <a:pPr marL="0" indent="0">
+              <a:buNone/>
+            </a:pPr>
+            <a:endParaRPr lang="en-US" sz="1200" dirty="0"/>
           </a:p>
           <a:p>
             <a:endParaRPr lang="en-US" dirty="0"/>
@@ -8113,8 +8393,8 @@
         </p:nvSpPr>
         <p:spPr>
           <a:xfrm>
-            <a:off x="10612345" y="1032087"/>
-            <a:ext cx="1533881" cy="523220"/>
+            <a:off x="10515721" y="924365"/>
+            <a:ext cx="1744388" cy="738664"/>
           </a:xfrm>
           <a:prstGeom prst="rect">
             <a:avLst/>
@@ -8130,18 +8410,145 @@
             <a:pPr algn="ctr"/>
             <a:r>
               <a:rPr lang="en-US" sz="1400" dirty="0"/>
-              <a:t>Why</a:t>
+              <a:t>Performing a</a:t>
             </a:r>
           </a:p>
           <a:p>
             <a:pPr algn="ctr"/>
             <a:r>
               <a:rPr lang="en-US" sz="1400" dirty="0"/>
-              <a:t>Transformations?</a:t>
-            </a:r>
-          </a:p>
-        </p:txBody>
-      </p:sp>
+              <a:t>Box Cox </a:t>
+            </a:r>
+          </a:p>
+          <a:p>
+            <a:pPr algn="ctr"/>
+            <a:r>
+              <a:rPr lang="en-US" sz="1400" dirty="0"/>
+              <a:t>transformation in R</a:t>
+            </a:r>
+          </a:p>
+        </p:txBody>
+      </p:sp>
+      <p:pic>
+        <p:nvPicPr>
+          <p:cNvPr id="7" name="Picture 6" descr="Chart, scatter chart&#10;&#10;Description automatically generated">
+            <a:extLst>
+              <a:ext uri="{FF2B5EF4-FFF2-40B4-BE49-F238E27FC236}">
+                <a16:creationId xmlns:a16="http://schemas.microsoft.com/office/drawing/2014/main" id="{1D05688D-6D74-D648-AC5E-66DCE5261349}"/>
+              </a:ext>
+            </a:extLst>
+          </p:cNvPr>
+          <p:cNvPicPr>
+            <a:picLocks noChangeAspect="1"/>
+          </p:cNvPicPr>
+          <p:nvPr/>
+        </p:nvPicPr>
+        <p:blipFill>
+          <a:blip r:embed="rId2"/>
+          <a:stretch>
+            <a:fillRect/>
+          </a:stretch>
+        </p:blipFill>
+        <p:spPr>
+          <a:xfrm>
+            <a:off x="764875" y="4136531"/>
+            <a:ext cx="3677440" cy="2626743"/>
+          </a:xfrm>
+          <a:prstGeom prst="rect">
+            <a:avLst/>
+          </a:prstGeom>
+        </p:spPr>
+      </p:pic>
+      <p:pic>
+        <p:nvPicPr>
+          <p:cNvPr id="11" name="Picture 10">
+            <a:extLst>
+              <a:ext uri="{FF2B5EF4-FFF2-40B4-BE49-F238E27FC236}">
+                <a16:creationId xmlns:a16="http://schemas.microsoft.com/office/drawing/2014/main" id="{94E55329-AFA9-294E-B02E-89F8456060FE}"/>
+              </a:ext>
+            </a:extLst>
+          </p:cNvPr>
+          <p:cNvPicPr>
+            <a:picLocks noChangeAspect="1"/>
+          </p:cNvPicPr>
+          <p:nvPr/>
+        </p:nvPicPr>
+        <p:blipFill>
+          <a:blip r:embed="rId3"/>
+          <a:stretch>
+            <a:fillRect/>
+          </a:stretch>
+        </p:blipFill>
+        <p:spPr>
+          <a:xfrm>
+            <a:off x="765726" y="3638137"/>
+            <a:ext cx="3676589" cy="226418"/>
+          </a:xfrm>
+          <a:prstGeom prst="rect">
+            <a:avLst/>
+          </a:prstGeom>
+        </p:spPr>
+      </p:pic>
+      <p:pic>
+        <p:nvPicPr>
+          <p:cNvPr id="13" name="Picture 12">
+            <a:extLst>
+              <a:ext uri="{FF2B5EF4-FFF2-40B4-BE49-F238E27FC236}">
+                <a16:creationId xmlns:a16="http://schemas.microsoft.com/office/drawing/2014/main" id="{22273CC5-D815-1549-8DE1-9C0F93D63668}"/>
+              </a:ext>
+            </a:extLst>
+          </p:cNvPr>
+          <p:cNvPicPr>
+            <a:picLocks noChangeAspect="1"/>
+          </p:cNvPicPr>
+          <p:nvPr/>
+        </p:nvPicPr>
+        <p:blipFill>
+          <a:blip r:embed="rId4"/>
+          <a:stretch>
+            <a:fillRect/>
+          </a:stretch>
+        </p:blipFill>
+        <p:spPr>
+          <a:xfrm>
+            <a:off x="5684082" y="3642450"/>
+            <a:ext cx="3676589" cy="415262"/>
+          </a:xfrm>
+          <a:prstGeom prst="rect">
+            <a:avLst/>
+          </a:prstGeom>
+        </p:spPr>
+      </p:pic>
+      <p:pic>
+        <p:nvPicPr>
+          <p:cNvPr id="17" name="Picture 16" descr="Chart, scatter chart&#10;&#10;Description automatically generated">
+            <a:extLst>
+              <a:ext uri="{FF2B5EF4-FFF2-40B4-BE49-F238E27FC236}">
+                <a16:creationId xmlns:a16="http://schemas.microsoft.com/office/drawing/2014/main" id="{C10174EB-1616-944A-80A7-6B9396D577E6}"/>
+              </a:ext>
+            </a:extLst>
+          </p:cNvPr>
+          <p:cNvPicPr>
+            <a:picLocks noChangeAspect="1"/>
+          </p:cNvPicPr>
+          <p:nvPr/>
+        </p:nvPicPr>
+        <p:blipFill>
+          <a:blip r:embed="rId5"/>
+          <a:stretch>
+            <a:fillRect/>
+          </a:stretch>
+        </p:blipFill>
+        <p:spPr>
+          <a:xfrm>
+            <a:off x="5684082" y="4137139"/>
+            <a:ext cx="3676589" cy="2626135"/>
+          </a:xfrm>
+          <a:prstGeom prst="rect">
+            <a:avLst/>
+          </a:prstGeom>
+        </p:spPr>
+      </p:pic>
     </p:spTree>
     <p:extLst>
       <p:ext uri="{BB962C8B-B14F-4D97-AF65-F5344CB8AC3E}">
@@ -8390,7 +8797,7 @@
         <p:spPr>
           <a:xfrm>
             <a:off x="948488" y="1287100"/>
-            <a:ext cx="4078361" cy="369332"/>
+            <a:ext cx="3443891" cy="369332"/>
           </a:xfrm>
           <a:prstGeom prst="rect">
             <a:avLst/>
@@ -8405,7 +8812,7 @@
           <a:p>
             <a:r>
               <a:rPr lang="en-US" dirty="0"/>
-              <a:t>Transformation and Adjustment Types</a:t>
+              <a:t>Transformation and Adjustment</a:t>
             </a:r>
           </a:p>
         </p:txBody>
@@ -8672,7 +9079,7 @@
         <p:spPr>
           <a:xfrm>
             <a:off x="948488" y="1287100"/>
-            <a:ext cx="4078361" cy="369332"/>
+            <a:ext cx="3443891" cy="369332"/>
           </a:xfrm>
           <a:prstGeom prst="rect">
             <a:avLst/>
@@ -8687,7 +9094,7 @@
           <a:p>
             <a:r>
               <a:rPr lang="en-US" dirty="0"/>
-              <a:t>Transformation and Adjustment Types</a:t>
+              <a:t>Transformation and Adjustment</a:t>
             </a:r>
           </a:p>
         </p:txBody>
@@ -9307,7 +9714,7 @@
         <p:spPr>
           <a:xfrm>
             <a:off x="948488" y="1287100"/>
-            <a:ext cx="4078361" cy="369332"/>
+            <a:ext cx="3443891" cy="369332"/>
           </a:xfrm>
           <a:prstGeom prst="rect">
             <a:avLst/>
@@ -9322,7 +9729,7 @@
           <a:p>
             <a:r>
               <a:rPr lang="en-US" dirty="0"/>
-              <a:t>Transformation and Adjustment Types</a:t>
+              <a:t>Transformation and Adjustment</a:t>
             </a:r>
           </a:p>
         </p:txBody>
@@ -9611,7 +10018,7 @@
         <p:spPr>
           <a:xfrm>
             <a:off x="948488" y="1287100"/>
-            <a:ext cx="4078361" cy="369332"/>
+            <a:ext cx="3443891" cy="369332"/>
           </a:xfrm>
           <a:prstGeom prst="rect">
             <a:avLst/>
@@ -9626,7 +10033,7 @@
           <a:p>
             <a:r>
               <a:rPr lang="en-US" dirty="0"/>
-              <a:t>Transformation and Adjustment Types</a:t>
+              <a:t>Transformation and Adjustment</a:t>
             </a:r>
           </a:p>
         </p:txBody>
@@ -9816,7 +10223,7 @@
             </a:pPr>
             <a:r>
               <a:rPr lang="en-US" b="1" dirty="0"/>
-              <a:t>Calendar Adjustment</a:t>
+              <a:t>Seasonal Adjustments</a:t>
             </a:r>
           </a:p>
           <a:p>
@@ -9825,17 +10232,87 @@
             </a:pPr>
             <a:r>
               <a:rPr lang="en-US" sz="1200" dirty="0"/>
-              <a:t>Used to remove calendar variations from a time series.</a:t>
-            </a:r>
-          </a:p>
-          <a:p>
-            <a:pPr marL="0" indent="0">
-              <a:buNone/>
-            </a:pPr>
+              <a:t>Used to remove seasonal variations (</a:t>
+            </a:r>
+            <a:r>
+              <a:rPr lang="en-US" sz="1200" i="1" dirty="0"/>
+              <a:t>cycles that repeat regularly over time</a:t>
+            </a:r>
             <a:r>
               <a:rPr lang="en-US" sz="1200" dirty="0"/>
-              <a:t>Calendar variations include:</a:t>
-            </a:r>
+              <a:t>) from a time series.</a:t>
+            </a:r>
+          </a:p>
+          <a:p>
+            <a:pPr marL="0" indent="0">
+              <a:buNone/>
+            </a:pPr>
+            <a:r>
+              <a:rPr lang="en-US" sz="1200" dirty="0"/>
+              <a:t>Depending on the type of time series, seasonal variations may include:</a:t>
+            </a:r>
+          </a:p>
+          <a:p>
+            <a:r>
+              <a:rPr lang="en-US" sz="1200" dirty="0"/>
+              <a:t>Seasons (</a:t>
+            </a:r>
+            <a:r>
+              <a:rPr lang="en-US" sz="1200" i="1" dirty="0"/>
+              <a:t>summer, winter, etc</a:t>
+            </a:r>
+            <a:r>
+              <a:rPr lang="en-US" sz="1200" dirty="0"/>
+              <a:t>.)</a:t>
+            </a:r>
+          </a:p>
+          <a:p>
+            <a:r>
+              <a:rPr lang="en-US" sz="1200" dirty="0"/>
+              <a:t>Holidays such as Christmas, Thanksgiving, etc. (</a:t>
+            </a:r>
+            <a:r>
+              <a:rPr lang="en-US" sz="1200" i="1" dirty="0"/>
+              <a:t>retail based time series</a:t>
+            </a:r>
+            <a:r>
+              <a:rPr lang="en-US" sz="1200" dirty="0"/>
+              <a:t>)</a:t>
+            </a:r>
+          </a:p>
+          <a:p>
+            <a:r>
+              <a:rPr lang="en-US" sz="1200" dirty="0"/>
+              <a:t>University graduations (</a:t>
+            </a:r>
+            <a:r>
+              <a:rPr lang="en-US" sz="1200" i="1" dirty="0"/>
+              <a:t>job market based time series</a:t>
+            </a:r>
+            <a:r>
+              <a:rPr lang="en-US" sz="1200" dirty="0"/>
+              <a:t>)</a:t>
+            </a:r>
+          </a:p>
+          <a:p>
+            <a:r>
+              <a:rPr lang="en-US" sz="1200" dirty="0"/>
+              <a:t>Animal migration and hibernation (</a:t>
+            </a:r>
+            <a:r>
+              <a:rPr lang="en-US" sz="1200" i="1" dirty="0"/>
+              <a:t>wildlife based time series</a:t>
+            </a:r>
+            <a:r>
+              <a:rPr lang="en-US" sz="1200" dirty="0"/>
+              <a:t>)</a:t>
+            </a:r>
+          </a:p>
+          <a:p>
+            <a:pPr marL="0" indent="0">
+              <a:buNone/>
+            </a:pPr>
+            <a:endParaRPr lang="en-US" sz="1200" dirty="0"/>
           </a:p>
           <a:p>
             <a:pPr marL="0" indent="0">
@@ -9860,7 +10337,7 @@
         <p:spPr>
           <a:xfrm>
             <a:off x="948488" y="1287100"/>
-            <a:ext cx="4078361" cy="369332"/>
+            <a:ext cx="3443891" cy="369332"/>
           </a:xfrm>
           <a:prstGeom prst="rect">
             <a:avLst/>
@@ -9875,7 +10352,7 @@
           <a:p>
             <a:r>
               <a:rPr lang="en-US" dirty="0"/>
-              <a:t>Transformation and Adjustment Types</a:t>
+              <a:t>Transformation and Adjustment</a:t>
             </a:r>
           </a:p>
         </p:txBody>
@@ -9894,8 +10371,8 @@
         </p:nvSpPr>
         <p:spPr>
           <a:xfrm>
-            <a:off x="10835056" y="1025490"/>
-            <a:ext cx="1111202" cy="523220"/>
+            <a:off x="10798989" y="1025490"/>
+            <a:ext cx="1183337" cy="523220"/>
           </a:xfrm>
           <a:prstGeom prst="rect">
             <a:avLst/>
@@ -9918,11 +10395,41 @@
             <a:pPr algn="ctr"/>
             <a:r>
               <a:rPr lang="en-US" sz="1400" dirty="0"/>
-              <a:t>Adjustment</a:t>
-            </a:r>
-          </a:p>
-        </p:txBody>
-      </p:sp>
+              <a:t>Adjustments</a:t>
+            </a:r>
+          </a:p>
+        </p:txBody>
+      </p:sp>
+      <p:pic>
+        <p:nvPicPr>
+          <p:cNvPr id="11" name="Picture 10" descr="Chart, line chart&#10;&#10;Description automatically generated">
+            <a:extLst>
+              <a:ext uri="{FF2B5EF4-FFF2-40B4-BE49-F238E27FC236}">
+                <a16:creationId xmlns:a16="http://schemas.microsoft.com/office/drawing/2014/main" id="{93C33E48-9FC4-0847-A017-97E66FF312DB}"/>
+              </a:ext>
+            </a:extLst>
+          </p:cNvPr>
+          <p:cNvPicPr>
+            <a:picLocks noChangeAspect="1"/>
+          </p:cNvPicPr>
+          <p:nvPr/>
+        </p:nvPicPr>
+        <p:blipFill>
+          <a:blip r:embed="rId2"/>
+          <a:stretch>
+            <a:fillRect/>
+          </a:stretch>
+        </p:blipFill>
+        <p:spPr>
+          <a:xfrm>
+            <a:off x="837196" y="4563898"/>
+            <a:ext cx="5615362" cy="2124398"/>
+          </a:xfrm>
+          <a:prstGeom prst="rect">
+            <a:avLst/>
+          </a:prstGeom>
+        </p:spPr>
+      </p:pic>
     </p:spTree>
     <p:extLst>
       <p:ext uri="{BB962C8B-B14F-4D97-AF65-F5344CB8AC3E}">
@@ -9993,7 +10500,7 @@
         <p:spPr>
           <a:xfrm>
             <a:off x="680321" y="2336872"/>
-            <a:ext cx="9613861" cy="4250539"/>
+            <a:ext cx="10085010" cy="4443490"/>
           </a:xfrm>
         </p:spPr>
         <p:txBody>
@@ -10004,19 +10511,9 @@
               <a:buNone/>
             </a:pPr>
             <a:r>
-              <a:rPr lang="en-US" b="1" dirty="0"/>
-              <a:t>Population Adjustments</a:t>
-            </a:r>
-          </a:p>
-          <a:p>
-            <a:pPr marL="0" indent="0">
-              <a:buNone/>
-            </a:pPr>
-            <a:r>
               <a:rPr lang="en-US" sz="1600" b="1" dirty="0"/>
-              <a:t>Logarithmic</a:t>
-            </a:r>
-            <a:endParaRPr lang="en-US" sz="1400" b="1" dirty="0"/>
+              <a:t>Performing a Seasonal Adjustment In R Using The Seasonal Package</a:t>
+            </a:r>
           </a:p>
           <a:p>
             <a:pPr marL="0" indent="0">
@@ -10024,53 +10521,74 @@
             </a:pPr>
             <a:r>
               <a:rPr lang="en-US" sz="1200" dirty="0"/>
-              <a:t>Some text.</a:t>
-            </a:r>
+              <a:t>The seasonal package was developed by the United States Census Bureau.</a:t>
+            </a:r>
+          </a:p>
+          <a:p>
+            <a:pPr marL="0" indent="0">
+              <a:buNone/>
+            </a:pPr>
+            <a:r>
+              <a:rPr lang="en-US" sz="1200" dirty="0"/>
+              <a:t>Very easy to use – call the </a:t>
+            </a:r>
+            <a:r>
+              <a:rPr lang="en-US" sz="1200" b="1" i="1" dirty="0"/>
+              <a:t>seas() </a:t>
+            </a:r>
+            <a:r>
+              <a:rPr lang="en-US" sz="1200" dirty="0"/>
+              <a:t>function, and your time series data is seasonally adjusted.</a:t>
+            </a:r>
+          </a:p>
+          <a:p>
+            <a:pPr marL="0" indent="0">
+              <a:buNone/>
+            </a:pPr>
+            <a:r>
+              <a:rPr lang="en-US" sz="1200" dirty="0"/>
+              <a:t>Uses the </a:t>
+            </a:r>
+            <a:r>
+              <a:rPr lang="en-US" sz="1200" b="1" i="1" dirty="0"/>
+              <a:t>seats</a:t>
+            </a:r>
+            <a:r>
+              <a:rPr lang="en-US" sz="1200" dirty="0"/>
+              <a:t> adjustment procedure by default. This can be changed to X11 by adding the </a:t>
+            </a:r>
+            <a:r>
+              <a:rPr lang="en-US" sz="1200" b="1" i="1" dirty="0"/>
+              <a:t>X11 = “”  </a:t>
+            </a:r>
+            <a:r>
+              <a:rPr lang="en-US" sz="1200" dirty="0"/>
+              <a:t>parameter.</a:t>
+            </a:r>
+          </a:p>
+          <a:p>
+            <a:pPr marL="0" indent="0">
+              <a:buNone/>
+            </a:pPr>
+            <a:endParaRPr lang="en-US" sz="1200" dirty="0"/>
+          </a:p>
+          <a:p>
+            <a:pPr marL="0" indent="0">
+              <a:buNone/>
+            </a:pPr>
+            <a:endParaRPr lang="en-US" sz="1200" dirty="0"/>
+          </a:p>
+          <a:p>
+            <a:pPr marL="0" indent="0">
+              <a:buNone/>
+            </a:pPr>
+            <a:endParaRPr lang="en-US" sz="1200" dirty="0"/>
           </a:p>
           <a:p>
             <a:pPr marL="0" indent="0">
               <a:buNone/>
             </a:pPr>
             <a:endParaRPr lang="en-US" sz="1600" b="1" dirty="0"/>
-          </a:p>
-          <a:p>
-            <a:pPr marL="0" indent="0">
-              <a:buNone/>
-            </a:pPr>
-            <a:r>
-              <a:rPr lang="en-US" sz="1600" b="1" dirty="0"/>
-              <a:t>Power (x√,x3)</a:t>
-            </a:r>
-          </a:p>
-          <a:p>
-            <a:pPr marL="0" indent="0">
-              <a:buNone/>
-            </a:pPr>
-            <a:r>
-              <a:rPr lang="en-US" sz="1200" dirty="0"/>
-              <a:t>Some text.</a:t>
-            </a:r>
-          </a:p>
-          <a:p>
-            <a:pPr marL="0" indent="0">
-              <a:buNone/>
-            </a:pPr>
-            <a:endParaRPr lang="en-US" sz="1200" dirty="0"/>
-          </a:p>
-          <a:p>
-            <a:pPr marL="0" indent="0">
-              <a:buNone/>
-            </a:pPr>
-            <a:r>
-              <a:rPr lang="en-US" sz="1600" b="1" dirty="0"/>
-              <a:t>Inverse</a:t>
-            </a:r>
-          </a:p>
-          <a:p>
-            <a:pPr marL="0" indent="0">
-              <a:buNone/>
-            </a:pPr>
-            <a:endParaRPr lang="en-US" sz="1200" dirty="0"/>
           </a:p>
         </p:txBody>
       </p:sp>
@@ -10083,7 +10601,7 @@
         <p:spPr>
           <a:xfrm>
             <a:off x="948488" y="1287100"/>
-            <a:ext cx="4078361" cy="369332"/>
+            <a:ext cx="3443891" cy="369332"/>
           </a:xfrm>
           <a:prstGeom prst="rect">
             <a:avLst/>
@@ -10098,7 +10616,7 @@
           <a:p>
             <a:r>
               <a:rPr lang="en-US" dirty="0"/>
-              <a:t>Transformation and Adjustment Types</a:t>
+              <a:t>Transformation and Adjustment</a:t>
             </a:r>
           </a:p>
         </p:txBody>
@@ -10108,7 +10626,7 @@
           <p:cNvPr id="5" name="TextBox 4">
             <a:extLst>
               <a:ext uri="{FF2B5EF4-FFF2-40B4-BE49-F238E27FC236}">
-                <a16:creationId xmlns:a16="http://schemas.microsoft.com/office/drawing/2014/main" id="{E957E86E-3381-C246-8C57-00F5C98C2EB2}"/>
+                <a16:creationId xmlns:a16="http://schemas.microsoft.com/office/drawing/2014/main" id="{3B11B03F-1D94-234E-AF2D-BD7312C1808B}"/>
               </a:ext>
             </a:extLst>
           </p:cNvPr>
@@ -10117,8 +10635,8 @@
         </p:nvSpPr>
         <p:spPr>
           <a:xfrm>
-            <a:off x="10798034" y="1025490"/>
-            <a:ext cx="1183336" cy="523220"/>
+            <a:off x="10765331" y="868271"/>
+            <a:ext cx="1267911" cy="954107"/>
           </a:xfrm>
           <a:prstGeom prst="rect">
             <a:avLst/>
@@ -10134,22 +10652,96 @@
             <a:pPr algn="ctr"/>
             <a:r>
               <a:rPr lang="en-US" sz="1400" dirty="0"/>
-              <a:t>Population</a:t>
+              <a:t>Performing a </a:t>
             </a:r>
           </a:p>
           <a:p>
             <a:pPr algn="ctr"/>
             <a:r>
               <a:rPr lang="en-US" sz="1400" dirty="0"/>
-              <a:t>Adjustments</a:t>
-            </a:r>
-          </a:p>
-        </p:txBody>
-      </p:sp>
+              <a:t>Calendar</a:t>
+            </a:r>
+          </a:p>
+          <a:p>
+            <a:pPr algn="ctr"/>
+            <a:r>
+              <a:rPr lang="en-US" sz="1400" dirty="0"/>
+              <a:t>Adjustment</a:t>
+            </a:r>
+          </a:p>
+          <a:p>
+            <a:pPr algn="ctr"/>
+            <a:r>
+              <a:rPr lang="en-US" sz="1400" dirty="0"/>
+              <a:t>In R</a:t>
+            </a:r>
+          </a:p>
+        </p:txBody>
+      </p:sp>
+      <p:pic>
+        <p:nvPicPr>
+          <p:cNvPr id="7" name="Picture 6" descr="Text&#10;&#10;Description automatically generated">
+            <a:extLst>
+              <a:ext uri="{FF2B5EF4-FFF2-40B4-BE49-F238E27FC236}">
+                <a16:creationId xmlns:a16="http://schemas.microsoft.com/office/drawing/2014/main" id="{9FD13AEF-09B8-7949-ABE6-4B5CD01239D8}"/>
+              </a:ext>
+            </a:extLst>
+          </p:cNvPr>
+          <p:cNvPicPr>
+            <a:picLocks noChangeAspect="1"/>
+          </p:cNvPicPr>
+          <p:nvPr/>
+        </p:nvPicPr>
+        <p:blipFill>
+          <a:blip r:embed="rId2"/>
+          <a:stretch>
+            <a:fillRect/>
+          </a:stretch>
+        </p:blipFill>
+        <p:spPr>
+          <a:xfrm>
+            <a:off x="680321" y="3685129"/>
+            <a:ext cx="3676495" cy="3012895"/>
+          </a:xfrm>
+          <a:prstGeom prst="rect">
+            <a:avLst/>
+          </a:prstGeom>
+        </p:spPr>
+      </p:pic>
+      <p:pic>
+        <p:nvPicPr>
+          <p:cNvPr id="10" name="Picture 9">
+            <a:extLst>
+              <a:ext uri="{FF2B5EF4-FFF2-40B4-BE49-F238E27FC236}">
+                <a16:creationId xmlns:a16="http://schemas.microsoft.com/office/drawing/2014/main" id="{DCE2B798-0115-314A-895D-793513BC2F07}"/>
+              </a:ext>
+            </a:extLst>
+          </p:cNvPr>
+          <p:cNvPicPr>
+            <a:picLocks noChangeAspect="1"/>
+          </p:cNvPicPr>
+          <p:nvPr/>
+        </p:nvPicPr>
+        <p:blipFill>
+          <a:blip r:embed="rId3"/>
+          <a:stretch>
+            <a:fillRect/>
+          </a:stretch>
+        </p:blipFill>
+        <p:spPr>
+          <a:xfrm>
+            <a:off x="4356816" y="3680870"/>
+            <a:ext cx="6115652" cy="3017154"/>
+          </a:xfrm>
+          <a:prstGeom prst="rect">
+            <a:avLst/>
+          </a:prstGeom>
+        </p:spPr>
+      </p:pic>
     </p:spTree>
     <p:extLst>
       <p:ext uri="{BB962C8B-B14F-4D97-AF65-F5344CB8AC3E}">
-        <p14:creationId xmlns:p14="http://schemas.microsoft.com/office/powerpoint/2010/main" val="3745016284"/>
+        <p14:creationId xmlns:p14="http://schemas.microsoft.com/office/powerpoint/2010/main" val="2738247598"/>
       </p:ext>
     </p:extLst>
   </p:cSld>

--- a/Data624TimeSeriesDecompPresentation.pptx
+++ b/Data624TimeSeriesDecompPresentation.pptx
@@ -6,16 +6,14 @@
   </p:sldMasterIdLst>
   <p:sldIdLst>
     <p:sldId id="256" r:id="rId2"/>
-    <p:sldId id="257" r:id="rId3"/>
-    <p:sldId id="258" r:id="rId4"/>
-    <p:sldId id="265" r:id="rId5"/>
-    <p:sldId id="264" r:id="rId6"/>
-    <p:sldId id="263" r:id="rId7"/>
-    <p:sldId id="266" r:id="rId8"/>
+    <p:sldId id="258" r:id="rId3"/>
+    <p:sldId id="265" r:id="rId4"/>
+    <p:sldId id="264" r:id="rId5"/>
+    <p:sldId id="263" r:id="rId6"/>
+    <p:sldId id="266" r:id="rId7"/>
+    <p:sldId id="257" r:id="rId8"/>
     <p:sldId id="259" r:id="rId9"/>
     <p:sldId id="267" r:id="rId10"/>
-    <p:sldId id="260" r:id="rId11"/>
-    <p:sldId id="261" r:id="rId12"/>
   </p:sldIdLst>
   <p:sldSz cx="12192000" cy="6858000"/>
   <p:notesSz cx="6858000" cy="9144000"/>
@@ -7768,452 +7766,6 @@
 </p:sld>
 </file>
 
-<file path=ppt/slides/slide10.xml><?xml version="1.0" encoding="utf-8"?>
-<p:sld xmlns:a="http://schemas.openxmlformats.org/drawingml/2006/main" xmlns:r="http://schemas.openxmlformats.org/officeDocument/2006/relationships" xmlns:p="http://schemas.openxmlformats.org/presentationml/2006/main">
-  <p:cSld>
-    <p:spTree>
-      <p:nvGrpSpPr>
-        <p:cNvPr id="1" name=""/>
-        <p:cNvGrpSpPr/>
-        <p:nvPr/>
-      </p:nvGrpSpPr>
-      <p:grpSpPr>
-        <a:xfrm>
-          <a:off x="0" y="0"/>
-          <a:ext cx="0" cy="0"/>
-          <a:chOff x="0" y="0"/>
-          <a:chExt cx="0" cy="0"/>
-        </a:xfrm>
-      </p:grpSpPr>
-      <p:sp>
-        <p:nvSpPr>
-          <p:cNvPr id="2" name="Title 1"/>
-          <p:cNvSpPr>
-            <a:spLocks noGrp="1"/>
-          </p:cNvSpPr>
-          <p:nvPr>
-            <p:ph type="title"/>
-          </p:nvPr>
-        </p:nvSpPr>
-        <p:spPr>
-          <a:xfrm>
-            <a:off x="680321" y="753229"/>
-            <a:ext cx="9613861" cy="592096"/>
-          </a:xfrm>
-        </p:spPr>
-        <p:txBody>
-          <a:bodyPr/>
-          <a:lstStyle/>
-          <a:p>
-            <a:r>
-              <a:rPr lang="en-US" dirty="0"/>
-              <a:t>Time Series Decomposition</a:t>
-            </a:r>
-          </a:p>
-        </p:txBody>
-      </p:sp>
-      <p:sp>
-        <p:nvSpPr>
-          <p:cNvPr id="3" name="Content Placeholder 2"/>
-          <p:cNvSpPr>
-            <a:spLocks noGrp="1"/>
-          </p:cNvSpPr>
-          <p:nvPr>
-            <p:ph idx="1"/>
-          </p:nvPr>
-        </p:nvSpPr>
-        <p:spPr>
-          <a:xfrm>
-            <a:off x="680321" y="2336872"/>
-            <a:ext cx="9613861" cy="4250539"/>
-          </a:xfrm>
-        </p:spPr>
-        <p:txBody>
-          <a:bodyPr/>
-          <a:lstStyle/>
-          <a:p>
-            <a:pPr marL="0" indent="0">
-              <a:buNone/>
-            </a:pPr>
-            <a:r>
-              <a:rPr lang="en-US" b="1" dirty="0"/>
-              <a:t>Population Adjustments</a:t>
-            </a:r>
-          </a:p>
-          <a:p>
-            <a:pPr marL="0" indent="0">
-              <a:buNone/>
-            </a:pPr>
-            <a:r>
-              <a:rPr lang="en-US" sz="1600" b="1" dirty="0"/>
-              <a:t>Logarithmic</a:t>
-            </a:r>
-            <a:endParaRPr lang="en-US" sz="1400" b="1" dirty="0"/>
-          </a:p>
-          <a:p>
-            <a:pPr marL="0" indent="0">
-              <a:buNone/>
-            </a:pPr>
-            <a:r>
-              <a:rPr lang="en-US" sz="1200" dirty="0"/>
-              <a:t>Some text.</a:t>
-            </a:r>
-          </a:p>
-          <a:p>
-            <a:pPr marL="0" indent="0">
-              <a:buNone/>
-            </a:pPr>
-            <a:endParaRPr lang="en-US" sz="1600" b="1" dirty="0"/>
-          </a:p>
-          <a:p>
-            <a:pPr marL="0" indent="0">
-              <a:buNone/>
-            </a:pPr>
-            <a:r>
-              <a:rPr lang="en-US" sz="1600" b="1" dirty="0"/>
-              <a:t>Power (x√,x3)</a:t>
-            </a:r>
-          </a:p>
-          <a:p>
-            <a:pPr marL="0" indent="0">
-              <a:buNone/>
-            </a:pPr>
-            <a:r>
-              <a:rPr lang="en-US" sz="1200" dirty="0"/>
-              <a:t>Some text.</a:t>
-            </a:r>
-          </a:p>
-          <a:p>
-            <a:pPr marL="0" indent="0">
-              <a:buNone/>
-            </a:pPr>
-            <a:endParaRPr lang="en-US" sz="1200" dirty="0"/>
-          </a:p>
-          <a:p>
-            <a:pPr marL="0" indent="0">
-              <a:buNone/>
-            </a:pPr>
-            <a:r>
-              <a:rPr lang="en-US" sz="1600" b="1" dirty="0"/>
-              <a:t>Inverse</a:t>
-            </a:r>
-          </a:p>
-          <a:p>
-            <a:pPr marL="0" indent="0">
-              <a:buNone/>
-            </a:pPr>
-            <a:endParaRPr lang="en-US" sz="1200" dirty="0"/>
-          </a:p>
-        </p:txBody>
-      </p:sp>
-      <p:sp>
-        <p:nvSpPr>
-          <p:cNvPr id="4" name="TextBox 3"/>
-          <p:cNvSpPr txBox="1"/>
-          <p:nvPr/>
-        </p:nvSpPr>
-        <p:spPr>
-          <a:xfrm>
-            <a:off x="948488" y="1287100"/>
-            <a:ext cx="3443891" cy="369332"/>
-          </a:xfrm>
-          <a:prstGeom prst="rect">
-            <a:avLst/>
-          </a:prstGeom>
-          <a:noFill/>
-        </p:spPr>
-        <p:txBody>
-          <a:bodyPr wrap="none" rtlCol="0">
-            <a:spAutoFit/>
-          </a:bodyPr>
-          <a:lstStyle/>
-          <a:p>
-            <a:r>
-              <a:rPr lang="en-US" dirty="0"/>
-              <a:t>Transformation and Adjustment</a:t>
-            </a:r>
-          </a:p>
-        </p:txBody>
-      </p:sp>
-      <p:sp>
-        <p:nvSpPr>
-          <p:cNvPr id="5" name="TextBox 4">
-            <a:extLst>
-              <a:ext uri="{FF2B5EF4-FFF2-40B4-BE49-F238E27FC236}">
-                <a16:creationId xmlns:a16="http://schemas.microsoft.com/office/drawing/2014/main" id="{E957E86E-3381-C246-8C57-00F5C98C2EB2}"/>
-              </a:ext>
-            </a:extLst>
-          </p:cNvPr>
-          <p:cNvSpPr txBox="1"/>
-          <p:nvPr/>
-        </p:nvSpPr>
-        <p:spPr>
-          <a:xfrm>
-            <a:off x="10798034" y="1025490"/>
-            <a:ext cx="1183336" cy="523220"/>
-          </a:xfrm>
-          <a:prstGeom prst="rect">
-            <a:avLst/>
-          </a:prstGeom>
-          <a:noFill/>
-        </p:spPr>
-        <p:txBody>
-          <a:bodyPr wrap="none" rtlCol="0">
-            <a:spAutoFit/>
-          </a:bodyPr>
-          <a:lstStyle/>
-          <a:p>
-            <a:pPr algn="ctr"/>
-            <a:r>
-              <a:rPr lang="en-US" sz="1400" dirty="0"/>
-              <a:t>Population</a:t>
-            </a:r>
-          </a:p>
-          <a:p>
-            <a:pPr algn="ctr"/>
-            <a:r>
-              <a:rPr lang="en-US" sz="1400" dirty="0"/>
-              <a:t>Adjustments</a:t>
-            </a:r>
-          </a:p>
-        </p:txBody>
-      </p:sp>
-    </p:spTree>
-    <p:extLst>
-      <p:ext uri="{BB962C8B-B14F-4D97-AF65-F5344CB8AC3E}">
-        <p14:creationId xmlns:p14="http://schemas.microsoft.com/office/powerpoint/2010/main" val="3745016284"/>
-      </p:ext>
-    </p:extLst>
-  </p:cSld>
-  <p:clrMapOvr>
-    <a:masterClrMapping/>
-  </p:clrMapOvr>
-</p:sld>
-</file>
-
-<file path=ppt/slides/slide11.xml><?xml version="1.0" encoding="utf-8"?>
-<p:sld xmlns:a="http://schemas.openxmlformats.org/drawingml/2006/main" xmlns:r="http://schemas.openxmlformats.org/officeDocument/2006/relationships" xmlns:p="http://schemas.openxmlformats.org/presentationml/2006/main">
-  <p:cSld>
-    <p:spTree>
-      <p:nvGrpSpPr>
-        <p:cNvPr id="1" name=""/>
-        <p:cNvGrpSpPr/>
-        <p:nvPr/>
-      </p:nvGrpSpPr>
-      <p:grpSpPr>
-        <a:xfrm>
-          <a:off x="0" y="0"/>
-          <a:ext cx="0" cy="0"/>
-          <a:chOff x="0" y="0"/>
-          <a:chExt cx="0" cy="0"/>
-        </a:xfrm>
-      </p:grpSpPr>
-      <p:sp>
-        <p:nvSpPr>
-          <p:cNvPr id="2" name="Title 1"/>
-          <p:cNvSpPr>
-            <a:spLocks noGrp="1"/>
-          </p:cNvSpPr>
-          <p:nvPr>
-            <p:ph type="title"/>
-          </p:nvPr>
-        </p:nvSpPr>
-        <p:spPr>
-          <a:xfrm>
-            <a:off x="680321" y="753229"/>
-            <a:ext cx="9613861" cy="592096"/>
-          </a:xfrm>
-        </p:spPr>
-        <p:txBody>
-          <a:bodyPr/>
-          <a:lstStyle/>
-          <a:p>
-            <a:r>
-              <a:rPr lang="en-US" dirty="0"/>
-              <a:t>Time Series Decomposition</a:t>
-            </a:r>
-          </a:p>
-        </p:txBody>
-      </p:sp>
-      <p:sp>
-        <p:nvSpPr>
-          <p:cNvPr id="3" name="Content Placeholder 2"/>
-          <p:cNvSpPr>
-            <a:spLocks noGrp="1"/>
-          </p:cNvSpPr>
-          <p:nvPr>
-            <p:ph idx="1"/>
-          </p:nvPr>
-        </p:nvSpPr>
-        <p:spPr>
-          <a:xfrm>
-            <a:off x="680320" y="2347383"/>
-            <a:ext cx="9613861" cy="4250539"/>
-          </a:xfrm>
-        </p:spPr>
-        <p:txBody>
-          <a:bodyPr/>
-          <a:lstStyle/>
-          <a:p>
-            <a:pPr marL="0" indent="0">
-              <a:buNone/>
-            </a:pPr>
-            <a:r>
-              <a:rPr lang="en-US" b="1" dirty="0"/>
-              <a:t>Inflation Adjustments</a:t>
-            </a:r>
-          </a:p>
-          <a:p>
-            <a:pPr marL="0" indent="0">
-              <a:buNone/>
-            </a:pPr>
-            <a:r>
-              <a:rPr lang="en-US" sz="1600" b="1" dirty="0"/>
-              <a:t>Logarithmic</a:t>
-            </a:r>
-            <a:endParaRPr lang="en-US" sz="1400" b="1" dirty="0"/>
-          </a:p>
-          <a:p>
-            <a:pPr marL="0" indent="0">
-              <a:buNone/>
-            </a:pPr>
-            <a:r>
-              <a:rPr lang="en-US" sz="1200" dirty="0"/>
-              <a:t>Some text.</a:t>
-            </a:r>
-          </a:p>
-          <a:p>
-            <a:pPr marL="0" indent="0">
-              <a:buNone/>
-            </a:pPr>
-            <a:endParaRPr lang="en-US" sz="1600" b="1" dirty="0"/>
-          </a:p>
-          <a:p>
-            <a:pPr marL="0" indent="0">
-              <a:buNone/>
-            </a:pPr>
-            <a:r>
-              <a:rPr lang="en-US" sz="1600" b="1" dirty="0"/>
-              <a:t>Power (x√,x3)</a:t>
-            </a:r>
-          </a:p>
-          <a:p>
-            <a:pPr marL="0" indent="0">
-              <a:buNone/>
-            </a:pPr>
-            <a:r>
-              <a:rPr lang="en-US" sz="1200" dirty="0"/>
-              <a:t>Some text.</a:t>
-            </a:r>
-          </a:p>
-          <a:p>
-            <a:pPr marL="0" indent="0">
-              <a:buNone/>
-            </a:pPr>
-            <a:endParaRPr lang="en-US" sz="1200" dirty="0"/>
-          </a:p>
-          <a:p>
-            <a:pPr marL="0" indent="0">
-              <a:buNone/>
-            </a:pPr>
-            <a:r>
-              <a:rPr lang="en-US" sz="1600" b="1" dirty="0"/>
-              <a:t>Inverse</a:t>
-            </a:r>
-          </a:p>
-          <a:p>
-            <a:pPr marL="0" indent="0">
-              <a:buNone/>
-            </a:pPr>
-            <a:endParaRPr lang="en-US" sz="1200" dirty="0"/>
-          </a:p>
-        </p:txBody>
-      </p:sp>
-      <p:sp>
-        <p:nvSpPr>
-          <p:cNvPr id="4" name="TextBox 3"/>
-          <p:cNvSpPr txBox="1"/>
-          <p:nvPr/>
-        </p:nvSpPr>
-        <p:spPr>
-          <a:xfrm>
-            <a:off x="948488" y="1287100"/>
-            <a:ext cx="4078361" cy="369332"/>
-          </a:xfrm>
-          <a:prstGeom prst="rect">
-            <a:avLst/>
-          </a:prstGeom>
-          <a:noFill/>
-        </p:spPr>
-        <p:txBody>
-          <a:bodyPr wrap="none" rtlCol="0">
-            <a:spAutoFit/>
-          </a:bodyPr>
-          <a:lstStyle/>
-          <a:p>
-            <a:r>
-              <a:rPr lang="en-US" dirty="0"/>
-              <a:t>Transformation and Adjustment Types</a:t>
-            </a:r>
-          </a:p>
-        </p:txBody>
-      </p:sp>
-      <p:sp>
-        <p:nvSpPr>
-          <p:cNvPr id="5" name="TextBox 4">
-            <a:extLst>
-              <a:ext uri="{FF2B5EF4-FFF2-40B4-BE49-F238E27FC236}">
-                <a16:creationId xmlns:a16="http://schemas.microsoft.com/office/drawing/2014/main" id="{7895024F-CFF8-2343-A5E4-E5E4E3EF9E24}"/>
-              </a:ext>
-            </a:extLst>
-          </p:cNvPr>
-          <p:cNvSpPr txBox="1"/>
-          <p:nvPr/>
-        </p:nvSpPr>
-        <p:spPr>
-          <a:xfrm>
-            <a:off x="10753438" y="1025490"/>
-            <a:ext cx="1227965" cy="523220"/>
-          </a:xfrm>
-          <a:prstGeom prst="rect">
-            <a:avLst/>
-          </a:prstGeom>
-          <a:noFill/>
-        </p:spPr>
-        <p:txBody>
-          <a:bodyPr wrap="none" rtlCol="0">
-            <a:spAutoFit/>
-          </a:bodyPr>
-          <a:lstStyle/>
-          <a:p>
-            <a:pPr algn="ctr"/>
-            <a:r>
-              <a:rPr lang="en-US" sz="1400" dirty="0"/>
-              <a:t>Inflation</a:t>
-            </a:r>
-          </a:p>
-          <a:p>
-            <a:pPr algn="ctr"/>
-            <a:r>
-              <a:rPr lang="en-US" sz="1400" dirty="0"/>
-              <a:t> Adjustments</a:t>
-            </a:r>
-          </a:p>
-        </p:txBody>
-      </p:sp>
-    </p:spTree>
-    <p:extLst>
-      <p:ext uri="{BB962C8B-B14F-4D97-AF65-F5344CB8AC3E}">
-        <p14:creationId xmlns:p14="http://schemas.microsoft.com/office/powerpoint/2010/main" val="174790273"/>
-      </p:ext>
-    </p:extLst>
-  </p:cSld>
-  <p:clrMapOvr>
-    <a:masterClrMapping/>
-  </p:clrMapOvr>
-</p:sld>
-</file>
-
 <file path=ppt/slides/slide2.xml><?xml version="1.0" encoding="utf-8"?>
 <p:sld xmlns:a="http://schemas.openxmlformats.org/drawingml/2006/main" xmlns:r="http://schemas.openxmlformats.org/officeDocument/2006/relationships" xmlns:p="http://schemas.openxmlformats.org/presentationml/2006/main">
   <p:cSld>
@@ -8241,7 +7793,12 @@
             <p:ph type="title"/>
           </p:nvPr>
         </p:nvSpPr>
-        <p:spPr/>
+        <p:spPr>
+          <a:xfrm>
+            <a:off x="680321" y="753229"/>
+            <a:ext cx="9613861" cy="592096"/>
+          </a:xfrm>
+        </p:spPr>
         <p:txBody>
           <a:bodyPr/>
           <a:lstStyle/>
@@ -8250,10 +7807,6 @@
               <a:rPr lang="en-US" dirty="0"/>
               <a:t>Time Series Decomposition</a:t>
             </a:r>
-            <a:br>
-              <a:rPr lang="en-US" dirty="0"/>
-            </a:br>
-            <a:endParaRPr lang="en-US" dirty="0"/>
           </a:p>
         </p:txBody>
       </p:sp>
@@ -8267,18 +7820,51 @@
             <p:ph idx="1"/>
           </p:nvPr>
         </p:nvSpPr>
-        <p:spPr/>
-        <p:txBody>
-          <a:bodyPr/>
+        <p:spPr>
+          <a:xfrm>
+            <a:off x="680321" y="2336872"/>
+            <a:ext cx="9613861" cy="4250539"/>
+          </a:xfrm>
+        </p:spPr>
+        <p:txBody>
+          <a:bodyPr>
+            <a:normAutofit/>
+          </a:bodyPr>
           <a:lstStyle/>
           <a:p>
             <a:pPr marL="0" indent="0">
               <a:buNone/>
             </a:pPr>
             <a:r>
+              <a:rPr lang="en-US" b="1" dirty="0"/>
+              <a:t>Mathematical Transformations</a:t>
+            </a:r>
+          </a:p>
+          <a:p>
+            <a:pPr marL="0" indent="0">
+              <a:buNone/>
+            </a:pPr>
+            <a:r>
               <a:rPr lang="en-US" sz="1600" b="1" dirty="0"/>
-              <a:t>Performing a Box Cox Adjustment In R Using The Forecast Package</a:t>
-            </a:r>
+              <a:t>Power Transformations </a:t>
+            </a:r>
+            <a:r>
+              <a:rPr lang="en-US" sz="1600" b="1" i="1" dirty="0"/>
+              <a:t>√(𝑥), (𝑥)</a:t>
+            </a:r>
+            <a:r>
+              <a:rPr lang="en-US" sz="1600" b="1" i="1" baseline="30000" dirty="0"/>
+              <a:t>1/3</a:t>
+            </a:r>
+            <a:r>
+              <a:rPr lang="en-US" sz="1600" b="1" i="1" dirty="0"/>
+              <a:t>, log(𝑥), Box Cox </a:t>
+            </a:r>
+            <a:r>
+              <a:rPr lang="en-US" sz="1600" b="1" i="1" baseline="30000" dirty="0"/>
+              <a:t> </a:t>
+            </a:r>
+            <a:endParaRPr lang="en-US" sz="1200" i="1" baseline="30000" dirty="0"/>
           </a:p>
           <a:p>
             <a:pPr marL="0" indent="0">
@@ -8286,52 +7872,17 @@
             </a:pPr>
             <a:r>
               <a:rPr lang="en-US" sz="1200" dirty="0"/>
-              <a:t>The forecast package provides the </a:t>
-            </a:r>
-            <a:r>
-              <a:rPr lang="en-US" sz="1200" b="1" i="1" dirty="0" err="1"/>
-              <a:t>BoxCox</a:t>
-            </a:r>
-            <a:r>
-              <a:rPr lang="en-US" sz="1200" b="1" i="1" dirty="0"/>
-              <a:t>()  </a:t>
-            </a:r>
+              <a:t>Power transformations are used for variance stabilization and normalization.</a:t>
+            </a:r>
+          </a:p>
+          <a:p>
+            <a:pPr marL="0" indent="0">
+              <a:buNone/>
+            </a:pPr>
             <a:r>
               <a:rPr lang="en-US" sz="1200" dirty="0"/>
-              <a:t>function for performing Box Cox transformations. </a:t>
-            </a:r>
-          </a:p>
-          <a:p>
-            <a:pPr marL="0" indent="0">
-              <a:buNone/>
-            </a:pPr>
-            <a:r>
-              <a:rPr lang="en-US" sz="1200" dirty="0"/>
-              <a:t>Lambda value can be defined, or if undefined, the function will provide the optimal lambda value. </a:t>
-            </a:r>
-          </a:p>
-          <a:p>
-            <a:pPr marL="0" indent="0">
-              <a:buNone/>
-            </a:pPr>
-            <a:r>
-              <a:rPr lang="en-US" sz="1000" b="1" i="1" dirty="0"/>
-              <a:t>Defining a lambda value of 0.5 generates the following plot</a:t>
-            </a:r>
-            <a:r>
-              <a:rPr lang="en-US" sz="1200" b="1" i="1" dirty="0"/>
-              <a:t>:                             </a:t>
-            </a:r>
-            <a:r>
-              <a:rPr lang="en-US" sz="1000" b="1" i="1" dirty="0"/>
-              <a:t>Allowing the function to select the optimal lambda value (0.055) produces: </a:t>
-            </a:r>
-          </a:p>
-          <a:p>
-            <a:pPr marL="0" indent="0">
-              <a:buNone/>
-            </a:pPr>
-            <a:endParaRPr lang="en-US" sz="1000" dirty="0"/>
+              <a:t>In the context of a time series, power transformations are useful for removing change in variance over time.</a:t>
+            </a:r>
           </a:p>
           <a:p>
             <a:pPr marL="0" indent="0">
@@ -8340,13 +7891,104 @@
             <a:endParaRPr lang="en-US" sz="1200" dirty="0"/>
           </a:p>
           <a:p>
-            <a:endParaRPr lang="en-US" dirty="0"/>
-          </a:p>
-          <a:p>
             <a:pPr marL="0" indent="0">
               <a:buNone/>
             </a:pPr>
-            <a:endParaRPr lang="en-US" dirty="0"/>
+            <a:r>
+              <a:rPr lang="en-US" sz="1400" dirty="0"/>
+              <a:t>The most common power transformations are:</a:t>
+            </a:r>
+          </a:p>
+          <a:p>
+            <a:pPr marL="342900" indent="-342900">
+              <a:buAutoNum type="alphaUcPeriod"/>
+            </a:pPr>
+            <a:r>
+              <a:rPr lang="en-US" sz="1400" dirty="0"/>
+              <a:t>Square root -&gt; (√𝑥)</a:t>
+            </a:r>
+            <a:br>
+              <a:rPr lang="en-US" sz="1400" dirty="0"/>
+            </a:br>
+            <a:endParaRPr lang="en-US" sz="1400" dirty="0"/>
+          </a:p>
+          <a:p>
+            <a:pPr marL="342900" indent="-342900">
+              <a:buFont typeface="Arial" panose="020B0604020202020204" pitchFamily="34" charset="0"/>
+              <a:buAutoNum type="alphaUcPeriod"/>
+            </a:pPr>
+            <a:r>
+              <a:rPr lang="en-US" sz="1400" dirty="0"/>
+              <a:t>Cube root -&gt; (𝑥)</a:t>
+            </a:r>
+            <a:r>
+              <a:rPr lang="en-US" sz="1400" baseline="30000" dirty="0"/>
+              <a:t>1/3</a:t>
+            </a:r>
+            <a:br>
+              <a:rPr lang="en-US" sz="1400" baseline="30000" dirty="0"/>
+            </a:br>
+            <a:endParaRPr lang="en-US" sz="1400" baseline="30000" dirty="0"/>
+          </a:p>
+          <a:p>
+            <a:pPr marL="342900" indent="-342900">
+              <a:buFont typeface="Arial" panose="020B0604020202020204" pitchFamily="34" charset="0"/>
+              <a:buAutoNum type="alphaUcPeriod"/>
+            </a:pPr>
+            <a:r>
+              <a:rPr lang="en-US" sz="1400" dirty="0"/>
+              <a:t>Log -&gt; log(𝑥)</a:t>
+            </a:r>
+            <a:br>
+              <a:rPr lang="en-US" sz="1400" dirty="0"/>
+            </a:br>
+            <a:endParaRPr lang="en-US" sz="1400" dirty="0"/>
+          </a:p>
+          <a:p>
+            <a:pPr marL="342900" indent="-342900">
+              <a:buFont typeface="Arial" panose="020B0604020202020204" pitchFamily="34" charset="0"/>
+              <a:buAutoNum type="alphaUcPeriod"/>
+            </a:pPr>
+            <a:r>
+              <a:rPr lang="en-US" sz="1400" dirty="0"/>
+              <a:t>Box Cox</a:t>
+            </a:r>
+          </a:p>
+          <a:p>
+            <a:pPr marL="0" indent="0">
+              <a:buNone/>
+            </a:pPr>
+            <a:endParaRPr lang="en-US" sz="1400" baseline="30000" dirty="0"/>
+          </a:p>
+          <a:p>
+            <a:pPr marL="342900" indent="-342900">
+              <a:buAutoNum type="alphaUcPeriod"/>
+            </a:pPr>
+            <a:endParaRPr lang="en-US" sz="1400" dirty="0"/>
+          </a:p>
+          <a:p>
+            <a:pPr marL="0" indent="0">
+              <a:buNone/>
+            </a:pPr>
+            <a:endParaRPr lang="en-US" sz="1200" dirty="0"/>
+          </a:p>
+          <a:p>
+            <a:pPr marL="0" indent="0">
+              <a:buNone/>
+            </a:pPr>
+            <a:endParaRPr lang="en-US" sz="1200" dirty="0"/>
+          </a:p>
+          <a:p>
+            <a:pPr marL="0" indent="0">
+              <a:buNone/>
+            </a:pPr>
+            <a:endParaRPr lang="en-US" sz="1200" dirty="0"/>
+          </a:p>
+          <a:p>
+            <a:pPr marL="0" indent="0">
+              <a:buNone/>
+            </a:pPr>
+            <a:endParaRPr lang="en-US" sz="1200" dirty="0"/>
           </a:p>
         </p:txBody>
       </p:sp>
@@ -8358,8 +8000,8 @@
         </p:nvSpPr>
         <p:spPr>
           <a:xfrm>
-            <a:off x="998484" y="1293697"/>
-            <a:ext cx="8923282" cy="369332"/>
+            <a:off x="948488" y="1287100"/>
+            <a:ext cx="3443891" cy="369332"/>
           </a:xfrm>
           <a:prstGeom prst="rect">
             <a:avLst/>
@@ -8367,14 +8009,14 @@
           <a:noFill/>
         </p:spPr>
         <p:txBody>
-          <a:bodyPr wrap="square" rtlCol="0">
+          <a:bodyPr wrap="none" rtlCol="0">
             <a:spAutoFit/>
           </a:bodyPr>
           <a:lstStyle/>
           <a:p>
             <a:r>
               <a:rPr lang="en-US" dirty="0"/>
-              <a:t>Transformations and Adjustments</a:t>
+              <a:t>Transformation and Adjustment</a:t>
             </a:r>
           </a:p>
         </p:txBody>
@@ -8384,7 +8026,7 @@
           <p:cNvPr id="5" name="TextBox 4">
             <a:extLst>
               <a:ext uri="{FF2B5EF4-FFF2-40B4-BE49-F238E27FC236}">
-                <a16:creationId xmlns:a16="http://schemas.microsoft.com/office/drawing/2014/main" id="{9DED9E85-A2D1-1548-BD08-CC62BCE3E60D}"/>
+                <a16:creationId xmlns:a16="http://schemas.microsoft.com/office/drawing/2014/main" id="{8EE40ED9-1C0A-4C4E-9863-74EE11F820A9}"/>
               </a:ext>
             </a:extLst>
           </p:cNvPr>
@@ -8393,8 +8035,8 @@
         </p:nvSpPr>
         <p:spPr>
           <a:xfrm>
-            <a:off x="10515721" y="924365"/>
-            <a:ext cx="1744388" cy="738664"/>
+            <a:off x="10654557" y="1025490"/>
+            <a:ext cx="1468159" cy="523220"/>
           </a:xfrm>
           <a:prstGeom prst="rect">
             <a:avLst/>
@@ -8410,149 +8052,22 @@
             <a:pPr algn="ctr"/>
             <a:r>
               <a:rPr lang="en-US" sz="1400" dirty="0"/>
-              <a:t>Performing a</a:t>
+              <a:t>Mathematical</a:t>
             </a:r>
           </a:p>
           <a:p>
             <a:pPr algn="ctr"/>
             <a:r>
               <a:rPr lang="en-US" sz="1400" dirty="0"/>
-              <a:t>Box Cox </a:t>
-            </a:r>
-          </a:p>
-          <a:p>
-            <a:pPr algn="ctr"/>
-            <a:r>
-              <a:rPr lang="en-US" sz="1400" dirty="0"/>
-              <a:t>transformation in R</a:t>
-            </a:r>
-          </a:p>
-        </p:txBody>
-      </p:sp>
-      <p:pic>
-        <p:nvPicPr>
-          <p:cNvPr id="7" name="Picture 6" descr="Chart, scatter chart&#10;&#10;Description automatically generated">
-            <a:extLst>
-              <a:ext uri="{FF2B5EF4-FFF2-40B4-BE49-F238E27FC236}">
-                <a16:creationId xmlns:a16="http://schemas.microsoft.com/office/drawing/2014/main" id="{1D05688D-6D74-D648-AC5E-66DCE5261349}"/>
-              </a:ext>
-            </a:extLst>
-          </p:cNvPr>
-          <p:cNvPicPr>
-            <a:picLocks noChangeAspect="1"/>
-          </p:cNvPicPr>
-          <p:nvPr/>
-        </p:nvPicPr>
-        <p:blipFill>
-          <a:blip r:embed="rId2"/>
-          <a:stretch>
-            <a:fillRect/>
-          </a:stretch>
-        </p:blipFill>
-        <p:spPr>
-          <a:xfrm>
-            <a:off x="764875" y="4136531"/>
-            <a:ext cx="3677440" cy="2626743"/>
-          </a:xfrm>
-          <a:prstGeom prst="rect">
-            <a:avLst/>
-          </a:prstGeom>
-        </p:spPr>
-      </p:pic>
-      <p:pic>
-        <p:nvPicPr>
-          <p:cNvPr id="11" name="Picture 10">
-            <a:extLst>
-              <a:ext uri="{FF2B5EF4-FFF2-40B4-BE49-F238E27FC236}">
-                <a16:creationId xmlns:a16="http://schemas.microsoft.com/office/drawing/2014/main" id="{94E55329-AFA9-294E-B02E-89F8456060FE}"/>
-              </a:ext>
-            </a:extLst>
-          </p:cNvPr>
-          <p:cNvPicPr>
-            <a:picLocks noChangeAspect="1"/>
-          </p:cNvPicPr>
-          <p:nvPr/>
-        </p:nvPicPr>
-        <p:blipFill>
-          <a:blip r:embed="rId3"/>
-          <a:stretch>
-            <a:fillRect/>
-          </a:stretch>
-        </p:blipFill>
-        <p:spPr>
-          <a:xfrm>
-            <a:off x="765726" y="3638137"/>
-            <a:ext cx="3676589" cy="226418"/>
-          </a:xfrm>
-          <a:prstGeom prst="rect">
-            <a:avLst/>
-          </a:prstGeom>
-        </p:spPr>
-      </p:pic>
-      <p:pic>
-        <p:nvPicPr>
-          <p:cNvPr id="13" name="Picture 12">
-            <a:extLst>
-              <a:ext uri="{FF2B5EF4-FFF2-40B4-BE49-F238E27FC236}">
-                <a16:creationId xmlns:a16="http://schemas.microsoft.com/office/drawing/2014/main" id="{22273CC5-D815-1549-8DE1-9C0F93D63668}"/>
-              </a:ext>
-            </a:extLst>
-          </p:cNvPr>
-          <p:cNvPicPr>
-            <a:picLocks noChangeAspect="1"/>
-          </p:cNvPicPr>
-          <p:nvPr/>
-        </p:nvPicPr>
-        <p:blipFill>
-          <a:blip r:embed="rId4"/>
-          <a:stretch>
-            <a:fillRect/>
-          </a:stretch>
-        </p:blipFill>
-        <p:spPr>
-          <a:xfrm>
-            <a:off x="5684082" y="3642450"/>
-            <a:ext cx="3676589" cy="415262"/>
-          </a:xfrm>
-          <a:prstGeom prst="rect">
-            <a:avLst/>
-          </a:prstGeom>
-        </p:spPr>
-      </p:pic>
-      <p:pic>
-        <p:nvPicPr>
-          <p:cNvPr id="17" name="Picture 16" descr="Chart, scatter chart&#10;&#10;Description automatically generated">
-            <a:extLst>
-              <a:ext uri="{FF2B5EF4-FFF2-40B4-BE49-F238E27FC236}">
-                <a16:creationId xmlns:a16="http://schemas.microsoft.com/office/drawing/2014/main" id="{C10174EB-1616-944A-80A7-6B9396D577E6}"/>
-              </a:ext>
-            </a:extLst>
-          </p:cNvPr>
-          <p:cNvPicPr>
-            <a:picLocks noChangeAspect="1"/>
-          </p:cNvPicPr>
-          <p:nvPr/>
-        </p:nvPicPr>
-        <p:blipFill>
-          <a:blip r:embed="rId5"/>
-          <a:stretch>
-            <a:fillRect/>
-          </a:stretch>
-        </p:blipFill>
-        <p:spPr>
-          <a:xfrm>
-            <a:off x="5684082" y="4137139"/>
-            <a:ext cx="3676589" cy="2626135"/>
-          </a:xfrm>
-          <a:prstGeom prst="rect">
-            <a:avLst/>
-          </a:prstGeom>
-        </p:spPr>
-      </p:pic>
+              <a:t>Transformations</a:t>
+            </a:r>
+          </a:p>
+        </p:txBody>
+      </p:sp>
     </p:spTree>
     <p:extLst>
       <p:ext uri="{BB962C8B-B14F-4D97-AF65-F5344CB8AC3E}">
-        <p14:creationId xmlns:p14="http://schemas.microsoft.com/office/powerpoint/2010/main" val="1700139605"/>
+        <p14:creationId xmlns:p14="http://schemas.microsoft.com/office/powerpoint/2010/main" val="142848313"/>
       </p:ext>
     </p:extLst>
   </p:cSld>
@@ -8632,8 +8147,8 @@
               <a:buNone/>
             </a:pPr>
             <a:r>
-              <a:rPr lang="en-US" b="1" dirty="0"/>
-              <a:t>Mathematical Transformations</a:t>
+              <a:rPr lang="en-US" sz="1400" dirty="0"/>
+              <a:t>A. Square root -&gt; (√𝑥) </a:t>
             </a:r>
           </a:p>
           <a:p>
@@ -8641,114 +8156,10 @@
               <a:buNone/>
             </a:pPr>
             <a:r>
-              <a:rPr lang="en-US" sz="1600" b="1" dirty="0"/>
-              <a:t>Power Transformations </a:t>
-            </a:r>
-            <a:r>
-              <a:rPr lang="en-US" sz="1600" b="1" i="1" dirty="0"/>
-              <a:t>√(𝑥), (𝑥)</a:t>
-            </a:r>
-            <a:r>
-              <a:rPr lang="en-US" sz="1600" b="1" i="1" baseline="30000" dirty="0"/>
-              <a:t>1/3</a:t>
-            </a:r>
-            <a:r>
-              <a:rPr lang="en-US" sz="1600" b="1" i="1" dirty="0"/>
-              <a:t>, log(𝑥), Box Cox </a:t>
-            </a:r>
-            <a:r>
-              <a:rPr lang="en-US" sz="1600" b="1" i="1" baseline="30000" dirty="0"/>
-              <a:t> </a:t>
-            </a:r>
-            <a:endParaRPr lang="en-US" sz="1200" i="1" baseline="30000" dirty="0"/>
-          </a:p>
-          <a:p>
-            <a:pPr marL="0" indent="0">
-              <a:buNone/>
-            </a:pPr>
-            <a:r>
               <a:rPr lang="en-US" sz="1200" dirty="0"/>
-              <a:t>Power transformations are used for variance stabilization and normalization.</a:t>
-            </a:r>
-          </a:p>
-          <a:p>
-            <a:pPr marL="0" indent="0">
-              <a:buNone/>
-            </a:pPr>
-            <a:r>
-              <a:rPr lang="en-US" sz="1200" dirty="0"/>
-              <a:t>In the context of a time series, power transformations are useful for removing change in variance over time.</a:t>
-            </a:r>
-          </a:p>
-          <a:p>
-            <a:pPr marL="0" indent="0">
-              <a:buNone/>
-            </a:pPr>
-            <a:endParaRPr lang="en-US" sz="1200" dirty="0"/>
-          </a:p>
-          <a:p>
-            <a:pPr marL="0" indent="0">
-              <a:buNone/>
-            </a:pPr>
-            <a:r>
-              <a:rPr lang="en-US" sz="1400" dirty="0"/>
-              <a:t>The most common power transformations are:</a:t>
-            </a:r>
-          </a:p>
-          <a:p>
-            <a:pPr marL="342900" indent="-342900">
-              <a:buAutoNum type="alphaUcPeriod"/>
-            </a:pPr>
-            <a:r>
-              <a:rPr lang="en-US" sz="1400" dirty="0"/>
-              <a:t>Square root -&gt; (√𝑥)</a:t>
-            </a:r>
-            <a:br>
-              <a:rPr lang="en-US" sz="1400" dirty="0"/>
-            </a:br>
-            <a:endParaRPr lang="en-US" sz="1400" dirty="0"/>
-          </a:p>
-          <a:p>
-            <a:pPr marL="342900" indent="-342900">
-              <a:buFont typeface="Arial" panose="020B0604020202020204" pitchFamily="34" charset="0"/>
-              <a:buAutoNum type="alphaUcPeriod"/>
-            </a:pPr>
-            <a:r>
-              <a:rPr lang="en-US" sz="1400" dirty="0"/>
-              <a:t>Cube root -&gt; (𝑥)</a:t>
-            </a:r>
-            <a:r>
-              <a:rPr lang="en-US" sz="1400" baseline="30000" dirty="0"/>
-              <a:t>1/3</a:t>
-            </a:r>
-            <a:br>
-              <a:rPr lang="en-US" sz="1400" baseline="30000" dirty="0"/>
-            </a:br>
+              <a:t>Used to make a time series with a quadratic growth trend linear by taking the square root.</a:t>
+            </a:r>
             <a:endParaRPr lang="en-US" sz="1400" baseline="30000" dirty="0"/>
-          </a:p>
-          <a:p>
-            <a:pPr marL="342900" indent="-342900">
-              <a:buFont typeface="Arial" panose="020B0604020202020204" pitchFamily="34" charset="0"/>
-              <a:buAutoNum type="alphaUcPeriod"/>
-            </a:pPr>
-            <a:r>
-              <a:rPr lang="en-US" sz="1400" dirty="0"/>
-              <a:t>Log -&gt; log(𝑥)</a:t>
-            </a:r>
-            <a:br>
-              <a:rPr lang="en-US" sz="1400" dirty="0"/>
-            </a:br>
-            <a:endParaRPr lang="en-US" sz="1400" dirty="0"/>
-          </a:p>
-          <a:p>
-            <a:pPr marL="342900" indent="-342900">
-              <a:buFont typeface="Arial" panose="020B0604020202020204" pitchFamily="34" charset="0"/>
-              <a:buAutoNum type="alphaUcPeriod"/>
-            </a:pPr>
-            <a:r>
-              <a:rPr lang="en-US" sz="1400" dirty="0"/>
-              <a:t>Box Cox</a:t>
-            </a:r>
           </a:p>
           <a:p>
             <a:pPr marL="0" indent="0">
@@ -8757,8 +8168,83 @@
             <a:endParaRPr lang="en-US" sz="1400" baseline="30000" dirty="0"/>
           </a:p>
           <a:p>
-            <a:pPr marL="342900" indent="-342900">
-              <a:buAutoNum type="alphaUcPeriod"/>
+            <a:pPr marL="0" indent="0">
+              <a:buNone/>
+            </a:pPr>
+            <a:endParaRPr lang="en-US" sz="1400" baseline="30000" dirty="0"/>
+          </a:p>
+          <a:p>
+            <a:pPr marL="0" indent="0">
+              <a:buNone/>
+            </a:pPr>
+            <a:endParaRPr lang="en-US" sz="1400" baseline="30000" dirty="0"/>
+          </a:p>
+          <a:p>
+            <a:pPr marL="0" indent="0">
+              <a:buNone/>
+            </a:pPr>
+            <a:endParaRPr lang="en-US" sz="1400" baseline="30000" dirty="0"/>
+          </a:p>
+          <a:p>
+            <a:pPr marL="0" indent="0">
+              <a:buNone/>
+            </a:pPr>
+            <a:endParaRPr lang="en-US" sz="1400" baseline="30000" dirty="0"/>
+          </a:p>
+          <a:p>
+            <a:pPr marL="0" indent="0">
+              <a:buNone/>
+            </a:pPr>
+            <a:endParaRPr lang="en-US" sz="1400" baseline="30000" dirty="0"/>
+          </a:p>
+          <a:p>
+            <a:pPr marL="0" indent="0">
+              <a:buNone/>
+            </a:pPr>
+            <a:endParaRPr lang="en-US" sz="1400" baseline="30000" dirty="0"/>
+          </a:p>
+          <a:p>
+            <a:pPr marL="0" indent="0">
+              <a:buNone/>
+            </a:pPr>
+            <a:endParaRPr lang="en-US" sz="1400" baseline="30000" dirty="0"/>
+          </a:p>
+          <a:p>
+            <a:pPr marL="0" indent="0">
+              <a:buNone/>
+            </a:pPr>
+            <a:endParaRPr lang="en-US" sz="1400" dirty="0"/>
+          </a:p>
+          <a:p>
+            <a:pPr marL="0" indent="0">
+              <a:buNone/>
+            </a:pPr>
+            <a:endParaRPr lang="en-US" sz="1000" b="1" i="1" dirty="0"/>
+          </a:p>
+          <a:p>
+            <a:pPr marL="0" indent="0">
+              <a:buNone/>
+            </a:pPr>
+            <a:endParaRPr lang="en-US" sz="1000" b="1" i="1" dirty="0"/>
+          </a:p>
+          <a:p>
+            <a:pPr marL="0" indent="0">
+              <a:buNone/>
+            </a:pPr>
+            <a:endParaRPr lang="en-US" sz="1000" b="1" i="1" dirty="0"/>
+          </a:p>
+          <a:p>
+            <a:pPr marL="0" indent="0">
+              <a:buNone/>
+            </a:pPr>
+            <a:r>
+              <a:rPr lang="en-US" sz="1000" b="1" i="1" dirty="0"/>
+              <a:t>Before Square Root transformation.			               After Square Root transformation.</a:t>
+            </a:r>
+          </a:p>
+          <a:p>
+            <a:pPr marL="0" indent="0">
+              <a:buNone/>
             </a:pPr>
             <a:endParaRPr lang="en-US" sz="1400" dirty="0"/>
           </a:p>
@@ -8860,10 +8346,70 @@
           </a:p>
         </p:txBody>
       </p:sp>
+      <p:pic>
+        <p:nvPicPr>
+          <p:cNvPr id="7" name="Picture 6" descr="Histogram&#10;&#10;Description automatically generated">
+            <a:extLst>
+              <a:ext uri="{FF2B5EF4-FFF2-40B4-BE49-F238E27FC236}">
+                <a16:creationId xmlns:a16="http://schemas.microsoft.com/office/drawing/2014/main" id="{3758A71E-6070-AB44-8DCA-26F68C3C3468}"/>
+              </a:ext>
+            </a:extLst>
+          </p:cNvPr>
+          <p:cNvPicPr>
+            <a:picLocks noChangeAspect="1"/>
+          </p:cNvPicPr>
+          <p:nvPr/>
+        </p:nvPicPr>
+        <p:blipFill>
+          <a:blip r:embed="rId2"/>
+          <a:stretch>
+            <a:fillRect/>
+          </a:stretch>
+        </p:blipFill>
+        <p:spPr>
+          <a:xfrm>
+            <a:off x="680321" y="3054919"/>
+            <a:ext cx="3745616" cy="2814443"/>
+          </a:xfrm>
+          <a:prstGeom prst="rect">
+            <a:avLst/>
+          </a:prstGeom>
+        </p:spPr>
+      </p:pic>
+      <p:pic>
+        <p:nvPicPr>
+          <p:cNvPr id="10" name="Picture 9" descr="Chart&#10;&#10;Description automatically generated with medium confidence">
+            <a:extLst>
+              <a:ext uri="{FF2B5EF4-FFF2-40B4-BE49-F238E27FC236}">
+                <a16:creationId xmlns:a16="http://schemas.microsoft.com/office/drawing/2014/main" id="{60716CD1-974F-9743-8F8A-ABC453B8DA72}"/>
+              </a:ext>
+            </a:extLst>
+          </p:cNvPr>
+          <p:cNvPicPr>
+            <a:picLocks noChangeAspect="1"/>
+          </p:cNvPicPr>
+          <p:nvPr/>
+        </p:nvPicPr>
+        <p:blipFill>
+          <a:blip r:embed="rId3"/>
+          <a:stretch>
+            <a:fillRect/>
+          </a:stretch>
+        </p:blipFill>
+        <p:spPr>
+          <a:xfrm>
+            <a:off x="5834351" y="3054918"/>
+            <a:ext cx="3863428" cy="2814443"/>
+          </a:xfrm>
+          <a:prstGeom prst="rect">
+            <a:avLst/>
+          </a:prstGeom>
+        </p:spPr>
+      </p:pic>
     </p:spTree>
     <p:extLst>
       <p:ext uri="{BB962C8B-B14F-4D97-AF65-F5344CB8AC3E}">
-        <p14:creationId xmlns:p14="http://schemas.microsoft.com/office/powerpoint/2010/main" val="142848313"/>
+        <p14:creationId xmlns:p14="http://schemas.microsoft.com/office/powerpoint/2010/main" val="2443802054"/>
       </p:ext>
     </p:extLst>
   </p:cSld>
@@ -8944,7 +8490,11 @@
             </a:pPr>
             <a:r>
               <a:rPr lang="en-US" sz="1400" dirty="0"/>
-              <a:t>A. Square root -&gt; (√𝑥) </a:t>
+              <a:t>B. Cube root -&gt; (𝑥)</a:t>
+            </a:r>
+            <a:r>
+              <a:rPr lang="en-US" sz="1400" baseline="30000" dirty="0"/>
+              <a:t>1/3</a:t>
             </a:r>
           </a:p>
           <a:p>
@@ -8953,7 +8503,7 @@
             </a:pPr>
             <a:r>
               <a:rPr lang="en-US" sz="1200" dirty="0"/>
-              <a:t>Used to make a time series with a quadratic growth trend linear by taking the square root.</a:t>
+              <a:t>Used to make a time series with a cubic growth trend linear by transforming the data to its cube root.</a:t>
             </a:r>
             <a:endParaRPr lang="en-US" sz="1400" baseline="30000" dirty="0"/>
           </a:p>
@@ -9015,27 +8565,9 @@
             <a:pPr marL="0" indent="0">
               <a:buNone/>
             </a:pPr>
-            <a:endParaRPr lang="en-US" sz="1000" b="1" i="1" dirty="0"/>
-          </a:p>
-          <a:p>
-            <a:pPr marL="0" indent="0">
-              <a:buNone/>
-            </a:pPr>
-            <a:endParaRPr lang="en-US" sz="1000" b="1" i="1" dirty="0"/>
-          </a:p>
-          <a:p>
-            <a:pPr marL="0" indent="0">
-              <a:buNone/>
-            </a:pPr>
-            <a:endParaRPr lang="en-US" sz="1000" b="1" i="1" dirty="0"/>
-          </a:p>
-          <a:p>
-            <a:pPr marL="0" indent="0">
-              <a:buNone/>
-            </a:pPr>
             <a:r>
               <a:rPr lang="en-US" sz="1000" b="1" i="1" dirty="0"/>
-              <a:t>Before Square Root transformation.			               After Square Root transformation.</a:t>
+              <a:t>Before Cube Root transformation.			               After Cube Root transformation.</a:t>
             </a:r>
           </a:p>
           <a:p>
@@ -9079,7 +8611,7 @@
         <p:spPr>
           <a:xfrm>
             <a:off x="948488" y="1287100"/>
-            <a:ext cx="3443891" cy="369332"/>
+            <a:ext cx="4078361" cy="369332"/>
           </a:xfrm>
           <a:prstGeom prst="rect">
             <a:avLst/>
@@ -9094,7 +8626,7 @@
           <a:p>
             <a:r>
               <a:rPr lang="en-US" dirty="0"/>
-              <a:t>Transformation and Adjustment</a:t>
+              <a:t>Transformation and Adjustment Types</a:t>
             </a:r>
           </a:p>
         </p:txBody>
@@ -9144,10 +8676,10 @@
       </p:sp>
       <p:pic>
         <p:nvPicPr>
-          <p:cNvPr id="7" name="Picture 6" descr="Histogram&#10;&#10;Description automatically generated">
+          <p:cNvPr id="9" name="Picture 8" descr="A picture containing chart&#10;&#10;Description automatically generated">
             <a:extLst>
               <a:ext uri="{FF2B5EF4-FFF2-40B4-BE49-F238E27FC236}">
-                <a16:creationId xmlns:a16="http://schemas.microsoft.com/office/drawing/2014/main" id="{3758A71E-6070-AB44-8DCA-26F68C3C3468}"/>
+                <a16:creationId xmlns:a16="http://schemas.microsoft.com/office/drawing/2014/main" id="{35EE78FE-9884-DC4B-99EB-5CF548D73F4F}"/>
               </a:ext>
             </a:extLst>
           </p:cNvPr>
@@ -9164,8 +8696,8 @@
         </p:blipFill>
         <p:spPr>
           <a:xfrm>
-            <a:off x="680321" y="3054919"/>
-            <a:ext cx="3745616" cy="2814443"/>
+            <a:off x="5764108" y="2972378"/>
+            <a:ext cx="4530074" cy="2264641"/>
           </a:xfrm>
           <a:prstGeom prst="rect">
             <a:avLst/>
@@ -9174,10 +8706,10 @@
       </p:pic>
       <p:pic>
         <p:nvPicPr>
-          <p:cNvPr id="10" name="Picture 9" descr="Chart&#10;&#10;Description automatically generated with medium confidence">
+          <p:cNvPr id="11" name="Picture 10" descr="A picture containing graphical user interface&#10;&#10;Description automatically generated">
             <a:extLst>
               <a:ext uri="{FF2B5EF4-FFF2-40B4-BE49-F238E27FC236}">
-                <a16:creationId xmlns:a16="http://schemas.microsoft.com/office/drawing/2014/main" id="{60716CD1-974F-9743-8F8A-ABC453B8DA72}"/>
+                <a16:creationId xmlns:a16="http://schemas.microsoft.com/office/drawing/2014/main" id="{3BC8BB06-5AE4-1145-BA31-B1DCEB2A0BA1}"/>
               </a:ext>
             </a:extLst>
           </p:cNvPr>
@@ -9194,8 +8726,8 @@
         </p:blipFill>
         <p:spPr>
           <a:xfrm>
-            <a:off x="5834351" y="3054918"/>
-            <a:ext cx="3863428" cy="2814443"/>
+            <a:off x="680321" y="2972378"/>
+            <a:ext cx="4396570" cy="2190808"/>
           </a:xfrm>
           <a:prstGeom prst="rect">
             <a:avLst/>
@@ -9205,7 +8737,7 @@
     </p:spTree>
     <p:extLst>
       <p:ext uri="{BB962C8B-B14F-4D97-AF65-F5344CB8AC3E}">
-        <p14:creationId xmlns:p14="http://schemas.microsoft.com/office/powerpoint/2010/main" val="2443802054"/>
+        <p14:creationId xmlns:p14="http://schemas.microsoft.com/office/powerpoint/2010/main" val="4052401024"/>
       </p:ext>
     </p:extLst>
   </p:cSld>
@@ -9276,9 +8808,7 @@
           </a:xfrm>
         </p:spPr>
         <p:txBody>
-          <a:bodyPr>
-            <a:normAutofit/>
-          </a:bodyPr>
+          <a:bodyPr/>
           <a:lstStyle/>
           <a:p>
             <a:pPr marL="0" indent="0">
@@ -9286,12 +8816,9 @@
             </a:pPr>
             <a:r>
               <a:rPr lang="en-US" sz="1400" dirty="0"/>
-              <a:t>B. Cube root -&gt; (𝑥)</a:t>
-            </a:r>
-            <a:r>
-              <a:rPr lang="en-US" sz="1400" baseline="30000" dirty="0"/>
-              <a:t>1/3</a:t>
-            </a:r>
+              <a:t>C. Log -&gt; log(𝑥)</a:t>
+            </a:r>
+            <a:endParaRPr lang="en-US" sz="1200" dirty="0"/>
           </a:p>
           <a:p>
             <a:pPr marL="0" indent="0">
@@ -9299,78 +8826,8 @@
             </a:pPr>
             <a:r>
               <a:rPr lang="en-US" sz="1200" dirty="0"/>
-              <a:t>Used to make a time series with a cubic growth trend linear by transforming the data to its cube root.</a:t>
-            </a:r>
-            <a:endParaRPr lang="en-US" sz="1400" baseline="30000" dirty="0"/>
-          </a:p>
-          <a:p>
-            <a:pPr marL="0" indent="0">
-              <a:buNone/>
-            </a:pPr>
-            <a:endParaRPr lang="en-US" sz="1400" baseline="30000" dirty="0"/>
-          </a:p>
-          <a:p>
-            <a:pPr marL="0" indent="0">
-              <a:buNone/>
-            </a:pPr>
-            <a:endParaRPr lang="en-US" sz="1400" baseline="30000" dirty="0"/>
-          </a:p>
-          <a:p>
-            <a:pPr marL="0" indent="0">
-              <a:buNone/>
-            </a:pPr>
-            <a:endParaRPr lang="en-US" sz="1400" baseline="30000" dirty="0"/>
-          </a:p>
-          <a:p>
-            <a:pPr marL="0" indent="0">
-              <a:buNone/>
-            </a:pPr>
-            <a:endParaRPr lang="en-US" sz="1400" baseline="30000" dirty="0"/>
-          </a:p>
-          <a:p>
-            <a:pPr marL="0" indent="0">
-              <a:buNone/>
-            </a:pPr>
-            <a:endParaRPr lang="en-US" sz="1400" baseline="30000" dirty="0"/>
-          </a:p>
-          <a:p>
-            <a:pPr marL="0" indent="0">
-              <a:buNone/>
-            </a:pPr>
-            <a:endParaRPr lang="en-US" sz="1400" baseline="30000" dirty="0"/>
-          </a:p>
-          <a:p>
-            <a:pPr marL="0" indent="0">
-              <a:buNone/>
-            </a:pPr>
-            <a:endParaRPr lang="en-US" sz="1400" baseline="30000" dirty="0"/>
-          </a:p>
-          <a:p>
-            <a:pPr marL="0" indent="0">
-              <a:buNone/>
-            </a:pPr>
-            <a:endParaRPr lang="en-US" sz="1400" baseline="30000" dirty="0"/>
-          </a:p>
-          <a:p>
-            <a:pPr marL="0" indent="0">
-              <a:buNone/>
-            </a:pPr>
-            <a:endParaRPr lang="en-US" sz="1400" dirty="0"/>
-          </a:p>
-          <a:p>
-            <a:pPr marL="0" indent="0">
-              <a:buNone/>
-            </a:pPr>
-            <a:r>
-              <a:rPr lang="en-US" sz="1000" b="1" i="1" dirty="0"/>
-              <a:t>Before Cube Root transformation.			               After Cube Root transformation.</a:t>
-            </a:r>
-          </a:p>
-          <a:p>
-            <a:pPr marL="0" indent="0">
-              <a:buNone/>
-            </a:pPr>
-            <a:endParaRPr lang="en-US" sz="1400" dirty="0"/>
+              <a:t>A log transform will transform skewed data to approximately conform to normality.</a:t>
+            </a:r>
           </a:p>
           <a:p>
             <a:pPr marL="0" indent="0">
@@ -9389,6 +8846,60 @@
               <a:buNone/>
             </a:pPr>
             <a:endParaRPr lang="en-US" sz="1200" dirty="0"/>
+          </a:p>
+          <a:p>
+            <a:pPr marL="0" indent="0">
+              <a:buNone/>
+            </a:pPr>
+            <a:endParaRPr lang="en-US" sz="1200" dirty="0"/>
+          </a:p>
+          <a:p>
+            <a:pPr marL="0" indent="0">
+              <a:buNone/>
+            </a:pPr>
+            <a:endParaRPr lang="en-US" sz="1600" b="1" dirty="0"/>
+          </a:p>
+          <a:p>
+            <a:pPr marL="0" indent="0">
+              <a:buNone/>
+            </a:pPr>
+            <a:endParaRPr lang="en-US" sz="1600" b="1" dirty="0"/>
+          </a:p>
+          <a:p>
+            <a:pPr marL="0" indent="0">
+              <a:buNone/>
+            </a:pPr>
+            <a:endParaRPr lang="en-US" sz="1600" b="1" dirty="0"/>
+          </a:p>
+          <a:p>
+            <a:pPr marL="0" indent="0">
+              <a:buNone/>
+            </a:pPr>
+            <a:endParaRPr lang="en-US" sz="1600" b="1" dirty="0"/>
+          </a:p>
+          <a:p>
+            <a:pPr marL="0" indent="0">
+              <a:buNone/>
+            </a:pPr>
+            <a:endParaRPr lang="en-US" sz="1600" b="1" dirty="0"/>
+          </a:p>
+          <a:p>
+            <a:pPr marL="0" indent="0">
+              <a:buNone/>
+            </a:pPr>
+            <a:r>
+              <a:rPr lang="en-US" sz="1050" b="1" i="1" dirty="0"/>
+              <a:t>Before Logarithmic Transformation.</a:t>
+            </a:r>
+            <a:r>
+              <a:rPr lang="en-US" sz="1050" dirty="0"/>
+              <a:t>                       </a:t>
+            </a:r>
+            <a:r>
+              <a:rPr lang="en-US" sz="1050" b="1" i="1" dirty="0"/>
+              <a:t>After Logarithmic Transformation.</a:t>
+            </a:r>
+            <a:endParaRPr lang="en-US" sz="1050" dirty="0"/>
           </a:p>
           <a:p>
             <a:pPr marL="0" indent="0">
@@ -9407,7 +8918,7 @@
         <p:spPr>
           <a:xfrm>
             <a:off x="948488" y="1287100"/>
-            <a:ext cx="4078361" cy="369332"/>
+            <a:ext cx="3443891" cy="369332"/>
           </a:xfrm>
           <a:prstGeom prst="rect">
             <a:avLst/>
@@ -9422,7 +8933,7 @@
           <a:p>
             <a:r>
               <a:rPr lang="en-US" dirty="0"/>
-              <a:t>Transformation and Adjustment Types</a:t>
+              <a:t>Transformation and Adjustment</a:t>
             </a:r>
           </a:p>
         </p:txBody>
@@ -9472,10 +8983,10 @@
       </p:sp>
       <p:pic>
         <p:nvPicPr>
-          <p:cNvPr id="9" name="Picture 8" descr="A picture containing chart&#10;&#10;Description automatically generated">
+          <p:cNvPr id="7" name="Picture 6" descr="Chart, histogram&#10;&#10;Description automatically generated">
             <a:extLst>
               <a:ext uri="{FF2B5EF4-FFF2-40B4-BE49-F238E27FC236}">
-                <a16:creationId xmlns:a16="http://schemas.microsoft.com/office/drawing/2014/main" id="{35EE78FE-9884-DC4B-99EB-5CF548D73F4F}"/>
+                <a16:creationId xmlns:a16="http://schemas.microsoft.com/office/drawing/2014/main" id="{A1C5E6CC-0287-C642-8BC1-95A337424022}"/>
               </a:ext>
             </a:extLst>
           </p:cNvPr>
@@ -9492,38 +9003,8 @@
         </p:blipFill>
         <p:spPr>
           <a:xfrm>
-            <a:off x="5764108" y="2972378"/>
-            <a:ext cx="4530074" cy="2264641"/>
-          </a:xfrm>
-          <a:prstGeom prst="rect">
-            <a:avLst/>
-          </a:prstGeom>
-        </p:spPr>
-      </p:pic>
-      <p:pic>
-        <p:nvPicPr>
-          <p:cNvPr id="11" name="Picture 10" descr="A picture containing graphical user interface&#10;&#10;Description automatically generated">
-            <a:extLst>
-              <a:ext uri="{FF2B5EF4-FFF2-40B4-BE49-F238E27FC236}">
-                <a16:creationId xmlns:a16="http://schemas.microsoft.com/office/drawing/2014/main" id="{3BC8BB06-5AE4-1145-BA31-B1DCEB2A0BA1}"/>
-              </a:ext>
-            </a:extLst>
-          </p:cNvPr>
-          <p:cNvPicPr>
-            <a:picLocks noChangeAspect="1"/>
-          </p:cNvPicPr>
-          <p:nvPr/>
-        </p:nvPicPr>
-        <p:blipFill>
-          <a:blip r:embed="rId3"/>
-          <a:stretch>
-            <a:fillRect/>
-          </a:stretch>
-        </p:blipFill>
-        <p:spPr>
-          <a:xfrm>
-            <a:off x="680321" y="2972378"/>
-            <a:ext cx="4396570" cy="2190808"/>
+            <a:off x="756665" y="3041392"/>
+            <a:ext cx="6277303" cy="2615544"/>
           </a:xfrm>
           <a:prstGeom prst="rect">
             <a:avLst/>
@@ -9533,7 +9014,7 @@
     </p:spTree>
     <p:extLst>
       <p:ext uri="{BB962C8B-B14F-4D97-AF65-F5344CB8AC3E}">
-        <p14:creationId xmlns:p14="http://schemas.microsoft.com/office/powerpoint/2010/main" val="4052401024"/>
+        <p14:creationId xmlns:p14="http://schemas.microsoft.com/office/powerpoint/2010/main" val="2941228201"/>
       </p:ext>
     </p:extLst>
   </p:cSld>
@@ -9604,7 +9085,9 @@
           </a:xfrm>
         </p:spPr>
         <p:txBody>
-          <a:bodyPr/>
+          <a:bodyPr>
+            <a:normAutofit/>
+          </a:bodyPr>
           <a:lstStyle/>
           <a:p>
             <a:pPr marL="0" indent="0">
@@ -9612,9 +9095,9 @@
             </a:pPr>
             <a:r>
               <a:rPr lang="en-US" sz="1400" dirty="0"/>
-              <a:t>C. Log -&gt; log(𝑥)</a:t>
-            </a:r>
-            <a:endParaRPr lang="en-US" sz="1200" dirty="0"/>
+              <a:t>D. Box Cox</a:t>
+            </a:r>
+            <a:endParaRPr lang="en-US" sz="1400" baseline="30000" dirty="0"/>
           </a:p>
           <a:p>
             <a:pPr marL="0" indent="0">
@@ -9622,8 +9105,87 @@
             </a:pPr>
             <a:r>
               <a:rPr lang="en-US" sz="1200" dirty="0"/>
-              <a:t>A log transform will transform skewed data to approximately conform to normality.</a:t>
-            </a:r>
+              <a:t>Used to identify the ideal Lambda needed to normalize the time series. The Lambda value indicates the power to which all data should be raised.</a:t>
+            </a:r>
+          </a:p>
+          <a:p>
+            <a:pPr marL="0" indent="0">
+              <a:buNone/>
+            </a:pPr>
+            <a:r>
+              <a:rPr lang="en-US" sz="1200" dirty="0"/>
+              <a:t> </a:t>
+            </a:r>
+            <a:endParaRPr lang="en-US" sz="1400" baseline="30000" dirty="0"/>
+          </a:p>
+          <a:p>
+            <a:pPr marL="0" indent="0">
+              <a:buNone/>
+            </a:pPr>
+            <a:endParaRPr lang="en-US" sz="1400" baseline="30000" dirty="0"/>
+          </a:p>
+          <a:p>
+            <a:pPr marL="0" indent="0">
+              <a:buNone/>
+            </a:pPr>
+            <a:endParaRPr lang="en-US" sz="1400" baseline="30000" dirty="0"/>
+          </a:p>
+          <a:p>
+            <a:pPr marL="0" indent="0">
+              <a:buNone/>
+            </a:pPr>
+            <a:endParaRPr lang="en-US" sz="1400" baseline="30000" dirty="0"/>
+          </a:p>
+          <a:p>
+            <a:pPr marL="0" indent="0">
+              <a:buNone/>
+            </a:pPr>
+            <a:endParaRPr lang="en-US" sz="1400" baseline="30000" dirty="0"/>
+          </a:p>
+          <a:p>
+            <a:pPr marL="0" indent="0">
+              <a:buNone/>
+            </a:pPr>
+            <a:endParaRPr lang="en-US" sz="1400" baseline="30000" dirty="0"/>
+          </a:p>
+          <a:p>
+            <a:pPr marL="0" indent="0">
+              <a:buNone/>
+            </a:pPr>
+            <a:endParaRPr lang="en-US" sz="1400" baseline="30000" dirty="0"/>
+          </a:p>
+          <a:p>
+            <a:pPr marL="0" indent="0">
+              <a:buNone/>
+            </a:pPr>
+            <a:endParaRPr lang="en-US" sz="1400" baseline="30000" dirty="0"/>
+          </a:p>
+          <a:p>
+            <a:pPr marL="0" indent="0">
+              <a:buNone/>
+            </a:pPr>
+            <a:endParaRPr lang="en-US" sz="1400" baseline="30000" dirty="0"/>
+          </a:p>
+          <a:p>
+            <a:pPr marL="0" indent="0">
+              <a:buNone/>
+            </a:pPr>
+            <a:endParaRPr lang="en-US" sz="1400" dirty="0"/>
+          </a:p>
+          <a:p>
+            <a:pPr marL="0" indent="0">
+              <a:buNone/>
+            </a:pPr>
+            <a:r>
+              <a:rPr lang="en-US" sz="1000" b="1" i="1" dirty="0"/>
+              <a:t>Manual Log transformation with Lambda set to 0 .                                           Box Cox transformation with selected ideal Lambda value of -0.152542.</a:t>
+            </a:r>
+          </a:p>
+          <a:p>
+            <a:pPr marL="0" indent="0">
+              <a:buNone/>
+            </a:pPr>
+            <a:endParaRPr lang="en-US" sz="1400" dirty="0"/>
           </a:p>
           <a:p>
             <a:pPr marL="0" indent="0">
@@ -9642,60 +9204,6 @@
               <a:buNone/>
             </a:pPr>
             <a:endParaRPr lang="en-US" sz="1200" dirty="0"/>
-          </a:p>
-          <a:p>
-            <a:pPr marL="0" indent="0">
-              <a:buNone/>
-            </a:pPr>
-            <a:endParaRPr lang="en-US" sz="1200" dirty="0"/>
-          </a:p>
-          <a:p>
-            <a:pPr marL="0" indent="0">
-              <a:buNone/>
-            </a:pPr>
-            <a:endParaRPr lang="en-US" sz="1600" b="1" dirty="0"/>
-          </a:p>
-          <a:p>
-            <a:pPr marL="0" indent="0">
-              <a:buNone/>
-            </a:pPr>
-            <a:endParaRPr lang="en-US" sz="1600" b="1" dirty="0"/>
-          </a:p>
-          <a:p>
-            <a:pPr marL="0" indent="0">
-              <a:buNone/>
-            </a:pPr>
-            <a:endParaRPr lang="en-US" sz="1600" b="1" dirty="0"/>
-          </a:p>
-          <a:p>
-            <a:pPr marL="0" indent="0">
-              <a:buNone/>
-            </a:pPr>
-            <a:endParaRPr lang="en-US" sz="1600" b="1" dirty="0"/>
-          </a:p>
-          <a:p>
-            <a:pPr marL="0" indent="0">
-              <a:buNone/>
-            </a:pPr>
-            <a:endParaRPr lang="en-US" sz="1600" b="1" dirty="0"/>
-          </a:p>
-          <a:p>
-            <a:pPr marL="0" indent="0">
-              <a:buNone/>
-            </a:pPr>
-            <a:r>
-              <a:rPr lang="en-US" sz="1050" b="1" i="1" dirty="0"/>
-              <a:t>Before Logarithmic Transformation.</a:t>
-            </a:r>
-            <a:r>
-              <a:rPr lang="en-US" sz="1050" dirty="0"/>
-              <a:t>                       </a:t>
-            </a:r>
-            <a:r>
-              <a:rPr lang="en-US" sz="1050" b="1" i="1" dirty="0"/>
-              <a:t>After Logarithmic Transformation.</a:t>
-            </a:r>
-            <a:endParaRPr lang="en-US" sz="1050" dirty="0"/>
           </a:p>
           <a:p>
             <a:pPr marL="0" indent="0">
@@ -9779,10 +9287,10 @@
       </p:sp>
       <p:pic>
         <p:nvPicPr>
-          <p:cNvPr id="7" name="Picture 6" descr="Chart, histogram&#10;&#10;Description automatically generated">
+          <p:cNvPr id="7" name="Picture 6" descr="Graphical user interface&#10;&#10;Description automatically generated with medium confidence">
             <a:extLst>
               <a:ext uri="{FF2B5EF4-FFF2-40B4-BE49-F238E27FC236}">
-                <a16:creationId xmlns:a16="http://schemas.microsoft.com/office/drawing/2014/main" id="{A1C5E6CC-0287-C642-8BC1-95A337424022}"/>
+                <a16:creationId xmlns:a16="http://schemas.microsoft.com/office/drawing/2014/main" id="{ADCAC83A-83BA-6A44-A2D6-84C08EEA9B50}"/>
               </a:ext>
             </a:extLst>
           </p:cNvPr>
@@ -9799,8 +9307,38 @@
         </p:blipFill>
         <p:spPr>
           <a:xfrm>
-            <a:off x="756665" y="3041392"/>
-            <a:ext cx="6277303" cy="2615544"/>
+            <a:off x="680321" y="3283350"/>
+            <a:ext cx="3841164" cy="2357581"/>
+          </a:xfrm>
+          <a:prstGeom prst="rect">
+            <a:avLst/>
+          </a:prstGeom>
+        </p:spPr>
+      </p:pic>
+      <p:pic>
+        <p:nvPicPr>
+          <p:cNvPr id="10" name="Picture 9" descr="Chart, histogram&#10;&#10;Description automatically generated">
+            <a:extLst>
+              <a:ext uri="{FF2B5EF4-FFF2-40B4-BE49-F238E27FC236}">
+                <a16:creationId xmlns:a16="http://schemas.microsoft.com/office/drawing/2014/main" id="{0E23DAE9-0BAC-1741-84BF-3888CE7F21CF}"/>
+              </a:ext>
+            </a:extLst>
+          </p:cNvPr>
+          <p:cNvPicPr>
+            <a:picLocks noChangeAspect="1"/>
+          </p:cNvPicPr>
+          <p:nvPr/>
+        </p:nvPicPr>
+        <p:blipFill>
+          <a:blip r:embed="rId3"/>
+          <a:stretch>
+            <a:fillRect/>
+          </a:stretch>
+        </p:blipFill>
+        <p:spPr>
+          <a:xfrm>
+            <a:off x="5234440" y="3283350"/>
+            <a:ext cx="4020395" cy="2357581"/>
           </a:xfrm>
           <a:prstGeom prst="rect">
             <a:avLst/>
@@ -9810,7 +9348,7 @@
     </p:spTree>
     <p:extLst>
       <p:ext uri="{BB962C8B-B14F-4D97-AF65-F5344CB8AC3E}">
-        <p14:creationId xmlns:p14="http://schemas.microsoft.com/office/powerpoint/2010/main" val="2941228201"/>
+        <p14:creationId xmlns:p14="http://schemas.microsoft.com/office/powerpoint/2010/main" val="2391501962"/>
       </p:ext>
     </p:extLst>
   </p:cSld>
@@ -9847,12 +9385,7 @@
             <p:ph type="title"/>
           </p:nvPr>
         </p:nvSpPr>
-        <p:spPr>
-          <a:xfrm>
-            <a:off x="680321" y="753229"/>
-            <a:ext cx="9613861" cy="592096"/>
-          </a:xfrm>
-        </p:spPr>
+        <p:spPr/>
         <p:txBody>
           <a:bodyPr/>
           <a:lstStyle/>
@@ -9861,6 +9394,10 @@
               <a:rPr lang="en-US" dirty="0"/>
               <a:t>Time Series Decomposition</a:t>
             </a:r>
+            <a:br>
+              <a:rPr lang="en-US" dirty="0"/>
+            </a:br>
+            <a:endParaRPr lang="en-US" dirty="0"/>
           </a:p>
         </p:txBody>
       </p:sp>
@@ -9874,26 +9411,18 @@
             <p:ph idx="1"/>
           </p:nvPr>
         </p:nvSpPr>
-        <p:spPr>
-          <a:xfrm>
-            <a:off x="680321" y="2336872"/>
-            <a:ext cx="9613861" cy="4250539"/>
-          </a:xfrm>
-        </p:spPr>
-        <p:txBody>
-          <a:bodyPr>
-            <a:normAutofit/>
-          </a:bodyPr>
+        <p:spPr/>
+        <p:txBody>
+          <a:bodyPr/>
           <a:lstStyle/>
           <a:p>
             <a:pPr marL="0" indent="0">
               <a:buNone/>
             </a:pPr>
             <a:r>
-              <a:rPr lang="en-US" sz="1400" dirty="0"/>
-              <a:t>D. Box Cox</a:t>
-            </a:r>
-            <a:endParaRPr lang="en-US" sz="1400" baseline="30000" dirty="0"/>
+              <a:rPr lang="en-US" sz="1600" b="1" dirty="0"/>
+              <a:t>Performing a Box Cox Adjustment In R Using The Forecast Package</a:t>
+            </a:r>
           </a:p>
           <a:p>
             <a:pPr marL="0" indent="0">
@@ -9901,7 +9430,19 @@
             </a:pPr>
             <a:r>
               <a:rPr lang="en-US" sz="1200" dirty="0"/>
-              <a:t>Used to identify the ideal Lambda needed to normalize the time series. The Lambda value indicates the power to which all data should be raised.</a:t>
+              <a:t>The forecast package provides the </a:t>
+            </a:r>
+            <a:r>
+              <a:rPr lang="en-US" sz="1200" b="1" i="1" dirty="0" err="1"/>
+              <a:t>BoxCox</a:t>
+            </a:r>
+            <a:r>
+              <a:rPr lang="en-US" sz="1200" b="1" i="1" dirty="0"/>
+              <a:t>()  </a:t>
+            </a:r>
+            <a:r>
+              <a:rPr lang="en-US" sz="1200" dirty="0"/>
+              <a:t>function for performing Box Cox transformations. </a:t>
             </a:r>
           </a:p>
           <a:p>
@@ -9910,78 +9451,31 @@
             </a:pPr>
             <a:r>
               <a:rPr lang="en-US" sz="1200" dirty="0"/>
-              <a:t> </a:t>
-            </a:r>
-            <a:endParaRPr lang="en-US" sz="1400" baseline="30000" dirty="0"/>
+              <a:t>Lambda value can be defined, or if undefined, the function will provide the optimal lambda value. </a:t>
+            </a:r>
           </a:p>
           <a:p>
             <a:pPr marL="0" indent="0">
               <a:buNone/>
             </a:pPr>
-            <a:endParaRPr lang="en-US" sz="1400" baseline="30000" dirty="0"/>
+            <a:r>
+              <a:rPr lang="en-US" sz="1000" b="1" i="1" dirty="0"/>
+              <a:t>Defining a lambda value of 0.5 generates the following plot</a:t>
+            </a:r>
+            <a:r>
+              <a:rPr lang="en-US" sz="1200" b="1" i="1" dirty="0"/>
+              <a:t>:                             </a:t>
+            </a:r>
+            <a:r>
+              <a:rPr lang="en-US" sz="1000" b="1" i="1" dirty="0"/>
+              <a:t>Allowing the function to select the optimal lambda value (0.055) produces: </a:t>
+            </a:r>
           </a:p>
           <a:p>
             <a:pPr marL="0" indent="0">
               <a:buNone/>
             </a:pPr>
-            <a:endParaRPr lang="en-US" sz="1400" baseline="30000" dirty="0"/>
-          </a:p>
-          <a:p>
-            <a:pPr marL="0" indent="0">
-              <a:buNone/>
-            </a:pPr>
-            <a:endParaRPr lang="en-US" sz="1400" baseline="30000" dirty="0"/>
-          </a:p>
-          <a:p>
-            <a:pPr marL="0" indent="0">
-              <a:buNone/>
-            </a:pPr>
-            <a:endParaRPr lang="en-US" sz="1400" baseline="30000" dirty="0"/>
-          </a:p>
-          <a:p>
-            <a:pPr marL="0" indent="0">
-              <a:buNone/>
-            </a:pPr>
-            <a:endParaRPr lang="en-US" sz="1400" baseline="30000" dirty="0"/>
-          </a:p>
-          <a:p>
-            <a:pPr marL="0" indent="0">
-              <a:buNone/>
-            </a:pPr>
-            <a:endParaRPr lang="en-US" sz="1400" baseline="30000" dirty="0"/>
-          </a:p>
-          <a:p>
-            <a:pPr marL="0" indent="0">
-              <a:buNone/>
-            </a:pPr>
-            <a:endParaRPr lang="en-US" sz="1400" baseline="30000" dirty="0"/>
-          </a:p>
-          <a:p>
-            <a:pPr marL="0" indent="0">
-              <a:buNone/>
-            </a:pPr>
-            <a:endParaRPr lang="en-US" sz="1400" baseline="30000" dirty="0"/>
-          </a:p>
-          <a:p>
-            <a:pPr marL="0" indent="0">
-              <a:buNone/>
-            </a:pPr>
-            <a:endParaRPr lang="en-US" sz="1400" dirty="0"/>
-          </a:p>
-          <a:p>
-            <a:pPr marL="0" indent="0">
-              <a:buNone/>
-            </a:pPr>
-            <a:r>
-              <a:rPr lang="en-US" sz="1000" b="1" i="1" dirty="0"/>
-              <a:t>Manual Log transformation with Lambda set to 0 .                                           Box Cox transformation with selected ideal Lambda value of -0.152542.</a:t>
-            </a:r>
-          </a:p>
-          <a:p>
-            <a:pPr marL="0" indent="0">
-              <a:buNone/>
-            </a:pPr>
-            <a:endParaRPr lang="en-US" sz="1400" dirty="0"/>
+            <a:endParaRPr lang="en-US" sz="1000" dirty="0"/>
           </a:p>
           <a:p>
             <a:pPr marL="0" indent="0">
@@ -9990,22 +9484,13 @@
             <a:endParaRPr lang="en-US" sz="1200" dirty="0"/>
           </a:p>
           <a:p>
+            <a:endParaRPr lang="en-US" dirty="0"/>
+          </a:p>
+          <a:p>
             <a:pPr marL="0" indent="0">
               <a:buNone/>
             </a:pPr>
-            <a:endParaRPr lang="en-US" sz="1200" dirty="0"/>
-          </a:p>
-          <a:p>
-            <a:pPr marL="0" indent="0">
-              <a:buNone/>
-            </a:pPr>
-            <a:endParaRPr lang="en-US" sz="1200" dirty="0"/>
-          </a:p>
-          <a:p>
-            <a:pPr marL="0" indent="0">
-              <a:buNone/>
-            </a:pPr>
-            <a:endParaRPr lang="en-US" sz="1200" dirty="0"/>
+            <a:endParaRPr lang="en-US" dirty="0"/>
           </a:p>
         </p:txBody>
       </p:sp>
@@ -10017,8 +9502,8 @@
         </p:nvSpPr>
         <p:spPr>
           <a:xfrm>
-            <a:off x="948488" y="1287100"/>
-            <a:ext cx="3443891" cy="369332"/>
+            <a:off x="998484" y="1293697"/>
+            <a:ext cx="8923282" cy="369332"/>
           </a:xfrm>
           <a:prstGeom prst="rect">
             <a:avLst/>
@@ -10026,14 +9511,14 @@
           <a:noFill/>
         </p:spPr>
         <p:txBody>
-          <a:bodyPr wrap="none" rtlCol="0">
+          <a:bodyPr wrap="square" rtlCol="0">
             <a:spAutoFit/>
           </a:bodyPr>
           <a:lstStyle/>
           <a:p>
             <a:r>
               <a:rPr lang="en-US" dirty="0"/>
-              <a:t>Transformation and Adjustment</a:t>
+              <a:t>Transformations and Adjustments</a:t>
             </a:r>
           </a:p>
         </p:txBody>
@@ -10043,7 +9528,7 @@
           <p:cNvPr id="5" name="TextBox 4">
             <a:extLst>
               <a:ext uri="{FF2B5EF4-FFF2-40B4-BE49-F238E27FC236}">
-                <a16:creationId xmlns:a16="http://schemas.microsoft.com/office/drawing/2014/main" id="{8EE40ED9-1C0A-4C4E-9863-74EE11F820A9}"/>
+                <a16:creationId xmlns:a16="http://schemas.microsoft.com/office/drawing/2014/main" id="{9DED9E85-A2D1-1548-BD08-CC62BCE3E60D}"/>
               </a:ext>
             </a:extLst>
           </p:cNvPr>
@@ -10052,8 +9537,8 @@
         </p:nvSpPr>
         <p:spPr>
           <a:xfrm>
-            <a:off x="10654557" y="1025490"/>
-            <a:ext cx="1468159" cy="523220"/>
+            <a:off x="10720904" y="924365"/>
+            <a:ext cx="1334020" cy="738664"/>
           </a:xfrm>
           <a:prstGeom prst="rect">
             <a:avLst/>
@@ -10069,24 +9554,31 @@
             <a:pPr algn="ctr"/>
             <a:r>
               <a:rPr lang="en-US" sz="1400" dirty="0"/>
-              <a:t>Mathematical</a:t>
+              <a:t>Performing a</a:t>
             </a:r>
           </a:p>
           <a:p>
             <a:pPr algn="ctr"/>
             <a:r>
               <a:rPr lang="en-US" sz="1400" dirty="0"/>
-              <a:t>Transformations</a:t>
+              <a:t>Box Cox </a:t>
+            </a:r>
+          </a:p>
+          <a:p>
+            <a:pPr algn="ctr"/>
+            <a:r>
+              <a:rPr lang="en-US" sz="1400" dirty="0"/>
+              <a:t>transform in R</a:t>
             </a:r>
           </a:p>
         </p:txBody>
       </p:sp>
       <p:pic>
         <p:nvPicPr>
-          <p:cNvPr id="7" name="Picture 6" descr="Graphical user interface&#10;&#10;Description automatically generated with medium confidence">
+          <p:cNvPr id="7" name="Picture 6" descr="Chart, scatter chart&#10;&#10;Description automatically generated">
             <a:extLst>
               <a:ext uri="{FF2B5EF4-FFF2-40B4-BE49-F238E27FC236}">
-                <a16:creationId xmlns:a16="http://schemas.microsoft.com/office/drawing/2014/main" id="{ADCAC83A-83BA-6A44-A2D6-84C08EEA9B50}"/>
+                <a16:creationId xmlns:a16="http://schemas.microsoft.com/office/drawing/2014/main" id="{1D05688D-6D74-D648-AC5E-66DCE5261349}"/>
               </a:ext>
             </a:extLst>
           </p:cNvPr>
@@ -10103,8 +9595,8 @@
         </p:blipFill>
         <p:spPr>
           <a:xfrm>
-            <a:off x="680321" y="3283350"/>
-            <a:ext cx="3841164" cy="2357581"/>
+            <a:off x="764875" y="4136531"/>
+            <a:ext cx="3677440" cy="2626743"/>
           </a:xfrm>
           <a:prstGeom prst="rect">
             <a:avLst/>
@@ -10113,10 +9605,10 @@
       </p:pic>
       <p:pic>
         <p:nvPicPr>
-          <p:cNvPr id="10" name="Picture 9" descr="Chart, histogram&#10;&#10;Description automatically generated">
+          <p:cNvPr id="11" name="Picture 10">
             <a:extLst>
               <a:ext uri="{FF2B5EF4-FFF2-40B4-BE49-F238E27FC236}">
-                <a16:creationId xmlns:a16="http://schemas.microsoft.com/office/drawing/2014/main" id="{0E23DAE9-0BAC-1741-84BF-3888CE7F21CF}"/>
+                <a16:creationId xmlns:a16="http://schemas.microsoft.com/office/drawing/2014/main" id="{94E55329-AFA9-294E-B02E-89F8456060FE}"/>
               </a:ext>
             </a:extLst>
           </p:cNvPr>
@@ -10133,8 +9625,68 @@
         </p:blipFill>
         <p:spPr>
           <a:xfrm>
-            <a:off x="5234440" y="3283350"/>
-            <a:ext cx="4020395" cy="2357581"/>
+            <a:off x="765726" y="3638137"/>
+            <a:ext cx="3676589" cy="226418"/>
+          </a:xfrm>
+          <a:prstGeom prst="rect">
+            <a:avLst/>
+          </a:prstGeom>
+        </p:spPr>
+      </p:pic>
+      <p:pic>
+        <p:nvPicPr>
+          <p:cNvPr id="13" name="Picture 12">
+            <a:extLst>
+              <a:ext uri="{FF2B5EF4-FFF2-40B4-BE49-F238E27FC236}">
+                <a16:creationId xmlns:a16="http://schemas.microsoft.com/office/drawing/2014/main" id="{22273CC5-D815-1549-8DE1-9C0F93D63668}"/>
+              </a:ext>
+            </a:extLst>
+          </p:cNvPr>
+          <p:cNvPicPr>
+            <a:picLocks noChangeAspect="1"/>
+          </p:cNvPicPr>
+          <p:nvPr/>
+        </p:nvPicPr>
+        <p:blipFill>
+          <a:blip r:embed="rId4"/>
+          <a:stretch>
+            <a:fillRect/>
+          </a:stretch>
+        </p:blipFill>
+        <p:spPr>
+          <a:xfrm>
+            <a:off x="5684082" y="3642450"/>
+            <a:ext cx="3676589" cy="415262"/>
+          </a:xfrm>
+          <a:prstGeom prst="rect">
+            <a:avLst/>
+          </a:prstGeom>
+        </p:spPr>
+      </p:pic>
+      <p:pic>
+        <p:nvPicPr>
+          <p:cNvPr id="17" name="Picture 16" descr="Chart, scatter chart&#10;&#10;Description automatically generated">
+            <a:extLst>
+              <a:ext uri="{FF2B5EF4-FFF2-40B4-BE49-F238E27FC236}">
+                <a16:creationId xmlns:a16="http://schemas.microsoft.com/office/drawing/2014/main" id="{C10174EB-1616-944A-80A7-6B9396D577E6}"/>
+              </a:ext>
+            </a:extLst>
+          </p:cNvPr>
+          <p:cNvPicPr>
+            <a:picLocks noChangeAspect="1"/>
+          </p:cNvPicPr>
+          <p:nvPr/>
+        </p:nvPicPr>
+        <p:blipFill>
+          <a:blip r:embed="rId5"/>
+          <a:stretch>
+            <a:fillRect/>
+          </a:stretch>
+        </p:blipFill>
+        <p:spPr>
+          <a:xfrm>
+            <a:off x="5684082" y="4137139"/>
+            <a:ext cx="3676589" cy="2626135"/>
           </a:xfrm>
           <a:prstGeom prst="rect">
             <a:avLst/>
@@ -10144,7 +9696,7 @@
     </p:spTree>
     <p:extLst>
       <p:ext uri="{BB962C8B-B14F-4D97-AF65-F5344CB8AC3E}">
-        <p14:creationId xmlns:p14="http://schemas.microsoft.com/office/powerpoint/2010/main" val="2391501962"/>
+        <p14:creationId xmlns:p14="http://schemas.microsoft.com/office/powerpoint/2010/main" val="1700139605"/>
       </p:ext>
     </p:extLst>
   </p:cSld>

--- a/Data624TimeSeriesDecompPresentation.pptx
+++ b/Data624TimeSeriesDecompPresentation.pptx
@@ -8,12 +8,15 @@
     <p:sldId id="256" r:id="rId2"/>
     <p:sldId id="258" r:id="rId3"/>
     <p:sldId id="265" r:id="rId4"/>
-    <p:sldId id="264" r:id="rId5"/>
-    <p:sldId id="263" r:id="rId6"/>
-    <p:sldId id="266" r:id="rId7"/>
-    <p:sldId id="257" r:id="rId8"/>
-    <p:sldId id="259" r:id="rId9"/>
-    <p:sldId id="267" r:id="rId10"/>
+    <p:sldId id="268" r:id="rId5"/>
+    <p:sldId id="264" r:id="rId6"/>
+    <p:sldId id="269" r:id="rId7"/>
+    <p:sldId id="263" r:id="rId8"/>
+    <p:sldId id="270" r:id="rId9"/>
+    <p:sldId id="266" r:id="rId10"/>
+    <p:sldId id="257" r:id="rId11"/>
+    <p:sldId id="259" r:id="rId12"/>
+    <p:sldId id="267" r:id="rId13"/>
   </p:sldIdLst>
   <p:sldSz cx="12192000" cy="6858000"/>
   <p:notesSz cx="6858000" cy="9144000"/>
@@ -7766,6 +7769,951 @@
 </p:sld>
 </file>
 
+<file path=ppt/slides/slide10.xml><?xml version="1.0" encoding="utf-8"?>
+<p:sld xmlns:a="http://schemas.openxmlformats.org/drawingml/2006/main" xmlns:r="http://schemas.openxmlformats.org/officeDocument/2006/relationships" xmlns:p="http://schemas.openxmlformats.org/presentationml/2006/main">
+  <p:cSld>
+    <p:spTree>
+      <p:nvGrpSpPr>
+        <p:cNvPr id="1" name=""/>
+        <p:cNvGrpSpPr/>
+        <p:nvPr/>
+      </p:nvGrpSpPr>
+      <p:grpSpPr>
+        <a:xfrm>
+          <a:off x="0" y="0"/>
+          <a:ext cx="0" cy="0"/>
+          <a:chOff x="0" y="0"/>
+          <a:chExt cx="0" cy="0"/>
+        </a:xfrm>
+      </p:grpSpPr>
+      <p:sp>
+        <p:nvSpPr>
+          <p:cNvPr id="2" name="Title 1"/>
+          <p:cNvSpPr>
+            <a:spLocks noGrp="1"/>
+          </p:cNvSpPr>
+          <p:nvPr>
+            <p:ph type="title"/>
+          </p:nvPr>
+        </p:nvSpPr>
+        <p:spPr/>
+        <p:txBody>
+          <a:bodyPr/>
+          <a:lstStyle/>
+          <a:p>
+            <a:r>
+              <a:rPr lang="en-US" dirty="0"/>
+              <a:t>Time Series Decomposition</a:t>
+            </a:r>
+            <a:br>
+              <a:rPr lang="en-US" dirty="0"/>
+            </a:br>
+            <a:endParaRPr lang="en-US" dirty="0"/>
+          </a:p>
+        </p:txBody>
+      </p:sp>
+      <p:sp>
+        <p:nvSpPr>
+          <p:cNvPr id="3" name="Content Placeholder 2"/>
+          <p:cNvSpPr>
+            <a:spLocks noGrp="1"/>
+          </p:cNvSpPr>
+          <p:nvPr>
+            <p:ph idx="1"/>
+          </p:nvPr>
+        </p:nvSpPr>
+        <p:spPr/>
+        <p:txBody>
+          <a:bodyPr/>
+          <a:lstStyle/>
+          <a:p>
+            <a:pPr marL="0" indent="0">
+              <a:buNone/>
+            </a:pPr>
+            <a:r>
+              <a:rPr lang="en-US" sz="1600" b="1" dirty="0"/>
+              <a:t>Performing a Box Cox Adjustment In R Using The Forecast Package</a:t>
+            </a:r>
+          </a:p>
+          <a:p>
+            <a:pPr marL="0" indent="0">
+              <a:buNone/>
+            </a:pPr>
+            <a:r>
+              <a:rPr lang="en-US" sz="1200" dirty="0"/>
+              <a:t>The forecast package provides the </a:t>
+            </a:r>
+            <a:r>
+              <a:rPr lang="en-US" sz="1200" b="1" i="1" dirty="0" err="1"/>
+              <a:t>BoxCox</a:t>
+            </a:r>
+            <a:r>
+              <a:rPr lang="en-US" sz="1200" b="1" i="1" dirty="0"/>
+              <a:t>()  </a:t>
+            </a:r>
+            <a:r>
+              <a:rPr lang="en-US" sz="1200" dirty="0"/>
+              <a:t>function for performing Box Cox transformations. </a:t>
+            </a:r>
+          </a:p>
+          <a:p>
+            <a:pPr marL="0" indent="0">
+              <a:buNone/>
+            </a:pPr>
+            <a:r>
+              <a:rPr lang="en-US" sz="1200" dirty="0"/>
+              <a:t>Lambda value can be defined, or if undefined, the function will provide the optimal lambda value. </a:t>
+            </a:r>
+          </a:p>
+          <a:p>
+            <a:pPr marL="0" indent="0">
+              <a:buNone/>
+            </a:pPr>
+            <a:r>
+              <a:rPr lang="en-US" sz="1000" b="1" i="1" dirty="0"/>
+              <a:t>Defining a lambda value of 0.5 generates the following plot</a:t>
+            </a:r>
+            <a:r>
+              <a:rPr lang="en-US" sz="1200" b="1" i="1" dirty="0"/>
+              <a:t>:                             </a:t>
+            </a:r>
+            <a:r>
+              <a:rPr lang="en-US" sz="1000" b="1" i="1" dirty="0"/>
+              <a:t>Allowing the function to select the optimal lambda value (0.055) produces: </a:t>
+            </a:r>
+          </a:p>
+          <a:p>
+            <a:pPr marL="0" indent="0">
+              <a:buNone/>
+            </a:pPr>
+            <a:endParaRPr lang="en-US" sz="1000" dirty="0"/>
+          </a:p>
+          <a:p>
+            <a:pPr marL="0" indent="0">
+              <a:buNone/>
+            </a:pPr>
+            <a:endParaRPr lang="en-US" sz="1200" dirty="0"/>
+          </a:p>
+          <a:p>
+            <a:endParaRPr lang="en-US" dirty="0"/>
+          </a:p>
+          <a:p>
+            <a:pPr marL="0" indent="0">
+              <a:buNone/>
+            </a:pPr>
+            <a:endParaRPr lang="en-US" dirty="0"/>
+          </a:p>
+        </p:txBody>
+      </p:sp>
+      <p:sp>
+        <p:nvSpPr>
+          <p:cNvPr id="4" name="TextBox 3"/>
+          <p:cNvSpPr txBox="1"/>
+          <p:nvPr/>
+        </p:nvSpPr>
+        <p:spPr>
+          <a:xfrm>
+            <a:off x="998484" y="1293697"/>
+            <a:ext cx="8923282" cy="369332"/>
+          </a:xfrm>
+          <a:prstGeom prst="rect">
+            <a:avLst/>
+          </a:prstGeom>
+          <a:noFill/>
+        </p:spPr>
+        <p:txBody>
+          <a:bodyPr wrap="square" rtlCol="0">
+            <a:spAutoFit/>
+          </a:bodyPr>
+          <a:lstStyle/>
+          <a:p>
+            <a:r>
+              <a:rPr lang="en-US" dirty="0"/>
+              <a:t>Transformations and Adjustments</a:t>
+            </a:r>
+          </a:p>
+        </p:txBody>
+      </p:sp>
+      <p:sp>
+        <p:nvSpPr>
+          <p:cNvPr id="5" name="TextBox 4">
+            <a:extLst>
+              <a:ext uri="{FF2B5EF4-FFF2-40B4-BE49-F238E27FC236}">
+                <a16:creationId xmlns:a16="http://schemas.microsoft.com/office/drawing/2014/main" id="{9DED9E85-A2D1-1548-BD08-CC62BCE3E60D}"/>
+              </a:ext>
+            </a:extLst>
+          </p:cNvPr>
+          <p:cNvSpPr txBox="1"/>
+          <p:nvPr/>
+        </p:nvSpPr>
+        <p:spPr>
+          <a:xfrm>
+            <a:off x="10720904" y="924365"/>
+            <a:ext cx="1334020" cy="738664"/>
+          </a:xfrm>
+          <a:prstGeom prst="rect">
+            <a:avLst/>
+          </a:prstGeom>
+          <a:noFill/>
+        </p:spPr>
+        <p:txBody>
+          <a:bodyPr wrap="none" rtlCol="0">
+            <a:spAutoFit/>
+          </a:bodyPr>
+          <a:lstStyle/>
+          <a:p>
+            <a:pPr algn="ctr"/>
+            <a:r>
+              <a:rPr lang="en-US" sz="1400" dirty="0"/>
+              <a:t>Performing a</a:t>
+            </a:r>
+          </a:p>
+          <a:p>
+            <a:pPr algn="ctr"/>
+            <a:r>
+              <a:rPr lang="en-US" sz="1400" dirty="0"/>
+              <a:t>Box Cox </a:t>
+            </a:r>
+          </a:p>
+          <a:p>
+            <a:pPr algn="ctr"/>
+            <a:r>
+              <a:rPr lang="en-US" sz="1400" dirty="0"/>
+              <a:t>transform in R</a:t>
+            </a:r>
+          </a:p>
+        </p:txBody>
+      </p:sp>
+      <p:pic>
+        <p:nvPicPr>
+          <p:cNvPr id="7" name="Picture 6" descr="Chart, scatter chart&#10;&#10;Description automatically generated">
+            <a:extLst>
+              <a:ext uri="{FF2B5EF4-FFF2-40B4-BE49-F238E27FC236}">
+                <a16:creationId xmlns:a16="http://schemas.microsoft.com/office/drawing/2014/main" id="{1D05688D-6D74-D648-AC5E-66DCE5261349}"/>
+              </a:ext>
+            </a:extLst>
+          </p:cNvPr>
+          <p:cNvPicPr>
+            <a:picLocks noChangeAspect="1"/>
+          </p:cNvPicPr>
+          <p:nvPr/>
+        </p:nvPicPr>
+        <p:blipFill>
+          <a:blip r:embed="rId2"/>
+          <a:stretch>
+            <a:fillRect/>
+          </a:stretch>
+        </p:blipFill>
+        <p:spPr>
+          <a:xfrm>
+            <a:off x="764875" y="4136531"/>
+            <a:ext cx="3677440" cy="2626743"/>
+          </a:xfrm>
+          <a:prstGeom prst="rect">
+            <a:avLst/>
+          </a:prstGeom>
+        </p:spPr>
+      </p:pic>
+      <p:pic>
+        <p:nvPicPr>
+          <p:cNvPr id="11" name="Picture 10">
+            <a:extLst>
+              <a:ext uri="{FF2B5EF4-FFF2-40B4-BE49-F238E27FC236}">
+                <a16:creationId xmlns:a16="http://schemas.microsoft.com/office/drawing/2014/main" id="{94E55329-AFA9-294E-B02E-89F8456060FE}"/>
+              </a:ext>
+            </a:extLst>
+          </p:cNvPr>
+          <p:cNvPicPr>
+            <a:picLocks noChangeAspect="1"/>
+          </p:cNvPicPr>
+          <p:nvPr/>
+        </p:nvPicPr>
+        <p:blipFill>
+          <a:blip r:embed="rId3"/>
+          <a:stretch>
+            <a:fillRect/>
+          </a:stretch>
+        </p:blipFill>
+        <p:spPr>
+          <a:xfrm>
+            <a:off x="765726" y="3638137"/>
+            <a:ext cx="3676589" cy="226418"/>
+          </a:xfrm>
+          <a:prstGeom prst="rect">
+            <a:avLst/>
+          </a:prstGeom>
+        </p:spPr>
+      </p:pic>
+      <p:pic>
+        <p:nvPicPr>
+          <p:cNvPr id="13" name="Picture 12">
+            <a:extLst>
+              <a:ext uri="{FF2B5EF4-FFF2-40B4-BE49-F238E27FC236}">
+                <a16:creationId xmlns:a16="http://schemas.microsoft.com/office/drawing/2014/main" id="{22273CC5-D815-1549-8DE1-9C0F93D63668}"/>
+              </a:ext>
+            </a:extLst>
+          </p:cNvPr>
+          <p:cNvPicPr>
+            <a:picLocks noChangeAspect="1"/>
+          </p:cNvPicPr>
+          <p:nvPr/>
+        </p:nvPicPr>
+        <p:blipFill>
+          <a:blip r:embed="rId4"/>
+          <a:stretch>
+            <a:fillRect/>
+          </a:stretch>
+        </p:blipFill>
+        <p:spPr>
+          <a:xfrm>
+            <a:off x="5684082" y="3642450"/>
+            <a:ext cx="3676589" cy="415262"/>
+          </a:xfrm>
+          <a:prstGeom prst="rect">
+            <a:avLst/>
+          </a:prstGeom>
+        </p:spPr>
+      </p:pic>
+      <p:pic>
+        <p:nvPicPr>
+          <p:cNvPr id="17" name="Picture 16" descr="Chart, scatter chart&#10;&#10;Description automatically generated">
+            <a:extLst>
+              <a:ext uri="{FF2B5EF4-FFF2-40B4-BE49-F238E27FC236}">
+                <a16:creationId xmlns:a16="http://schemas.microsoft.com/office/drawing/2014/main" id="{C10174EB-1616-944A-80A7-6B9396D577E6}"/>
+              </a:ext>
+            </a:extLst>
+          </p:cNvPr>
+          <p:cNvPicPr>
+            <a:picLocks noChangeAspect="1"/>
+          </p:cNvPicPr>
+          <p:nvPr/>
+        </p:nvPicPr>
+        <p:blipFill>
+          <a:blip r:embed="rId5"/>
+          <a:stretch>
+            <a:fillRect/>
+          </a:stretch>
+        </p:blipFill>
+        <p:spPr>
+          <a:xfrm>
+            <a:off x="5684082" y="4137139"/>
+            <a:ext cx="3676589" cy="2626135"/>
+          </a:xfrm>
+          <a:prstGeom prst="rect">
+            <a:avLst/>
+          </a:prstGeom>
+        </p:spPr>
+      </p:pic>
+    </p:spTree>
+    <p:extLst>
+      <p:ext uri="{BB962C8B-B14F-4D97-AF65-F5344CB8AC3E}">
+        <p14:creationId xmlns:p14="http://schemas.microsoft.com/office/powerpoint/2010/main" val="1700139605"/>
+      </p:ext>
+    </p:extLst>
+  </p:cSld>
+  <p:clrMapOvr>
+    <a:masterClrMapping/>
+  </p:clrMapOvr>
+</p:sld>
+</file>
+
+<file path=ppt/slides/slide11.xml><?xml version="1.0" encoding="utf-8"?>
+<p:sld xmlns:a="http://schemas.openxmlformats.org/drawingml/2006/main" xmlns:r="http://schemas.openxmlformats.org/officeDocument/2006/relationships" xmlns:p="http://schemas.openxmlformats.org/presentationml/2006/main">
+  <p:cSld>
+    <p:spTree>
+      <p:nvGrpSpPr>
+        <p:cNvPr id="1" name=""/>
+        <p:cNvGrpSpPr/>
+        <p:nvPr/>
+      </p:nvGrpSpPr>
+      <p:grpSpPr>
+        <a:xfrm>
+          <a:off x="0" y="0"/>
+          <a:ext cx="0" cy="0"/>
+          <a:chOff x="0" y="0"/>
+          <a:chExt cx="0" cy="0"/>
+        </a:xfrm>
+      </p:grpSpPr>
+      <p:sp>
+        <p:nvSpPr>
+          <p:cNvPr id="2" name="Title 1"/>
+          <p:cNvSpPr>
+            <a:spLocks noGrp="1"/>
+          </p:cNvSpPr>
+          <p:nvPr>
+            <p:ph type="title"/>
+          </p:nvPr>
+        </p:nvSpPr>
+        <p:spPr>
+          <a:xfrm>
+            <a:off x="680321" y="753229"/>
+            <a:ext cx="9613861" cy="592096"/>
+          </a:xfrm>
+        </p:spPr>
+        <p:txBody>
+          <a:bodyPr/>
+          <a:lstStyle/>
+          <a:p>
+            <a:r>
+              <a:rPr lang="en-US" dirty="0"/>
+              <a:t>Time Series Decomposition</a:t>
+            </a:r>
+          </a:p>
+        </p:txBody>
+      </p:sp>
+      <p:sp>
+        <p:nvSpPr>
+          <p:cNvPr id="3" name="Content Placeholder 2"/>
+          <p:cNvSpPr>
+            <a:spLocks noGrp="1"/>
+          </p:cNvSpPr>
+          <p:nvPr>
+            <p:ph idx="1"/>
+          </p:nvPr>
+        </p:nvSpPr>
+        <p:spPr>
+          <a:xfrm>
+            <a:off x="680321" y="2336872"/>
+            <a:ext cx="9613861" cy="4250539"/>
+          </a:xfrm>
+        </p:spPr>
+        <p:txBody>
+          <a:bodyPr/>
+          <a:lstStyle/>
+          <a:p>
+            <a:pPr marL="0" indent="0">
+              <a:buNone/>
+            </a:pPr>
+            <a:r>
+              <a:rPr lang="en-US" b="1" dirty="0"/>
+              <a:t>Seasonal Adjustments</a:t>
+            </a:r>
+          </a:p>
+          <a:p>
+            <a:pPr marL="0" indent="0">
+              <a:buNone/>
+            </a:pPr>
+            <a:r>
+              <a:rPr lang="en-US" sz="1200" dirty="0"/>
+              <a:t>Used to remove seasonal variations (</a:t>
+            </a:r>
+            <a:r>
+              <a:rPr lang="en-US" sz="1200" i="1" dirty="0"/>
+              <a:t>cycles that repeat regularly over time</a:t>
+            </a:r>
+            <a:r>
+              <a:rPr lang="en-US" sz="1200" dirty="0"/>
+              <a:t>) from a time series.</a:t>
+            </a:r>
+          </a:p>
+          <a:p>
+            <a:pPr marL="0" indent="0">
+              <a:buNone/>
+            </a:pPr>
+            <a:r>
+              <a:rPr lang="en-US" sz="1200" dirty="0"/>
+              <a:t>Depending on the type of time series, seasonal variations may include:</a:t>
+            </a:r>
+          </a:p>
+          <a:p>
+            <a:r>
+              <a:rPr lang="en-US" sz="1200" dirty="0"/>
+              <a:t>Seasons (</a:t>
+            </a:r>
+            <a:r>
+              <a:rPr lang="en-US" sz="1200" i="1" dirty="0"/>
+              <a:t>summer, winter, etc</a:t>
+            </a:r>
+            <a:r>
+              <a:rPr lang="en-US" sz="1200" dirty="0"/>
+              <a:t>.)</a:t>
+            </a:r>
+          </a:p>
+          <a:p>
+            <a:r>
+              <a:rPr lang="en-US" sz="1200" dirty="0"/>
+              <a:t>Holidays such as Christmas, Thanksgiving, etc. (</a:t>
+            </a:r>
+            <a:r>
+              <a:rPr lang="en-US" sz="1200" i="1" dirty="0"/>
+              <a:t>retail based time series</a:t>
+            </a:r>
+            <a:r>
+              <a:rPr lang="en-US" sz="1200" dirty="0"/>
+              <a:t>)</a:t>
+            </a:r>
+          </a:p>
+          <a:p>
+            <a:r>
+              <a:rPr lang="en-US" sz="1200" dirty="0"/>
+              <a:t>University graduations (</a:t>
+            </a:r>
+            <a:r>
+              <a:rPr lang="en-US" sz="1200" i="1" dirty="0"/>
+              <a:t>job market based time series</a:t>
+            </a:r>
+            <a:r>
+              <a:rPr lang="en-US" sz="1200" dirty="0"/>
+              <a:t>)</a:t>
+            </a:r>
+          </a:p>
+          <a:p>
+            <a:r>
+              <a:rPr lang="en-US" sz="1200" dirty="0"/>
+              <a:t>Animal migration and hibernation (</a:t>
+            </a:r>
+            <a:r>
+              <a:rPr lang="en-US" sz="1200" i="1" dirty="0"/>
+              <a:t>wildlife based time series</a:t>
+            </a:r>
+            <a:r>
+              <a:rPr lang="en-US" sz="1200" dirty="0"/>
+              <a:t>)</a:t>
+            </a:r>
+          </a:p>
+          <a:p>
+            <a:pPr marL="0" indent="0">
+              <a:buNone/>
+            </a:pPr>
+            <a:endParaRPr lang="en-US" sz="1200" dirty="0"/>
+          </a:p>
+          <a:p>
+            <a:pPr marL="0" indent="0">
+              <a:buNone/>
+            </a:pPr>
+            <a:endParaRPr lang="en-US" sz="1200" dirty="0"/>
+          </a:p>
+          <a:p>
+            <a:pPr marL="0" indent="0">
+              <a:buNone/>
+            </a:pPr>
+            <a:endParaRPr lang="en-US" sz="1600" b="1" dirty="0"/>
+          </a:p>
+        </p:txBody>
+      </p:sp>
+      <p:sp>
+        <p:nvSpPr>
+          <p:cNvPr id="4" name="TextBox 3"/>
+          <p:cNvSpPr txBox="1"/>
+          <p:nvPr/>
+        </p:nvSpPr>
+        <p:spPr>
+          <a:xfrm>
+            <a:off x="948488" y="1287100"/>
+            <a:ext cx="3443891" cy="369332"/>
+          </a:xfrm>
+          <a:prstGeom prst="rect">
+            <a:avLst/>
+          </a:prstGeom>
+          <a:noFill/>
+        </p:spPr>
+        <p:txBody>
+          <a:bodyPr wrap="none" rtlCol="0">
+            <a:spAutoFit/>
+          </a:bodyPr>
+          <a:lstStyle/>
+          <a:p>
+            <a:r>
+              <a:rPr lang="en-US" dirty="0"/>
+              <a:t>Transformation and Adjustment</a:t>
+            </a:r>
+          </a:p>
+        </p:txBody>
+      </p:sp>
+      <p:sp>
+        <p:nvSpPr>
+          <p:cNvPr id="5" name="TextBox 4">
+            <a:extLst>
+              <a:ext uri="{FF2B5EF4-FFF2-40B4-BE49-F238E27FC236}">
+                <a16:creationId xmlns:a16="http://schemas.microsoft.com/office/drawing/2014/main" id="{3B11B03F-1D94-234E-AF2D-BD7312C1808B}"/>
+              </a:ext>
+            </a:extLst>
+          </p:cNvPr>
+          <p:cNvSpPr txBox="1"/>
+          <p:nvPr/>
+        </p:nvSpPr>
+        <p:spPr>
+          <a:xfrm>
+            <a:off x="10798989" y="1025490"/>
+            <a:ext cx="1183337" cy="523220"/>
+          </a:xfrm>
+          <a:prstGeom prst="rect">
+            <a:avLst/>
+          </a:prstGeom>
+          <a:noFill/>
+        </p:spPr>
+        <p:txBody>
+          <a:bodyPr wrap="none" rtlCol="0">
+            <a:spAutoFit/>
+          </a:bodyPr>
+          <a:lstStyle/>
+          <a:p>
+            <a:pPr algn="ctr"/>
+            <a:r>
+              <a:rPr lang="en-US" sz="1400" dirty="0"/>
+              <a:t>Seasonal</a:t>
+            </a:r>
+          </a:p>
+          <a:p>
+            <a:pPr algn="ctr"/>
+            <a:r>
+              <a:rPr lang="en-US" sz="1400" dirty="0"/>
+              <a:t>Adjustments</a:t>
+            </a:r>
+          </a:p>
+        </p:txBody>
+      </p:sp>
+      <p:pic>
+        <p:nvPicPr>
+          <p:cNvPr id="11" name="Picture 10" descr="Chart, line chart&#10;&#10;Description automatically generated">
+            <a:extLst>
+              <a:ext uri="{FF2B5EF4-FFF2-40B4-BE49-F238E27FC236}">
+                <a16:creationId xmlns:a16="http://schemas.microsoft.com/office/drawing/2014/main" id="{93C33E48-9FC4-0847-A017-97E66FF312DB}"/>
+              </a:ext>
+            </a:extLst>
+          </p:cNvPr>
+          <p:cNvPicPr>
+            <a:picLocks noChangeAspect="1"/>
+          </p:cNvPicPr>
+          <p:nvPr/>
+        </p:nvPicPr>
+        <p:blipFill>
+          <a:blip r:embed="rId2"/>
+          <a:stretch>
+            <a:fillRect/>
+          </a:stretch>
+        </p:blipFill>
+        <p:spPr>
+          <a:xfrm>
+            <a:off x="837196" y="4563898"/>
+            <a:ext cx="5615362" cy="2124398"/>
+          </a:xfrm>
+          <a:prstGeom prst="rect">
+            <a:avLst/>
+          </a:prstGeom>
+        </p:spPr>
+      </p:pic>
+    </p:spTree>
+    <p:extLst>
+      <p:ext uri="{BB962C8B-B14F-4D97-AF65-F5344CB8AC3E}">
+        <p14:creationId xmlns:p14="http://schemas.microsoft.com/office/powerpoint/2010/main" val="1877975350"/>
+      </p:ext>
+    </p:extLst>
+  </p:cSld>
+  <p:clrMapOvr>
+    <a:masterClrMapping/>
+  </p:clrMapOvr>
+</p:sld>
+</file>
+
+<file path=ppt/slides/slide12.xml><?xml version="1.0" encoding="utf-8"?>
+<p:sld xmlns:a="http://schemas.openxmlformats.org/drawingml/2006/main" xmlns:r="http://schemas.openxmlformats.org/officeDocument/2006/relationships" xmlns:p="http://schemas.openxmlformats.org/presentationml/2006/main">
+  <p:cSld>
+    <p:spTree>
+      <p:nvGrpSpPr>
+        <p:cNvPr id="1" name=""/>
+        <p:cNvGrpSpPr/>
+        <p:nvPr/>
+      </p:nvGrpSpPr>
+      <p:grpSpPr>
+        <a:xfrm>
+          <a:off x="0" y="0"/>
+          <a:ext cx="0" cy="0"/>
+          <a:chOff x="0" y="0"/>
+          <a:chExt cx="0" cy="0"/>
+        </a:xfrm>
+      </p:grpSpPr>
+      <p:sp>
+        <p:nvSpPr>
+          <p:cNvPr id="2" name="Title 1"/>
+          <p:cNvSpPr>
+            <a:spLocks noGrp="1"/>
+          </p:cNvSpPr>
+          <p:nvPr>
+            <p:ph type="title"/>
+          </p:nvPr>
+        </p:nvSpPr>
+        <p:spPr>
+          <a:xfrm>
+            <a:off x="680321" y="753229"/>
+            <a:ext cx="9613861" cy="592096"/>
+          </a:xfrm>
+        </p:spPr>
+        <p:txBody>
+          <a:bodyPr/>
+          <a:lstStyle/>
+          <a:p>
+            <a:r>
+              <a:rPr lang="en-US" dirty="0"/>
+              <a:t>Time Series Decomposition</a:t>
+            </a:r>
+          </a:p>
+        </p:txBody>
+      </p:sp>
+      <p:sp>
+        <p:nvSpPr>
+          <p:cNvPr id="3" name="Content Placeholder 2"/>
+          <p:cNvSpPr>
+            <a:spLocks noGrp="1"/>
+          </p:cNvSpPr>
+          <p:nvPr>
+            <p:ph idx="1"/>
+          </p:nvPr>
+        </p:nvSpPr>
+        <p:spPr>
+          <a:xfrm>
+            <a:off x="680321" y="2336872"/>
+            <a:ext cx="10085010" cy="4443490"/>
+          </a:xfrm>
+        </p:spPr>
+        <p:txBody>
+          <a:bodyPr/>
+          <a:lstStyle/>
+          <a:p>
+            <a:pPr marL="0" indent="0">
+              <a:buNone/>
+            </a:pPr>
+            <a:r>
+              <a:rPr lang="en-US" sz="1600" b="1" dirty="0"/>
+              <a:t>Performing a Seasonal Adjustment In R Using The Seasonal Package</a:t>
+            </a:r>
+          </a:p>
+          <a:p>
+            <a:pPr marL="0" indent="0">
+              <a:buNone/>
+            </a:pPr>
+            <a:r>
+              <a:rPr lang="en-US" sz="1200" dirty="0"/>
+              <a:t>The seasonal package was developed by the United States Census Bureau.</a:t>
+            </a:r>
+          </a:p>
+          <a:p>
+            <a:pPr marL="0" indent="0">
+              <a:buNone/>
+            </a:pPr>
+            <a:r>
+              <a:rPr lang="en-US" sz="1200" dirty="0"/>
+              <a:t>Very easy to use – call the </a:t>
+            </a:r>
+            <a:r>
+              <a:rPr lang="en-US" sz="1200" b="1" i="1" dirty="0"/>
+              <a:t>seas() </a:t>
+            </a:r>
+            <a:r>
+              <a:rPr lang="en-US" sz="1200" dirty="0"/>
+              <a:t>function, and your time series data is seasonally adjusted.</a:t>
+            </a:r>
+          </a:p>
+          <a:p>
+            <a:pPr marL="0" indent="0">
+              <a:buNone/>
+            </a:pPr>
+            <a:r>
+              <a:rPr lang="en-US" sz="1200" dirty="0"/>
+              <a:t>Uses the </a:t>
+            </a:r>
+            <a:r>
+              <a:rPr lang="en-US" sz="1200" b="1" i="1" dirty="0"/>
+              <a:t>seats</a:t>
+            </a:r>
+            <a:r>
+              <a:rPr lang="en-US" sz="1200" dirty="0"/>
+              <a:t> adjustment procedure by default. This can be changed to X11 by adding the </a:t>
+            </a:r>
+            <a:r>
+              <a:rPr lang="en-US" sz="1200" b="1" i="1" dirty="0"/>
+              <a:t>X11 = “”  </a:t>
+            </a:r>
+            <a:r>
+              <a:rPr lang="en-US" sz="1200" dirty="0"/>
+              <a:t>parameter.</a:t>
+            </a:r>
+          </a:p>
+          <a:p>
+            <a:pPr marL="0" indent="0">
+              <a:buNone/>
+            </a:pPr>
+            <a:endParaRPr lang="en-US" sz="1200" dirty="0"/>
+          </a:p>
+          <a:p>
+            <a:pPr marL="0" indent="0">
+              <a:buNone/>
+            </a:pPr>
+            <a:endParaRPr lang="en-US" sz="1200" dirty="0"/>
+          </a:p>
+          <a:p>
+            <a:pPr marL="0" indent="0">
+              <a:buNone/>
+            </a:pPr>
+            <a:endParaRPr lang="en-US" sz="1200" dirty="0"/>
+          </a:p>
+          <a:p>
+            <a:pPr marL="0" indent="0">
+              <a:buNone/>
+            </a:pPr>
+            <a:endParaRPr lang="en-US" sz="1600" b="1" dirty="0"/>
+          </a:p>
+        </p:txBody>
+      </p:sp>
+      <p:sp>
+        <p:nvSpPr>
+          <p:cNvPr id="4" name="TextBox 3"/>
+          <p:cNvSpPr txBox="1"/>
+          <p:nvPr/>
+        </p:nvSpPr>
+        <p:spPr>
+          <a:xfrm>
+            <a:off x="948488" y="1287100"/>
+            <a:ext cx="3443891" cy="369332"/>
+          </a:xfrm>
+          <a:prstGeom prst="rect">
+            <a:avLst/>
+          </a:prstGeom>
+          <a:noFill/>
+        </p:spPr>
+        <p:txBody>
+          <a:bodyPr wrap="none" rtlCol="0">
+            <a:spAutoFit/>
+          </a:bodyPr>
+          <a:lstStyle/>
+          <a:p>
+            <a:r>
+              <a:rPr lang="en-US" dirty="0"/>
+              <a:t>Transformation and Adjustment</a:t>
+            </a:r>
+          </a:p>
+        </p:txBody>
+      </p:sp>
+      <p:sp>
+        <p:nvSpPr>
+          <p:cNvPr id="5" name="TextBox 4">
+            <a:extLst>
+              <a:ext uri="{FF2B5EF4-FFF2-40B4-BE49-F238E27FC236}">
+                <a16:creationId xmlns:a16="http://schemas.microsoft.com/office/drawing/2014/main" id="{3B11B03F-1D94-234E-AF2D-BD7312C1808B}"/>
+              </a:ext>
+            </a:extLst>
+          </p:cNvPr>
+          <p:cNvSpPr txBox="1"/>
+          <p:nvPr/>
+        </p:nvSpPr>
+        <p:spPr>
+          <a:xfrm>
+            <a:off x="10765331" y="868271"/>
+            <a:ext cx="1267911" cy="954107"/>
+          </a:xfrm>
+          <a:prstGeom prst="rect">
+            <a:avLst/>
+          </a:prstGeom>
+          <a:noFill/>
+        </p:spPr>
+        <p:txBody>
+          <a:bodyPr wrap="none" rtlCol="0">
+            <a:spAutoFit/>
+          </a:bodyPr>
+          <a:lstStyle/>
+          <a:p>
+            <a:pPr algn="ctr"/>
+            <a:r>
+              <a:rPr lang="en-US" sz="1400" dirty="0"/>
+              <a:t>Performing a </a:t>
+            </a:r>
+          </a:p>
+          <a:p>
+            <a:pPr algn="ctr"/>
+            <a:r>
+              <a:rPr lang="en-US" sz="1400" dirty="0"/>
+              <a:t>Seasonal</a:t>
+            </a:r>
+          </a:p>
+          <a:p>
+            <a:pPr algn="ctr"/>
+            <a:r>
+              <a:rPr lang="en-US" sz="1400" dirty="0"/>
+              <a:t>Adjustment</a:t>
+            </a:r>
+          </a:p>
+          <a:p>
+            <a:pPr algn="ctr"/>
+            <a:r>
+              <a:rPr lang="en-US" sz="1400" dirty="0"/>
+              <a:t>In R</a:t>
+            </a:r>
+          </a:p>
+        </p:txBody>
+      </p:sp>
+      <p:pic>
+        <p:nvPicPr>
+          <p:cNvPr id="7" name="Picture 6" descr="Text&#10;&#10;Description automatically generated">
+            <a:extLst>
+              <a:ext uri="{FF2B5EF4-FFF2-40B4-BE49-F238E27FC236}">
+                <a16:creationId xmlns:a16="http://schemas.microsoft.com/office/drawing/2014/main" id="{9FD13AEF-09B8-7949-ABE6-4B5CD01239D8}"/>
+              </a:ext>
+            </a:extLst>
+          </p:cNvPr>
+          <p:cNvPicPr>
+            <a:picLocks noChangeAspect="1"/>
+          </p:cNvPicPr>
+          <p:nvPr/>
+        </p:nvPicPr>
+        <p:blipFill>
+          <a:blip r:embed="rId2"/>
+          <a:stretch>
+            <a:fillRect/>
+          </a:stretch>
+        </p:blipFill>
+        <p:spPr>
+          <a:xfrm>
+            <a:off x="680321" y="3685129"/>
+            <a:ext cx="3676495" cy="3012895"/>
+          </a:xfrm>
+          <a:prstGeom prst="rect">
+            <a:avLst/>
+          </a:prstGeom>
+        </p:spPr>
+      </p:pic>
+      <p:pic>
+        <p:nvPicPr>
+          <p:cNvPr id="10" name="Picture 9">
+            <a:extLst>
+              <a:ext uri="{FF2B5EF4-FFF2-40B4-BE49-F238E27FC236}">
+                <a16:creationId xmlns:a16="http://schemas.microsoft.com/office/drawing/2014/main" id="{DCE2B798-0115-314A-895D-793513BC2F07}"/>
+              </a:ext>
+            </a:extLst>
+          </p:cNvPr>
+          <p:cNvPicPr>
+            <a:picLocks noChangeAspect="1"/>
+          </p:cNvPicPr>
+          <p:nvPr/>
+        </p:nvPicPr>
+        <p:blipFill>
+          <a:blip r:embed="rId3"/>
+          <a:stretch>
+            <a:fillRect/>
+          </a:stretch>
+        </p:blipFill>
+        <p:spPr>
+          <a:xfrm>
+            <a:off x="4356816" y="3680870"/>
+            <a:ext cx="6115652" cy="3017154"/>
+          </a:xfrm>
+          <a:prstGeom prst="rect">
+            <a:avLst/>
+          </a:prstGeom>
+        </p:spPr>
+      </p:pic>
+    </p:spTree>
+    <p:extLst>
+      <p:ext uri="{BB962C8B-B14F-4D97-AF65-F5344CB8AC3E}">
+        <p14:creationId xmlns:p14="http://schemas.microsoft.com/office/powerpoint/2010/main" val="2738247598"/>
+      </p:ext>
+    </p:extLst>
+  </p:cSld>
+  <p:clrMapOvr>
+    <a:masterClrMapping/>
+  </p:clrMapOvr>
+</p:sld>
+</file>
+
 <file path=ppt/slides/slide2.xml><?xml version="1.0" encoding="utf-8"?>
 <p:sld xmlns:a="http://schemas.openxmlformats.org/drawingml/2006/main" xmlns:r="http://schemas.openxmlformats.org/officeDocument/2006/relationships" xmlns:p="http://schemas.openxmlformats.org/presentationml/2006/main">
   <p:cSld>
@@ -8317,8 +9265,8 @@
         </p:nvSpPr>
         <p:spPr>
           <a:xfrm>
-            <a:off x="10654557" y="1025490"/>
-            <a:ext cx="1468159" cy="523220"/>
+            <a:off x="10690625" y="1025490"/>
+            <a:ext cx="1396023" cy="523220"/>
           </a:xfrm>
           <a:prstGeom prst="rect">
             <a:avLst/>
@@ -8334,14 +9282,14 @@
             <a:pPr algn="ctr"/>
             <a:r>
               <a:rPr lang="en-US" sz="1400" dirty="0"/>
-              <a:t>Mathematical</a:t>
+              <a:t>Square Root</a:t>
             </a:r>
           </a:p>
           <a:p>
             <a:pPr algn="ctr"/>
             <a:r>
               <a:rPr lang="en-US" sz="1400" dirty="0"/>
-              <a:t>Transformations</a:t>
+              <a:t>Transformation</a:t>
             </a:r>
           </a:p>
         </p:txBody>
@@ -8446,12 +9394,7 @@
             <p:ph type="title"/>
           </p:nvPr>
         </p:nvSpPr>
-        <p:spPr>
-          <a:xfrm>
-            <a:off x="680321" y="753229"/>
-            <a:ext cx="9613861" cy="592096"/>
-          </a:xfrm>
-        </p:spPr>
+        <p:spPr/>
         <p:txBody>
           <a:bodyPr/>
           <a:lstStyle/>
@@ -8460,6 +9403,10 @@
               <a:rPr lang="en-US" dirty="0"/>
               <a:t>Time Series Decomposition</a:t>
             </a:r>
+            <a:br>
+              <a:rPr lang="en-US" dirty="0"/>
+            </a:br>
+            <a:endParaRPr lang="en-US" dirty="0"/>
           </a:p>
         </p:txBody>
       </p:sp>
@@ -8473,132 +9420,45 @@
             <p:ph idx="1"/>
           </p:nvPr>
         </p:nvSpPr>
-        <p:spPr>
-          <a:xfrm>
-            <a:off x="680321" y="2336872"/>
-            <a:ext cx="9613861" cy="4250539"/>
-          </a:xfrm>
-        </p:spPr>
-        <p:txBody>
-          <a:bodyPr>
-            <a:normAutofit/>
-          </a:bodyPr>
+        <p:spPr/>
+        <p:txBody>
+          <a:bodyPr/>
           <a:lstStyle/>
           <a:p>
             <a:pPr marL="0" indent="0">
               <a:buNone/>
             </a:pPr>
             <a:r>
-              <a:rPr lang="en-US" sz="1400" dirty="0"/>
-              <a:t>B. Cube root -&gt; (𝑥)</a:t>
-            </a:r>
-            <a:r>
-              <a:rPr lang="en-US" sz="1400" baseline="30000" dirty="0"/>
-              <a:t>1/3</a:t>
+              <a:rPr lang="en-US" sz="1600" b="1" dirty="0"/>
+              <a:t>Performing a Square Root Transform In R Using The R sqrt() function</a:t>
             </a:r>
           </a:p>
           <a:p>
             <a:pPr marL="0" indent="0">
               <a:buNone/>
             </a:pPr>
-            <a:r>
-              <a:rPr lang="en-US" sz="1200" dirty="0"/>
-              <a:t>Used to make a time series with a cubic growth trend linear by transforming the data to its cube root.</a:t>
-            </a:r>
-            <a:endParaRPr lang="en-US" sz="1400" baseline="30000" dirty="0"/>
+            <a:endParaRPr lang="en-US" sz="1600" b="1" dirty="0"/>
           </a:p>
           <a:p>
             <a:pPr marL="0" indent="0">
               <a:buNone/>
             </a:pPr>
-            <a:endParaRPr lang="en-US" sz="1400" baseline="30000" dirty="0"/>
+            <a:endParaRPr lang="en-US" sz="1000" dirty="0"/>
           </a:p>
           <a:p>
             <a:pPr marL="0" indent="0">
               <a:buNone/>
             </a:pPr>
-            <a:endParaRPr lang="en-US" sz="1400" baseline="30000" dirty="0"/>
+            <a:endParaRPr lang="en-US" sz="1200" dirty="0"/>
+          </a:p>
+          <a:p>
+            <a:endParaRPr lang="en-US" dirty="0"/>
           </a:p>
           <a:p>
             <a:pPr marL="0" indent="0">
               <a:buNone/>
             </a:pPr>
-            <a:endParaRPr lang="en-US" sz="1400" baseline="30000" dirty="0"/>
-          </a:p>
-          <a:p>
-            <a:pPr marL="0" indent="0">
-              <a:buNone/>
-            </a:pPr>
-            <a:endParaRPr lang="en-US" sz="1400" baseline="30000" dirty="0"/>
-          </a:p>
-          <a:p>
-            <a:pPr marL="0" indent="0">
-              <a:buNone/>
-            </a:pPr>
-            <a:endParaRPr lang="en-US" sz="1400" baseline="30000" dirty="0"/>
-          </a:p>
-          <a:p>
-            <a:pPr marL="0" indent="0">
-              <a:buNone/>
-            </a:pPr>
-            <a:endParaRPr lang="en-US" sz="1400" baseline="30000" dirty="0"/>
-          </a:p>
-          <a:p>
-            <a:pPr marL="0" indent="0">
-              <a:buNone/>
-            </a:pPr>
-            <a:endParaRPr lang="en-US" sz="1400" baseline="30000" dirty="0"/>
-          </a:p>
-          <a:p>
-            <a:pPr marL="0" indent="0">
-              <a:buNone/>
-            </a:pPr>
-            <a:endParaRPr lang="en-US" sz="1400" baseline="30000" dirty="0"/>
-          </a:p>
-          <a:p>
-            <a:pPr marL="0" indent="0">
-              <a:buNone/>
-            </a:pPr>
-            <a:endParaRPr lang="en-US" sz="1400" dirty="0"/>
-          </a:p>
-          <a:p>
-            <a:pPr marL="0" indent="0">
-              <a:buNone/>
-            </a:pPr>
-            <a:r>
-              <a:rPr lang="en-US" sz="1000" b="1" i="1" dirty="0"/>
-              <a:t>Before Cube Root transformation.			               After Cube Root transformation.</a:t>
-            </a:r>
-          </a:p>
-          <a:p>
-            <a:pPr marL="0" indent="0">
-              <a:buNone/>
-            </a:pPr>
-            <a:endParaRPr lang="en-US" sz="1400" dirty="0"/>
-          </a:p>
-          <a:p>
-            <a:pPr marL="0" indent="0">
-              <a:buNone/>
-            </a:pPr>
-            <a:endParaRPr lang="en-US" sz="1200" dirty="0"/>
-          </a:p>
-          <a:p>
-            <a:pPr marL="0" indent="0">
-              <a:buNone/>
-            </a:pPr>
-            <a:endParaRPr lang="en-US" sz="1200" dirty="0"/>
-          </a:p>
-          <a:p>
-            <a:pPr marL="0" indent="0">
-              <a:buNone/>
-            </a:pPr>
-            <a:endParaRPr lang="en-US" sz="1200" dirty="0"/>
-          </a:p>
-          <a:p>
-            <a:pPr marL="0" indent="0">
-              <a:buNone/>
-            </a:pPr>
-            <a:endParaRPr lang="en-US" sz="1200" dirty="0"/>
+            <a:endParaRPr lang="en-US" dirty="0"/>
           </a:p>
         </p:txBody>
       </p:sp>
@@ -8610,8 +9470,8 @@
         </p:nvSpPr>
         <p:spPr>
           <a:xfrm>
-            <a:off x="948488" y="1287100"/>
-            <a:ext cx="4078361" cy="369332"/>
+            <a:off x="998484" y="1293697"/>
+            <a:ext cx="8923282" cy="369332"/>
           </a:xfrm>
           <a:prstGeom prst="rect">
             <a:avLst/>
@@ -8619,14 +9479,14 @@
           <a:noFill/>
         </p:spPr>
         <p:txBody>
-          <a:bodyPr wrap="none" rtlCol="0">
+          <a:bodyPr wrap="square" rtlCol="0">
             <a:spAutoFit/>
           </a:bodyPr>
           <a:lstStyle/>
           <a:p>
             <a:r>
               <a:rPr lang="en-US" dirty="0"/>
-              <a:t>Transformation and Adjustment Types</a:t>
+              <a:t>Transformations and Adjustments</a:t>
             </a:r>
           </a:p>
         </p:txBody>
@@ -8636,7 +9496,7 @@
           <p:cNvPr id="5" name="TextBox 4">
             <a:extLst>
               <a:ext uri="{FF2B5EF4-FFF2-40B4-BE49-F238E27FC236}">
-                <a16:creationId xmlns:a16="http://schemas.microsoft.com/office/drawing/2014/main" id="{8EE40ED9-1C0A-4C4E-9863-74EE11F820A9}"/>
+                <a16:creationId xmlns:a16="http://schemas.microsoft.com/office/drawing/2014/main" id="{9DED9E85-A2D1-1548-BD08-CC62BCE3E60D}"/>
               </a:ext>
             </a:extLst>
           </p:cNvPr>
@@ -8645,8 +9505,8 @@
         </p:nvSpPr>
         <p:spPr>
           <a:xfrm>
-            <a:off x="10654557" y="1025490"/>
-            <a:ext cx="1468159" cy="523220"/>
+            <a:off x="10720905" y="924365"/>
+            <a:ext cx="1334019" cy="738664"/>
           </a:xfrm>
           <a:prstGeom prst="rect">
             <a:avLst/>
@@ -8662,24 +9522,31 @@
             <a:pPr algn="ctr"/>
             <a:r>
               <a:rPr lang="en-US" sz="1400" dirty="0"/>
-              <a:t>Mathematical</a:t>
+              <a:t>Performing a</a:t>
             </a:r>
           </a:p>
           <a:p>
             <a:pPr algn="ctr"/>
             <a:r>
               <a:rPr lang="en-US" sz="1400" dirty="0"/>
-              <a:t>Transformations</a:t>
+              <a:t>Square root </a:t>
+            </a:r>
+          </a:p>
+          <a:p>
+            <a:pPr algn="ctr"/>
+            <a:r>
+              <a:rPr lang="en-US" sz="1400" dirty="0"/>
+              <a:t>transform in R</a:t>
             </a:r>
           </a:p>
         </p:txBody>
       </p:sp>
       <p:pic>
         <p:nvPicPr>
-          <p:cNvPr id="9" name="Picture 8" descr="A picture containing chart&#10;&#10;Description automatically generated">
+          <p:cNvPr id="8" name="Picture 7" descr="Text&#10;&#10;Description automatically generated">
             <a:extLst>
               <a:ext uri="{FF2B5EF4-FFF2-40B4-BE49-F238E27FC236}">
-                <a16:creationId xmlns:a16="http://schemas.microsoft.com/office/drawing/2014/main" id="{35EE78FE-9884-DC4B-99EB-5CF548D73F4F}"/>
+                <a16:creationId xmlns:a16="http://schemas.microsoft.com/office/drawing/2014/main" id="{2A6A2B27-B24C-9B45-AE61-1B189AC07B64}"/>
               </a:ext>
             </a:extLst>
           </p:cNvPr>
@@ -8696,8 +9563,8 @@
         </p:blipFill>
         <p:spPr>
           <a:xfrm>
-            <a:off x="5764108" y="2972378"/>
-            <a:ext cx="4530074" cy="2264641"/>
+            <a:off x="767512" y="2819280"/>
+            <a:ext cx="4468722" cy="1358856"/>
           </a:xfrm>
           <a:prstGeom prst="rect">
             <a:avLst/>
@@ -8706,10 +9573,10 @@
       </p:pic>
       <p:pic>
         <p:nvPicPr>
-          <p:cNvPr id="11" name="Picture 10" descr="A picture containing graphical user interface&#10;&#10;Description automatically generated">
+          <p:cNvPr id="10" name="Picture 9" descr="Chart, histogram&#10;&#10;Description automatically generated">
             <a:extLst>
               <a:ext uri="{FF2B5EF4-FFF2-40B4-BE49-F238E27FC236}">
-                <a16:creationId xmlns:a16="http://schemas.microsoft.com/office/drawing/2014/main" id="{3BC8BB06-5AE4-1145-BA31-B1DCEB2A0BA1}"/>
+                <a16:creationId xmlns:a16="http://schemas.microsoft.com/office/drawing/2014/main" id="{4AA4D896-9742-1544-BC72-A32F2629DC98}"/>
               </a:ext>
             </a:extLst>
           </p:cNvPr>
@@ -8726,8 +9593,8 @@
         </p:blipFill>
         <p:spPr>
           <a:xfrm>
-            <a:off x="680321" y="2972378"/>
-            <a:ext cx="4396570" cy="2190808"/>
+            <a:off x="767512" y="4395283"/>
+            <a:ext cx="6100900" cy="2338039"/>
           </a:xfrm>
           <a:prstGeom prst="rect">
             <a:avLst/>
@@ -8737,7 +9604,7 @@
     </p:spTree>
     <p:extLst>
       <p:ext uri="{BB962C8B-B14F-4D97-AF65-F5344CB8AC3E}">
-        <p14:creationId xmlns:p14="http://schemas.microsoft.com/office/powerpoint/2010/main" val="4052401024"/>
+        <p14:creationId xmlns:p14="http://schemas.microsoft.com/office/powerpoint/2010/main" val="2012663449"/>
       </p:ext>
     </p:extLst>
   </p:cSld>
@@ -8808,7 +9675,9 @@
           </a:xfrm>
         </p:spPr>
         <p:txBody>
-          <a:bodyPr/>
+          <a:bodyPr>
+            <a:normAutofit/>
+          </a:bodyPr>
           <a:lstStyle/>
           <a:p>
             <a:pPr marL="0" indent="0">
@@ -8816,90 +9685,109 @@
             </a:pPr>
             <a:r>
               <a:rPr lang="en-US" sz="1400" dirty="0"/>
-              <a:t>C. Log -&gt; log(𝑥)</a:t>
-            </a:r>
+              <a:t>B. Cube root -&gt; (𝑥)</a:t>
+            </a:r>
+            <a:r>
+              <a:rPr lang="en-US" sz="1400" baseline="30000" dirty="0"/>
+              <a:t>1/3</a:t>
+            </a:r>
+          </a:p>
+          <a:p>
+            <a:pPr marL="0" indent="0">
+              <a:buNone/>
+            </a:pPr>
+            <a:r>
+              <a:rPr lang="en-US" sz="1200" dirty="0"/>
+              <a:t>Used to make a time series with a cubic growth trend linear by transforming the data to its cube root.</a:t>
+            </a:r>
+            <a:endParaRPr lang="en-US" sz="1400" baseline="30000" dirty="0"/>
+          </a:p>
+          <a:p>
+            <a:pPr marL="0" indent="0">
+              <a:buNone/>
+            </a:pPr>
+            <a:endParaRPr lang="en-US" sz="1400" baseline="30000" dirty="0"/>
+          </a:p>
+          <a:p>
+            <a:pPr marL="0" indent="0">
+              <a:buNone/>
+            </a:pPr>
+            <a:endParaRPr lang="en-US" sz="1400" baseline="30000" dirty="0"/>
+          </a:p>
+          <a:p>
+            <a:pPr marL="0" indent="0">
+              <a:buNone/>
+            </a:pPr>
+            <a:endParaRPr lang="en-US" sz="1400" baseline="30000" dirty="0"/>
+          </a:p>
+          <a:p>
+            <a:pPr marL="0" indent="0">
+              <a:buNone/>
+            </a:pPr>
+            <a:endParaRPr lang="en-US" sz="1400" baseline="30000" dirty="0"/>
+          </a:p>
+          <a:p>
+            <a:pPr marL="0" indent="0">
+              <a:buNone/>
+            </a:pPr>
+            <a:endParaRPr lang="en-US" sz="1400" baseline="30000" dirty="0"/>
+          </a:p>
+          <a:p>
+            <a:pPr marL="0" indent="0">
+              <a:buNone/>
+            </a:pPr>
+            <a:endParaRPr lang="en-US" sz="1400" baseline="30000" dirty="0"/>
+          </a:p>
+          <a:p>
+            <a:pPr marL="0" indent="0">
+              <a:buNone/>
+            </a:pPr>
+            <a:endParaRPr lang="en-US" sz="1400" baseline="30000" dirty="0"/>
+          </a:p>
+          <a:p>
+            <a:pPr marL="0" indent="0">
+              <a:buNone/>
+            </a:pPr>
+            <a:endParaRPr lang="en-US" sz="1400" baseline="30000" dirty="0"/>
+          </a:p>
+          <a:p>
+            <a:pPr marL="0" indent="0">
+              <a:buNone/>
+            </a:pPr>
+            <a:endParaRPr lang="en-US" sz="1400" dirty="0"/>
+          </a:p>
+          <a:p>
+            <a:pPr marL="0" indent="0">
+              <a:buNone/>
+            </a:pPr>
+            <a:r>
+              <a:rPr lang="en-US" sz="1000" b="1" i="1" dirty="0"/>
+              <a:t>Before Cube Root transformation.			               After Cube Root transformation.</a:t>
+            </a:r>
+          </a:p>
+          <a:p>
+            <a:pPr marL="0" indent="0">
+              <a:buNone/>
+            </a:pPr>
+            <a:endParaRPr lang="en-US" sz="1400" dirty="0"/>
+          </a:p>
+          <a:p>
+            <a:pPr marL="0" indent="0">
+              <a:buNone/>
+            </a:pPr>
             <a:endParaRPr lang="en-US" sz="1200" dirty="0"/>
           </a:p>
           <a:p>
             <a:pPr marL="0" indent="0">
               <a:buNone/>
             </a:pPr>
-            <a:r>
-              <a:rPr lang="en-US" sz="1200" dirty="0"/>
-              <a:t>A log transform will transform skewed data to approximately conform to normality.</a:t>
-            </a:r>
+            <a:endParaRPr lang="en-US" sz="1200" dirty="0"/>
           </a:p>
           <a:p>
             <a:pPr marL="0" indent="0">
               <a:buNone/>
             </a:pPr>
             <a:endParaRPr lang="en-US" sz="1200" dirty="0"/>
-          </a:p>
-          <a:p>
-            <a:pPr marL="0" indent="0">
-              <a:buNone/>
-            </a:pPr>
-            <a:endParaRPr lang="en-US" sz="1200" dirty="0"/>
-          </a:p>
-          <a:p>
-            <a:pPr marL="0" indent="0">
-              <a:buNone/>
-            </a:pPr>
-            <a:endParaRPr lang="en-US" sz="1200" dirty="0"/>
-          </a:p>
-          <a:p>
-            <a:pPr marL="0" indent="0">
-              <a:buNone/>
-            </a:pPr>
-            <a:endParaRPr lang="en-US" sz="1200" dirty="0"/>
-          </a:p>
-          <a:p>
-            <a:pPr marL="0" indent="0">
-              <a:buNone/>
-            </a:pPr>
-            <a:endParaRPr lang="en-US" sz="1600" b="1" dirty="0"/>
-          </a:p>
-          <a:p>
-            <a:pPr marL="0" indent="0">
-              <a:buNone/>
-            </a:pPr>
-            <a:endParaRPr lang="en-US" sz="1600" b="1" dirty="0"/>
-          </a:p>
-          <a:p>
-            <a:pPr marL="0" indent="0">
-              <a:buNone/>
-            </a:pPr>
-            <a:endParaRPr lang="en-US" sz="1600" b="1" dirty="0"/>
-          </a:p>
-          <a:p>
-            <a:pPr marL="0" indent="0">
-              <a:buNone/>
-            </a:pPr>
-            <a:endParaRPr lang="en-US" sz="1600" b="1" dirty="0"/>
-          </a:p>
-          <a:p>
-            <a:pPr marL="0" indent="0">
-              <a:buNone/>
-            </a:pPr>
-            <a:endParaRPr lang="en-US" sz="1600" b="1" dirty="0"/>
-          </a:p>
-          <a:p>
-            <a:pPr marL="0" indent="0">
-              <a:buNone/>
-            </a:pPr>
-            <a:r>
-              <a:rPr lang="en-US" sz="1050" b="1" i="1" dirty="0"/>
-              <a:t>Before Logarithmic Transformation.</a:t>
-            </a:r>
-            <a:r>
-              <a:rPr lang="en-US" sz="1050" dirty="0"/>
-              <a:t>                       </a:t>
-            </a:r>
-            <a:r>
-              <a:rPr lang="en-US" sz="1050" b="1" i="1" dirty="0"/>
-              <a:t>After Logarithmic Transformation.</a:t>
-            </a:r>
-            <a:endParaRPr lang="en-US" sz="1050" dirty="0"/>
           </a:p>
           <a:p>
             <a:pPr marL="0" indent="0">
@@ -8918,7 +9806,7 @@
         <p:spPr>
           <a:xfrm>
             <a:off x="948488" y="1287100"/>
-            <a:ext cx="3443891" cy="369332"/>
+            <a:ext cx="4078361" cy="369332"/>
           </a:xfrm>
           <a:prstGeom prst="rect">
             <a:avLst/>
@@ -8933,7 +9821,7 @@
           <a:p>
             <a:r>
               <a:rPr lang="en-US" dirty="0"/>
-              <a:t>Transformation and Adjustment</a:t>
+              <a:t>Transformation and Adjustment Types</a:t>
             </a:r>
           </a:p>
         </p:txBody>
@@ -8969,7 +9857,7 @@
             <a:pPr algn="ctr"/>
             <a:r>
               <a:rPr lang="en-US" sz="1400" dirty="0"/>
-              <a:t>Mathematical</a:t>
+              <a:t>Cube Root</a:t>
             </a:r>
           </a:p>
           <a:p>
@@ -8983,10 +9871,10 @@
       </p:sp>
       <p:pic>
         <p:nvPicPr>
-          <p:cNvPr id="7" name="Picture 6" descr="Chart, histogram&#10;&#10;Description automatically generated">
+          <p:cNvPr id="9" name="Picture 8" descr="A picture containing chart&#10;&#10;Description automatically generated">
             <a:extLst>
               <a:ext uri="{FF2B5EF4-FFF2-40B4-BE49-F238E27FC236}">
-                <a16:creationId xmlns:a16="http://schemas.microsoft.com/office/drawing/2014/main" id="{A1C5E6CC-0287-C642-8BC1-95A337424022}"/>
+                <a16:creationId xmlns:a16="http://schemas.microsoft.com/office/drawing/2014/main" id="{35EE78FE-9884-DC4B-99EB-5CF548D73F4F}"/>
               </a:ext>
             </a:extLst>
           </p:cNvPr>
@@ -9003,8 +9891,38 @@
         </p:blipFill>
         <p:spPr>
           <a:xfrm>
-            <a:off x="756665" y="3041392"/>
-            <a:ext cx="6277303" cy="2615544"/>
+            <a:off x="5764108" y="2972378"/>
+            <a:ext cx="4530074" cy="2264641"/>
+          </a:xfrm>
+          <a:prstGeom prst="rect">
+            <a:avLst/>
+          </a:prstGeom>
+        </p:spPr>
+      </p:pic>
+      <p:pic>
+        <p:nvPicPr>
+          <p:cNvPr id="11" name="Picture 10" descr="A picture containing graphical user interface&#10;&#10;Description automatically generated">
+            <a:extLst>
+              <a:ext uri="{FF2B5EF4-FFF2-40B4-BE49-F238E27FC236}">
+                <a16:creationId xmlns:a16="http://schemas.microsoft.com/office/drawing/2014/main" id="{3BC8BB06-5AE4-1145-BA31-B1DCEB2A0BA1}"/>
+              </a:ext>
+            </a:extLst>
+          </p:cNvPr>
+          <p:cNvPicPr>
+            <a:picLocks noChangeAspect="1"/>
+          </p:cNvPicPr>
+          <p:nvPr/>
+        </p:nvPicPr>
+        <p:blipFill>
+          <a:blip r:embed="rId3"/>
+          <a:stretch>
+            <a:fillRect/>
+          </a:stretch>
+        </p:blipFill>
+        <p:spPr>
+          <a:xfrm>
+            <a:off x="680321" y="2972378"/>
+            <a:ext cx="4396570" cy="2190808"/>
           </a:xfrm>
           <a:prstGeom prst="rect">
             <a:avLst/>
@@ -9014,7 +9932,7 @@
     </p:spTree>
     <p:extLst>
       <p:ext uri="{BB962C8B-B14F-4D97-AF65-F5344CB8AC3E}">
-        <p14:creationId xmlns:p14="http://schemas.microsoft.com/office/powerpoint/2010/main" val="2941228201"/>
+        <p14:creationId xmlns:p14="http://schemas.microsoft.com/office/powerpoint/2010/main" val="4052401024"/>
       </p:ext>
     </p:extLst>
   </p:cSld>
@@ -9051,12 +9969,7 @@
             <p:ph type="title"/>
           </p:nvPr>
         </p:nvSpPr>
-        <p:spPr>
-          <a:xfrm>
-            <a:off x="680321" y="753229"/>
-            <a:ext cx="9613861" cy="592096"/>
-          </a:xfrm>
-        </p:spPr>
+        <p:spPr/>
         <p:txBody>
           <a:bodyPr/>
           <a:lstStyle/>
@@ -9065,6 +9978,10 @@
               <a:rPr lang="en-US" dirty="0"/>
               <a:t>Time Series Decomposition</a:t>
             </a:r>
+            <a:br>
+              <a:rPr lang="en-US" dirty="0"/>
+            </a:br>
+            <a:endParaRPr lang="en-US" dirty="0"/>
           </a:p>
         </p:txBody>
       </p:sp>
@@ -9078,138 +9995,39 @@
             <p:ph idx="1"/>
           </p:nvPr>
         </p:nvSpPr>
-        <p:spPr>
-          <a:xfrm>
-            <a:off x="680321" y="2336872"/>
-            <a:ext cx="9613861" cy="4250539"/>
-          </a:xfrm>
-        </p:spPr>
-        <p:txBody>
-          <a:bodyPr>
-            <a:normAutofit/>
-          </a:bodyPr>
+        <p:spPr/>
+        <p:txBody>
+          <a:bodyPr/>
           <a:lstStyle/>
           <a:p>
             <a:pPr marL="0" indent="0">
               <a:buNone/>
             </a:pPr>
             <a:r>
-              <a:rPr lang="en-US" sz="1400" dirty="0"/>
-              <a:t>D. Box Cox</a:t>
-            </a:r>
-            <a:endParaRPr lang="en-US" sz="1400" baseline="30000" dirty="0"/>
+              <a:rPr lang="en-US" sz="1600" b="1" dirty="0"/>
+              <a:t>Performing a Cube Root Transform In R</a:t>
+            </a:r>
           </a:p>
           <a:p>
             <a:pPr marL="0" indent="0">
               <a:buNone/>
             </a:pPr>
-            <a:r>
-              <a:rPr lang="en-US" sz="1200" dirty="0"/>
-              <a:t>Used to identify the ideal Lambda needed to normalize the time series. The Lambda value indicates the power to which all data should be raised.</a:t>
-            </a:r>
+            <a:endParaRPr lang="en-US" sz="1000" dirty="0"/>
           </a:p>
           <a:p>
             <a:pPr marL="0" indent="0">
               <a:buNone/>
             </a:pPr>
-            <a:r>
-              <a:rPr lang="en-US" sz="1200" dirty="0"/>
-              <a:t> </a:t>
-            </a:r>
-            <a:endParaRPr lang="en-US" sz="1400" baseline="30000" dirty="0"/>
+            <a:endParaRPr lang="en-US" sz="1200" dirty="0"/>
+          </a:p>
+          <a:p>
+            <a:endParaRPr lang="en-US" dirty="0"/>
           </a:p>
           <a:p>
             <a:pPr marL="0" indent="0">
               <a:buNone/>
             </a:pPr>
-            <a:endParaRPr lang="en-US" sz="1400" baseline="30000" dirty="0"/>
-          </a:p>
-          <a:p>
-            <a:pPr marL="0" indent="0">
-              <a:buNone/>
-            </a:pPr>
-            <a:endParaRPr lang="en-US" sz="1400" baseline="30000" dirty="0"/>
-          </a:p>
-          <a:p>
-            <a:pPr marL="0" indent="0">
-              <a:buNone/>
-            </a:pPr>
-            <a:endParaRPr lang="en-US" sz="1400" baseline="30000" dirty="0"/>
-          </a:p>
-          <a:p>
-            <a:pPr marL="0" indent="0">
-              <a:buNone/>
-            </a:pPr>
-            <a:endParaRPr lang="en-US" sz="1400" baseline="30000" dirty="0"/>
-          </a:p>
-          <a:p>
-            <a:pPr marL="0" indent="0">
-              <a:buNone/>
-            </a:pPr>
-            <a:endParaRPr lang="en-US" sz="1400" baseline="30000" dirty="0"/>
-          </a:p>
-          <a:p>
-            <a:pPr marL="0" indent="0">
-              <a:buNone/>
-            </a:pPr>
-            <a:endParaRPr lang="en-US" sz="1400" baseline="30000" dirty="0"/>
-          </a:p>
-          <a:p>
-            <a:pPr marL="0" indent="0">
-              <a:buNone/>
-            </a:pPr>
-            <a:endParaRPr lang="en-US" sz="1400" baseline="30000" dirty="0"/>
-          </a:p>
-          <a:p>
-            <a:pPr marL="0" indent="0">
-              <a:buNone/>
-            </a:pPr>
-            <a:endParaRPr lang="en-US" sz="1400" baseline="30000" dirty="0"/>
-          </a:p>
-          <a:p>
-            <a:pPr marL="0" indent="0">
-              <a:buNone/>
-            </a:pPr>
-            <a:endParaRPr lang="en-US" sz="1400" dirty="0"/>
-          </a:p>
-          <a:p>
-            <a:pPr marL="0" indent="0">
-              <a:buNone/>
-            </a:pPr>
-            <a:r>
-              <a:rPr lang="en-US" sz="1000" b="1" i="1" dirty="0"/>
-              <a:t>Manual Log transformation with Lambda set to 0 .                                           Box Cox transformation with selected ideal Lambda value of -0.152542.</a:t>
-            </a:r>
-          </a:p>
-          <a:p>
-            <a:pPr marL="0" indent="0">
-              <a:buNone/>
-            </a:pPr>
-            <a:endParaRPr lang="en-US" sz="1400" dirty="0"/>
-          </a:p>
-          <a:p>
-            <a:pPr marL="0" indent="0">
-              <a:buNone/>
-            </a:pPr>
-            <a:endParaRPr lang="en-US" sz="1200" dirty="0"/>
-          </a:p>
-          <a:p>
-            <a:pPr marL="0" indent="0">
-              <a:buNone/>
-            </a:pPr>
-            <a:endParaRPr lang="en-US" sz="1200" dirty="0"/>
-          </a:p>
-          <a:p>
-            <a:pPr marL="0" indent="0">
-              <a:buNone/>
-            </a:pPr>
-            <a:endParaRPr lang="en-US" sz="1200" dirty="0"/>
-          </a:p>
-          <a:p>
-            <a:pPr marL="0" indent="0">
-              <a:buNone/>
-            </a:pPr>
-            <a:endParaRPr lang="en-US" sz="1200" dirty="0"/>
+            <a:endParaRPr lang="en-US" dirty="0"/>
           </a:p>
         </p:txBody>
       </p:sp>
@@ -9221,8 +10039,8 @@
         </p:nvSpPr>
         <p:spPr>
           <a:xfrm>
-            <a:off x="948488" y="1287100"/>
-            <a:ext cx="3443891" cy="369332"/>
+            <a:off x="998484" y="1293697"/>
+            <a:ext cx="8923282" cy="369332"/>
           </a:xfrm>
           <a:prstGeom prst="rect">
             <a:avLst/>
@@ -9230,14 +10048,14 @@
           <a:noFill/>
         </p:spPr>
         <p:txBody>
-          <a:bodyPr wrap="none" rtlCol="0">
+          <a:bodyPr wrap="square" rtlCol="0">
             <a:spAutoFit/>
           </a:bodyPr>
           <a:lstStyle/>
           <a:p>
             <a:r>
               <a:rPr lang="en-US" dirty="0"/>
-              <a:t>Transformation and Adjustment</a:t>
+              <a:t>Transformations and Adjustments</a:t>
             </a:r>
           </a:p>
         </p:txBody>
@@ -9247,7 +10065,7 @@
           <p:cNvPr id="5" name="TextBox 4">
             <a:extLst>
               <a:ext uri="{FF2B5EF4-FFF2-40B4-BE49-F238E27FC236}">
-                <a16:creationId xmlns:a16="http://schemas.microsoft.com/office/drawing/2014/main" id="{8EE40ED9-1C0A-4C4E-9863-74EE11F820A9}"/>
+                <a16:creationId xmlns:a16="http://schemas.microsoft.com/office/drawing/2014/main" id="{9DED9E85-A2D1-1548-BD08-CC62BCE3E60D}"/>
               </a:ext>
             </a:extLst>
           </p:cNvPr>
@@ -9256,8 +10074,8 @@
         </p:nvSpPr>
         <p:spPr>
           <a:xfrm>
-            <a:off x="10654557" y="1025490"/>
-            <a:ext cx="1468159" cy="523220"/>
+            <a:off x="10720905" y="924365"/>
+            <a:ext cx="1334019" cy="738664"/>
           </a:xfrm>
           <a:prstGeom prst="rect">
             <a:avLst/>
@@ -9273,24 +10091,31 @@
             <a:pPr algn="ctr"/>
             <a:r>
               <a:rPr lang="en-US" sz="1400" dirty="0"/>
-              <a:t>Mathematical</a:t>
+              <a:t>Performing a</a:t>
             </a:r>
           </a:p>
           <a:p>
             <a:pPr algn="ctr"/>
             <a:r>
               <a:rPr lang="en-US" sz="1400" dirty="0"/>
-              <a:t>Transformations</a:t>
+              <a:t>Cube root </a:t>
+            </a:r>
+          </a:p>
+          <a:p>
+            <a:pPr algn="ctr"/>
+            <a:r>
+              <a:rPr lang="en-US" sz="1400" dirty="0"/>
+              <a:t>transform in R</a:t>
             </a:r>
           </a:p>
         </p:txBody>
       </p:sp>
       <p:pic>
         <p:nvPicPr>
-          <p:cNvPr id="7" name="Picture 6" descr="Graphical user interface&#10;&#10;Description automatically generated with medium confidence">
+          <p:cNvPr id="11" name="Picture 10" descr="Chart, histogram, box and whisker chart&#10;&#10;Description automatically generated">
             <a:extLst>
               <a:ext uri="{FF2B5EF4-FFF2-40B4-BE49-F238E27FC236}">
-                <a16:creationId xmlns:a16="http://schemas.microsoft.com/office/drawing/2014/main" id="{ADCAC83A-83BA-6A44-A2D6-84C08EEA9B50}"/>
+                <a16:creationId xmlns:a16="http://schemas.microsoft.com/office/drawing/2014/main" id="{DD631C9D-288B-E44B-81F1-2E6DAED29F8D}"/>
               </a:ext>
             </a:extLst>
           </p:cNvPr>
@@ -9307,8 +10132,8 @@
         </p:blipFill>
         <p:spPr>
           <a:xfrm>
-            <a:off x="680321" y="3283350"/>
-            <a:ext cx="3841164" cy="2357581"/>
+            <a:off x="5639842" y="2740554"/>
+            <a:ext cx="6415082" cy="2892495"/>
           </a:xfrm>
           <a:prstGeom prst="rect">
             <a:avLst/>
@@ -9317,10 +10142,10 @@
       </p:pic>
       <p:pic>
         <p:nvPicPr>
-          <p:cNvPr id="10" name="Picture 9" descr="Chart, histogram&#10;&#10;Description automatically generated">
+          <p:cNvPr id="15" name="Picture 14" descr="Text&#10;&#10;Description automatically generated">
             <a:extLst>
               <a:ext uri="{FF2B5EF4-FFF2-40B4-BE49-F238E27FC236}">
-                <a16:creationId xmlns:a16="http://schemas.microsoft.com/office/drawing/2014/main" id="{0E23DAE9-0BAC-1741-84BF-3888CE7F21CF}"/>
+                <a16:creationId xmlns:a16="http://schemas.microsoft.com/office/drawing/2014/main" id="{421CB7AA-7DF4-A743-9317-04C3008E4208}"/>
               </a:ext>
             </a:extLst>
           </p:cNvPr>
@@ -9337,8 +10162,8 @@
         </p:blipFill>
         <p:spPr>
           <a:xfrm>
-            <a:off x="5234440" y="3283350"/>
-            <a:ext cx="4020395" cy="2357581"/>
+            <a:off x="740706" y="2740554"/>
+            <a:ext cx="4653910" cy="1469137"/>
           </a:xfrm>
           <a:prstGeom prst="rect">
             <a:avLst/>
@@ -9348,7 +10173,7 @@
     </p:spTree>
     <p:extLst>
       <p:ext uri="{BB962C8B-B14F-4D97-AF65-F5344CB8AC3E}">
-        <p14:creationId xmlns:p14="http://schemas.microsoft.com/office/powerpoint/2010/main" val="2391501962"/>
+        <p14:creationId xmlns:p14="http://schemas.microsoft.com/office/powerpoint/2010/main" val="2265244409"/>
       </p:ext>
     </p:extLst>
   </p:cSld>
@@ -9385,7 +10210,12 @@
             <p:ph type="title"/>
           </p:nvPr>
         </p:nvSpPr>
-        <p:spPr/>
+        <p:spPr>
+          <a:xfrm>
+            <a:off x="680321" y="753229"/>
+            <a:ext cx="9613861" cy="592096"/>
+          </a:xfrm>
+        </p:spPr>
         <p:txBody>
           <a:bodyPr/>
           <a:lstStyle/>
@@ -9394,10 +10224,6 @@
               <a:rPr lang="en-US" dirty="0"/>
               <a:t>Time Series Decomposition</a:t>
             </a:r>
-            <a:br>
-              <a:rPr lang="en-US" dirty="0"/>
-            </a:br>
-            <a:endParaRPr lang="en-US" dirty="0"/>
           </a:p>
         </p:txBody>
       </p:sp>
@@ -9411,7 +10237,12 @@
             <p:ph idx="1"/>
           </p:nvPr>
         </p:nvSpPr>
-        <p:spPr/>
+        <p:spPr>
+          <a:xfrm>
+            <a:off x="680321" y="2336872"/>
+            <a:ext cx="9613861" cy="4250539"/>
+          </a:xfrm>
+        </p:spPr>
         <p:txBody>
           <a:bodyPr/>
           <a:lstStyle/>
@@ -9420,9 +10251,10 @@
               <a:buNone/>
             </a:pPr>
             <a:r>
-              <a:rPr lang="en-US" sz="1600" b="1" dirty="0"/>
-              <a:t>Performing a Box Cox Adjustment In R Using The Forecast Package</a:t>
-            </a:r>
+              <a:rPr lang="en-US" sz="1400" dirty="0"/>
+              <a:t>C. Log -&gt; log(𝑥)</a:t>
+            </a:r>
+            <a:endParaRPr lang="en-US" sz="1200" dirty="0"/>
           </a:p>
           <a:p>
             <a:pPr marL="0" indent="0">
@@ -9430,52 +10262,26 @@
             </a:pPr>
             <a:r>
               <a:rPr lang="en-US" sz="1200" dirty="0"/>
-              <a:t>The forecast package provides the </a:t>
-            </a:r>
-            <a:r>
-              <a:rPr lang="en-US" sz="1200" b="1" i="1" dirty="0" err="1"/>
-              <a:t>BoxCox</a:t>
-            </a:r>
-            <a:r>
-              <a:rPr lang="en-US" sz="1200" b="1" i="1" dirty="0"/>
-              <a:t>()  </a:t>
-            </a:r>
-            <a:r>
-              <a:rPr lang="en-US" sz="1200" dirty="0"/>
-              <a:t>function for performing Box Cox transformations. </a:t>
+              <a:t>A log transform will transform skewed data to approximately conform to normality.</a:t>
             </a:r>
           </a:p>
           <a:p>
             <a:pPr marL="0" indent="0">
               <a:buNone/>
             </a:pPr>
-            <a:r>
-              <a:rPr lang="en-US" sz="1200" dirty="0"/>
-              <a:t>Lambda value can be defined, or if undefined, the function will provide the optimal lambda value. </a:t>
-            </a:r>
+            <a:endParaRPr lang="en-US" sz="1200" dirty="0"/>
           </a:p>
           <a:p>
             <a:pPr marL="0" indent="0">
               <a:buNone/>
             </a:pPr>
-            <a:r>
-              <a:rPr lang="en-US" sz="1000" b="1" i="1" dirty="0"/>
-              <a:t>Defining a lambda value of 0.5 generates the following plot</a:t>
-            </a:r>
-            <a:r>
-              <a:rPr lang="en-US" sz="1200" b="1" i="1" dirty="0"/>
-              <a:t>:                             </a:t>
-            </a:r>
-            <a:r>
-              <a:rPr lang="en-US" sz="1000" b="1" i="1" dirty="0"/>
-              <a:t>Allowing the function to select the optimal lambda value (0.055) produces: </a:t>
-            </a:r>
+            <a:endParaRPr lang="en-US" sz="1200" dirty="0"/>
           </a:p>
           <a:p>
             <a:pPr marL="0" indent="0">
               <a:buNone/>
             </a:pPr>
-            <a:endParaRPr lang="en-US" sz="1000" dirty="0"/>
+            <a:endParaRPr lang="en-US" sz="1200" dirty="0"/>
           </a:p>
           <a:p>
             <a:pPr marL="0" indent="0">
@@ -9484,13 +10290,58 @@
             <a:endParaRPr lang="en-US" sz="1200" dirty="0"/>
           </a:p>
           <a:p>
-            <a:endParaRPr lang="en-US" dirty="0"/>
-          </a:p>
-          <a:p>
             <a:pPr marL="0" indent="0">
               <a:buNone/>
             </a:pPr>
-            <a:endParaRPr lang="en-US" dirty="0"/>
+            <a:endParaRPr lang="en-US" sz="1600" b="1" dirty="0"/>
+          </a:p>
+          <a:p>
+            <a:pPr marL="0" indent="0">
+              <a:buNone/>
+            </a:pPr>
+            <a:endParaRPr lang="en-US" sz="1600" b="1" dirty="0"/>
+          </a:p>
+          <a:p>
+            <a:pPr marL="0" indent="0">
+              <a:buNone/>
+            </a:pPr>
+            <a:endParaRPr lang="en-US" sz="1600" b="1" dirty="0"/>
+          </a:p>
+          <a:p>
+            <a:pPr marL="0" indent="0">
+              <a:buNone/>
+            </a:pPr>
+            <a:endParaRPr lang="en-US" sz="1600" b="1" dirty="0"/>
+          </a:p>
+          <a:p>
+            <a:pPr marL="0" indent="0">
+              <a:buNone/>
+            </a:pPr>
+            <a:endParaRPr lang="en-US" sz="1600" b="1" dirty="0"/>
+          </a:p>
+          <a:p>
+            <a:pPr marL="0" indent="0">
+              <a:buNone/>
+            </a:pPr>
+            <a:r>
+              <a:rPr lang="en-US" sz="1050" b="1" i="1" dirty="0"/>
+              <a:t>Before Logarithmic Transformation.</a:t>
+            </a:r>
+            <a:r>
+              <a:rPr lang="en-US" sz="1050" dirty="0"/>
+              <a:t>                       </a:t>
+            </a:r>
+            <a:r>
+              <a:rPr lang="en-US" sz="1050" b="1" i="1" dirty="0"/>
+              <a:t>After Logarithmic Transformation.</a:t>
+            </a:r>
+            <a:endParaRPr lang="en-US" sz="1050" dirty="0"/>
+          </a:p>
+          <a:p>
+            <a:pPr marL="0" indent="0">
+              <a:buNone/>
+            </a:pPr>
+            <a:endParaRPr lang="en-US" sz="1200" dirty="0"/>
           </a:p>
         </p:txBody>
       </p:sp>
@@ -9502,8 +10353,8 @@
         </p:nvSpPr>
         <p:spPr>
           <a:xfrm>
-            <a:off x="998484" y="1293697"/>
-            <a:ext cx="8923282" cy="369332"/>
+            <a:off x="948488" y="1287100"/>
+            <a:ext cx="3443891" cy="369332"/>
           </a:xfrm>
           <a:prstGeom prst="rect">
             <a:avLst/>
@@ -9511,14 +10362,14 @@
           <a:noFill/>
         </p:spPr>
         <p:txBody>
-          <a:bodyPr wrap="square" rtlCol="0">
+          <a:bodyPr wrap="none" rtlCol="0">
             <a:spAutoFit/>
           </a:bodyPr>
           <a:lstStyle/>
           <a:p>
             <a:r>
               <a:rPr lang="en-US" dirty="0"/>
-              <a:t>Transformations and Adjustments</a:t>
+              <a:t>Transformation and Adjustment</a:t>
             </a:r>
           </a:p>
         </p:txBody>
@@ -9528,7 +10379,7 @@
           <p:cNvPr id="5" name="TextBox 4">
             <a:extLst>
               <a:ext uri="{FF2B5EF4-FFF2-40B4-BE49-F238E27FC236}">
-                <a16:creationId xmlns:a16="http://schemas.microsoft.com/office/drawing/2014/main" id="{9DED9E85-A2D1-1548-BD08-CC62BCE3E60D}"/>
+                <a16:creationId xmlns:a16="http://schemas.microsoft.com/office/drawing/2014/main" id="{8EE40ED9-1C0A-4C4E-9863-74EE11F820A9}"/>
               </a:ext>
             </a:extLst>
           </p:cNvPr>
@@ -9537,8 +10388,8 @@
         </p:nvSpPr>
         <p:spPr>
           <a:xfrm>
-            <a:off x="10720904" y="924365"/>
-            <a:ext cx="1334020" cy="738664"/>
+            <a:off x="10654557" y="1025490"/>
+            <a:ext cx="1468159" cy="523220"/>
           </a:xfrm>
           <a:prstGeom prst="rect">
             <a:avLst/>
@@ -9554,31 +10405,24 @@
             <a:pPr algn="ctr"/>
             <a:r>
               <a:rPr lang="en-US" sz="1400" dirty="0"/>
-              <a:t>Performing a</a:t>
+              <a:t>Log</a:t>
             </a:r>
           </a:p>
           <a:p>
             <a:pPr algn="ctr"/>
             <a:r>
               <a:rPr lang="en-US" sz="1400" dirty="0"/>
-              <a:t>Box Cox </a:t>
-            </a:r>
-          </a:p>
-          <a:p>
-            <a:pPr algn="ctr"/>
-            <a:r>
-              <a:rPr lang="en-US" sz="1400" dirty="0"/>
-              <a:t>transform in R</a:t>
+              <a:t>Transformations</a:t>
             </a:r>
           </a:p>
         </p:txBody>
       </p:sp>
       <p:pic>
         <p:nvPicPr>
-          <p:cNvPr id="7" name="Picture 6" descr="Chart, scatter chart&#10;&#10;Description automatically generated">
+          <p:cNvPr id="7" name="Picture 6" descr="Chart, histogram&#10;&#10;Description automatically generated">
             <a:extLst>
               <a:ext uri="{FF2B5EF4-FFF2-40B4-BE49-F238E27FC236}">
-                <a16:creationId xmlns:a16="http://schemas.microsoft.com/office/drawing/2014/main" id="{1D05688D-6D74-D648-AC5E-66DCE5261349}"/>
+                <a16:creationId xmlns:a16="http://schemas.microsoft.com/office/drawing/2014/main" id="{A1C5E6CC-0287-C642-8BC1-95A337424022}"/>
               </a:ext>
             </a:extLst>
           </p:cNvPr>
@@ -9595,98 +10439,8 @@
         </p:blipFill>
         <p:spPr>
           <a:xfrm>
-            <a:off x="764875" y="4136531"/>
-            <a:ext cx="3677440" cy="2626743"/>
-          </a:xfrm>
-          <a:prstGeom prst="rect">
-            <a:avLst/>
-          </a:prstGeom>
-        </p:spPr>
-      </p:pic>
-      <p:pic>
-        <p:nvPicPr>
-          <p:cNvPr id="11" name="Picture 10">
-            <a:extLst>
-              <a:ext uri="{FF2B5EF4-FFF2-40B4-BE49-F238E27FC236}">
-                <a16:creationId xmlns:a16="http://schemas.microsoft.com/office/drawing/2014/main" id="{94E55329-AFA9-294E-B02E-89F8456060FE}"/>
-              </a:ext>
-            </a:extLst>
-          </p:cNvPr>
-          <p:cNvPicPr>
-            <a:picLocks noChangeAspect="1"/>
-          </p:cNvPicPr>
-          <p:nvPr/>
-        </p:nvPicPr>
-        <p:blipFill>
-          <a:blip r:embed="rId3"/>
-          <a:stretch>
-            <a:fillRect/>
-          </a:stretch>
-        </p:blipFill>
-        <p:spPr>
-          <a:xfrm>
-            <a:off x="765726" y="3638137"/>
-            <a:ext cx="3676589" cy="226418"/>
-          </a:xfrm>
-          <a:prstGeom prst="rect">
-            <a:avLst/>
-          </a:prstGeom>
-        </p:spPr>
-      </p:pic>
-      <p:pic>
-        <p:nvPicPr>
-          <p:cNvPr id="13" name="Picture 12">
-            <a:extLst>
-              <a:ext uri="{FF2B5EF4-FFF2-40B4-BE49-F238E27FC236}">
-                <a16:creationId xmlns:a16="http://schemas.microsoft.com/office/drawing/2014/main" id="{22273CC5-D815-1549-8DE1-9C0F93D63668}"/>
-              </a:ext>
-            </a:extLst>
-          </p:cNvPr>
-          <p:cNvPicPr>
-            <a:picLocks noChangeAspect="1"/>
-          </p:cNvPicPr>
-          <p:nvPr/>
-        </p:nvPicPr>
-        <p:blipFill>
-          <a:blip r:embed="rId4"/>
-          <a:stretch>
-            <a:fillRect/>
-          </a:stretch>
-        </p:blipFill>
-        <p:spPr>
-          <a:xfrm>
-            <a:off x="5684082" y="3642450"/>
-            <a:ext cx="3676589" cy="415262"/>
-          </a:xfrm>
-          <a:prstGeom prst="rect">
-            <a:avLst/>
-          </a:prstGeom>
-        </p:spPr>
-      </p:pic>
-      <p:pic>
-        <p:nvPicPr>
-          <p:cNvPr id="17" name="Picture 16" descr="Chart, scatter chart&#10;&#10;Description automatically generated">
-            <a:extLst>
-              <a:ext uri="{FF2B5EF4-FFF2-40B4-BE49-F238E27FC236}">
-                <a16:creationId xmlns:a16="http://schemas.microsoft.com/office/drawing/2014/main" id="{C10174EB-1616-944A-80A7-6B9396D577E6}"/>
-              </a:ext>
-            </a:extLst>
-          </p:cNvPr>
-          <p:cNvPicPr>
-            <a:picLocks noChangeAspect="1"/>
-          </p:cNvPicPr>
-          <p:nvPr/>
-        </p:nvPicPr>
-        <p:blipFill>
-          <a:blip r:embed="rId5"/>
-          <a:stretch>
-            <a:fillRect/>
-          </a:stretch>
-        </p:blipFill>
-        <p:spPr>
-          <a:xfrm>
-            <a:off x="5684082" y="4137139"/>
-            <a:ext cx="3676589" cy="2626135"/>
+            <a:off x="756665" y="3041392"/>
+            <a:ext cx="6277303" cy="2615544"/>
           </a:xfrm>
           <a:prstGeom prst="rect">
             <a:avLst/>
@@ -9696,7 +10450,7 @@
     </p:spTree>
     <p:extLst>
       <p:ext uri="{BB962C8B-B14F-4D97-AF65-F5344CB8AC3E}">
-        <p14:creationId xmlns:p14="http://schemas.microsoft.com/office/powerpoint/2010/main" val="1700139605"/>
+        <p14:creationId xmlns:p14="http://schemas.microsoft.com/office/powerpoint/2010/main" val="2941228201"/>
       </p:ext>
     </p:extLst>
   </p:cSld>
@@ -9733,12 +10487,7 @@
             <p:ph type="title"/>
           </p:nvPr>
         </p:nvSpPr>
-        <p:spPr>
-          <a:xfrm>
-            <a:off x="680321" y="753229"/>
-            <a:ext cx="9613861" cy="592096"/>
-          </a:xfrm>
-        </p:spPr>
+        <p:spPr/>
         <p:txBody>
           <a:bodyPr/>
           <a:lstStyle/>
@@ -9747,6 +10496,10 @@
               <a:rPr lang="en-US" dirty="0"/>
               <a:t>Time Series Decomposition</a:t>
             </a:r>
+            <a:br>
+              <a:rPr lang="en-US" dirty="0"/>
+            </a:br>
+            <a:endParaRPr lang="en-US" dirty="0"/>
           </a:p>
         </p:txBody>
       </p:sp>
@@ -9760,12 +10513,7 @@
             <p:ph idx="1"/>
           </p:nvPr>
         </p:nvSpPr>
-        <p:spPr>
-          <a:xfrm>
-            <a:off x="680321" y="2336872"/>
-            <a:ext cx="9613861" cy="4250539"/>
-          </a:xfrm>
-        </p:spPr>
+        <p:spPr/>
         <p:txBody>
           <a:bodyPr/>
           <a:lstStyle/>
@@ -9774,109 +10522,30 @@
               <a:buNone/>
             </a:pPr>
             <a:r>
-              <a:rPr lang="en-US" b="1" dirty="0"/>
-              <a:t>Seasonal Adjustments</a:t>
+              <a:rPr lang="en-US" sz="1600" b="1" dirty="0"/>
+              <a:t>Performing a Log Transform In R</a:t>
             </a:r>
           </a:p>
           <a:p>
             <a:pPr marL="0" indent="0">
               <a:buNone/>
             </a:pPr>
-            <a:r>
-              <a:rPr lang="en-US" sz="1200" dirty="0"/>
-              <a:t>Used to remove seasonal variations (</a:t>
-            </a:r>
-            <a:r>
-              <a:rPr lang="en-US" sz="1200" i="1" dirty="0"/>
-              <a:t>cycles that repeat regularly over time</a:t>
-            </a:r>
-            <a:r>
-              <a:rPr lang="en-US" sz="1200" dirty="0"/>
-              <a:t>) from a time series.</a:t>
-            </a:r>
+            <a:endParaRPr lang="en-US" sz="1000" dirty="0"/>
           </a:p>
           <a:p>
             <a:pPr marL="0" indent="0">
               <a:buNone/>
             </a:pPr>
-            <a:r>
-              <a:rPr lang="en-US" sz="1200" dirty="0"/>
-              <a:t>Depending on the type of time series, seasonal variations may include:</a:t>
-            </a:r>
-          </a:p>
-          <a:p>
-            <a:r>
-              <a:rPr lang="en-US" sz="1200" dirty="0"/>
-              <a:t>Seasons (</a:t>
-            </a:r>
-            <a:r>
-              <a:rPr lang="en-US" sz="1200" i="1" dirty="0"/>
-              <a:t>summer, winter, etc</a:t>
-            </a:r>
-            <a:r>
-              <a:rPr lang="en-US" sz="1200" dirty="0"/>
-              <a:t>.)</a:t>
-            </a:r>
-          </a:p>
-          <a:p>
-            <a:r>
-              <a:rPr lang="en-US" sz="1200" dirty="0"/>
-              <a:t>Holidays such as Christmas, Thanksgiving, etc. (</a:t>
-            </a:r>
-            <a:r>
-              <a:rPr lang="en-US" sz="1200" i="1" dirty="0"/>
-              <a:t>retail based time series</a:t>
-            </a:r>
-            <a:r>
-              <a:rPr lang="en-US" sz="1200" dirty="0"/>
-              <a:t>)</a:t>
-            </a:r>
-          </a:p>
-          <a:p>
-            <a:r>
-              <a:rPr lang="en-US" sz="1200" dirty="0"/>
-              <a:t>University graduations (</a:t>
-            </a:r>
-            <a:r>
-              <a:rPr lang="en-US" sz="1200" i="1" dirty="0"/>
-              <a:t>job market based time series</a:t>
-            </a:r>
-            <a:r>
-              <a:rPr lang="en-US" sz="1200" dirty="0"/>
-              <a:t>)</a:t>
-            </a:r>
-          </a:p>
-          <a:p>
-            <a:r>
-              <a:rPr lang="en-US" sz="1200" dirty="0"/>
-              <a:t>Animal migration and hibernation (</a:t>
-            </a:r>
-            <a:r>
-              <a:rPr lang="en-US" sz="1200" i="1" dirty="0"/>
-              <a:t>wildlife based time series</a:t>
-            </a:r>
-            <a:r>
-              <a:rPr lang="en-US" sz="1200" dirty="0"/>
-              <a:t>)</a:t>
-            </a:r>
+            <a:endParaRPr lang="en-US" sz="1200" dirty="0"/>
+          </a:p>
+          <a:p>
+            <a:endParaRPr lang="en-US" dirty="0"/>
           </a:p>
           <a:p>
             <a:pPr marL="0" indent="0">
               <a:buNone/>
             </a:pPr>
-            <a:endParaRPr lang="en-US" sz="1200" dirty="0"/>
-          </a:p>
-          <a:p>
-            <a:pPr marL="0" indent="0">
-              <a:buNone/>
-            </a:pPr>
-            <a:endParaRPr lang="en-US" sz="1200" dirty="0"/>
-          </a:p>
-          <a:p>
-            <a:pPr marL="0" indent="0">
-              <a:buNone/>
-            </a:pPr>
-            <a:endParaRPr lang="en-US" sz="1600" b="1" dirty="0"/>
+            <a:endParaRPr lang="en-US" dirty="0"/>
           </a:p>
         </p:txBody>
       </p:sp>
@@ -9888,8 +10557,8 @@
         </p:nvSpPr>
         <p:spPr>
           <a:xfrm>
-            <a:off x="948488" y="1287100"/>
-            <a:ext cx="3443891" cy="369332"/>
+            <a:off x="998484" y="1293697"/>
+            <a:ext cx="8923282" cy="369332"/>
           </a:xfrm>
           <a:prstGeom prst="rect">
             <a:avLst/>
@@ -9897,14 +10566,14 @@
           <a:noFill/>
         </p:spPr>
         <p:txBody>
-          <a:bodyPr wrap="none" rtlCol="0">
+          <a:bodyPr wrap="square" rtlCol="0">
             <a:spAutoFit/>
           </a:bodyPr>
           <a:lstStyle/>
           <a:p>
             <a:r>
               <a:rPr lang="en-US" dirty="0"/>
-              <a:t>Transformation and Adjustment</a:t>
+              <a:t>Transformations and Adjustments</a:t>
             </a:r>
           </a:p>
         </p:txBody>
@@ -9914,7 +10583,7 @@
           <p:cNvPr id="5" name="TextBox 4">
             <a:extLst>
               <a:ext uri="{FF2B5EF4-FFF2-40B4-BE49-F238E27FC236}">
-                <a16:creationId xmlns:a16="http://schemas.microsoft.com/office/drawing/2014/main" id="{3B11B03F-1D94-234E-AF2D-BD7312C1808B}"/>
+                <a16:creationId xmlns:a16="http://schemas.microsoft.com/office/drawing/2014/main" id="{9DED9E85-A2D1-1548-BD08-CC62BCE3E60D}"/>
               </a:ext>
             </a:extLst>
           </p:cNvPr>
@@ -9923,8 +10592,8 @@
         </p:nvSpPr>
         <p:spPr>
           <a:xfrm>
-            <a:off x="10798989" y="1025490"/>
-            <a:ext cx="1183337" cy="523220"/>
+            <a:off x="10720905" y="924365"/>
+            <a:ext cx="1334019" cy="738664"/>
           </a:xfrm>
           <a:prstGeom prst="rect">
             <a:avLst/>
@@ -9940,24 +10609,31 @@
             <a:pPr algn="ctr"/>
             <a:r>
               <a:rPr lang="en-US" sz="1400" dirty="0"/>
-              <a:t>Calendar</a:t>
+              <a:t>Performing a</a:t>
             </a:r>
           </a:p>
           <a:p>
             <a:pPr algn="ctr"/>
             <a:r>
               <a:rPr lang="en-US" sz="1400" dirty="0"/>
-              <a:t>Adjustments</a:t>
+              <a:t>Log </a:t>
+            </a:r>
+          </a:p>
+          <a:p>
+            <a:pPr algn="ctr"/>
+            <a:r>
+              <a:rPr lang="en-US" sz="1400" dirty="0"/>
+              <a:t>transform in R</a:t>
             </a:r>
           </a:p>
         </p:txBody>
       </p:sp>
       <p:pic>
         <p:nvPicPr>
-          <p:cNvPr id="11" name="Picture 10" descr="Chart, line chart&#10;&#10;Description automatically generated">
+          <p:cNvPr id="9" name="Picture 8" descr="Chart, histogram&#10;&#10;Description automatically generated">
             <a:extLst>
               <a:ext uri="{FF2B5EF4-FFF2-40B4-BE49-F238E27FC236}">
-                <a16:creationId xmlns:a16="http://schemas.microsoft.com/office/drawing/2014/main" id="{93C33E48-9FC4-0847-A017-97E66FF312DB}"/>
+                <a16:creationId xmlns:a16="http://schemas.microsoft.com/office/drawing/2014/main" id="{6E29C3FF-B1EB-074B-BE32-2355B4CBA78C}"/>
               </a:ext>
             </a:extLst>
           </p:cNvPr>
@@ -9974,8 +10650,38 @@
         </p:blipFill>
         <p:spPr>
           <a:xfrm>
-            <a:off x="837196" y="4563898"/>
-            <a:ext cx="5615362" cy="2124398"/>
+            <a:off x="5487251" y="2740553"/>
+            <a:ext cx="5543808" cy="2728593"/>
+          </a:xfrm>
+          <a:prstGeom prst="rect">
+            <a:avLst/>
+          </a:prstGeom>
+        </p:spPr>
+      </p:pic>
+      <p:pic>
+        <p:nvPicPr>
+          <p:cNvPr id="12" name="Picture 11" descr="Text&#10;&#10;Description automatically generated">
+            <a:extLst>
+              <a:ext uri="{FF2B5EF4-FFF2-40B4-BE49-F238E27FC236}">
+                <a16:creationId xmlns:a16="http://schemas.microsoft.com/office/drawing/2014/main" id="{C4AE8F07-F578-2248-93B5-34B9F62E92D5}"/>
+              </a:ext>
+            </a:extLst>
+          </p:cNvPr>
+          <p:cNvPicPr>
+            <a:picLocks noChangeAspect="1"/>
+          </p:cNvPicPr>
+          <p:nvPr/>
+        </p:nvPicPr>
+        <p:blipFill>
+          <a:blip r:embed="rId3"/>
+          <a:stretch>
+            <a:fillRect/>
+          </a:stretch>
+        </p:blipFill>
+        <p:spPr>
+          <a:xfrm>
+            <a:off x="743074" y="2740553"/>
+            <a:ext cx="4431551" cy="1460511"/>
           </a:xfrm>
           <a:prstGeom prst="rect">
             <a:avLst/>
@@ -9985,7 +10691,7 @@
     </p:spTree>
     <p:extLst>
       <p:ext uri="{BB962C8B-B14F-4D97-AF65-F5344CB8AC3E}">
-        <p14:creationId xmlns:p14="http://schemas.microsoft.com/office/powerpoint/2010/main" val="1877975350"/>
+        <p14:creationId xmlns:p14="http://schemas.microsoft.com/office/powerpoint/2010/main" val="2166228259"/>
       </p:ext>
     </p:extLst>
   </p:cSld>
@@ -10052,20 +10758,23 @@
         <p:spPr>
           <a:xfrm>
             <a:off x="680321" y="2336872"/>
-            <a:ext cx="10085010" cy="4443490"/>
-          </a:xfrm>
-        </p:spPr>
-        <p:txBody>
-          <a:bodyPr/>
+            <a:ext cx="9613861" cy="4250539"/>
+          </a:xfrm>
+        </p:spPr>
+        <p:txBody>
+          <a:bodyPr>
+            <a:normAutofit/>
+          </a:bodyPr>
           <a:lstStyle/>
           <a:p>
             <a:pPr marL="0" indent="0">
               <a:buNone/>
             </a:pPr>
             <a:r>
-              <a:rPr lang="en-US" sz="1600" b="1" dirty="0"/>
-              <a:t>Performing a Seasonal Adjustment In R Using The Seasonal Package</a:t>
-            </a:r>
+              <a:rPr lang="en-US" sz="1400" dirty="0"/>
+              <a:t>D. Box Cox</a:t>
+            </a:r>
+            <a:endParaRPr lang="en-US" sz="1400" baseline="30000" dirty="0"/>
           </a:p>
           <a:p>
             <a:pPr marL="0" indent="0">
@@ -10073,7 +10782,7 @@
             </a:pPr>
             <a:r>
               <a:rPr lang="en-US" sz="1200" dirty="0"/>
-              <a:t>The seasonal package was developed by the United States Census Bureau.</a:t>
+              <a:t>Used to identify the ideal Lambda needed to normalize the time series. The Lambda value indicates the power to which all data should be raised.</a:t>
             </a:r>
           </a:p>
           <a:p>
@@ -10082,46 +10791,83 @@
             </a:pPr>
             <a:r>
               <a:rPr lang="en-US" sz="1200" dirty="0"/>
-              <a:t>Very easy to use – call the </a:t>
-            </a:r>
-            <a:r>
-              <a:rPr lang="en-US" sz="1200" b="1" i="1" dirty="0"/>
-              <a:t>seas() </a:t>
-            </a:r>
-            <a:r>
-              <a:rPr lang="en-US" sz="1200" dirty="0"/>
-              <a:t>function, and your time series data is seasonally adjusted.</a:t>
-            </a:r>
+              <a:t> </a:t>
+            </a:r>
+            <a:endParaRPr lang="en-US" sz="1400" baseline="30000" dirty="0"/>
           </a:p>
           <a:p>
             <a:pPr marL="0" indent="0">
               <a:buNone/>
             </a:pPr>
-            <a:r>
-              <a:rPr lang="en-US" sz="1200" dirty="0"/>
-              <a:t>Uses the </a:t>
-            </a:r>
-            <a:r>
-              <a:rPr lang="en-US" sz="1200" b="1" i="1" dirty="0"/>
-              <a:t>seats</a:t>
-            </a:r>
-            <a:r>
-              <a:rPr lang="en-US" sz="1200" dirty="0"/>
-              <a:t> adjustment procedure by default. This can be changed to X11 by adding the </a:t>
-            </a:r>
-            <a:r>
-              <a:rPr lang="en-US" sz="1200" b="1" i="1" dirty="0"/>
-              <a:t>X11 = “”  </a:t>
-            </a:r>
-            <a:r>
-              <a:rPr lang="en-US" sz="1200" dirty="0"/>
-              <a:t>parameter.</a:t>
-            </a:r>
+            <a:endParaRPr lang="en-US" sz="1400" baseline="30000" dirty="0"/>
           </a:p>
           <a:p>
             <a:pPr marL="0" indent="0">
               <a:buNone/>
             </a:pPr>
+            <a:endParaRPr lang="en-US" sz="1400" baseline="30000" dirty="0"/>
+          </a:p>
+          <a:p>
+            <a:pPr marL="0" indent="0">
+              <a:buNone/>
+            </a:pPr>
+            <a:endParaRPr lang="en-US" sz="1400" baseline="30000" dirty="0"/>
+          </a:p>
+          <a:p>
+            <a:pPr marL="0" indent="0">
+              <a:buNone/>
+            </a:pPr>
+            <a:endParaRPr lang="en-US" sz="1400" baseline="30000" dirty="0"/>
+          </a:p>
+          <a:p>
+            <a:pPr marL="0" indent="0">
+              <a:buNone/>
+            </a:pPr>
+            <a:endParaRPr lang="en-US" sz="1400" baseline="30000" dirty="0"/>
+          </a:p>
+          <a:p>
+            <a:pPr marL="0" indent="0">
+              <a:buNone/>
+            </a:pPr>
+            <a:endParaRPr lang="en-US" sz="1400" baseline="30000" dirty="0"/>
+          </a:p>
+          <a:p>
+            <a:pPr marL="0" indent="0">
+              <a:buNone/>
+            </a:pPr>
+            <a:endParaRPr lang="en-US" sz="1400" baseline="30000" dirty="0"/>
+          </a:p>
+          <a:p>
+            <a:pPr marL="0" indent="0">
+              <a:buNone/>
+            </a:pPr>
+            <a:endParaRPr lang="en-US" sz="1400" baseline="30000" dirty="0"/>
+          </a:p>
+          <a:p>
+            <a:pPr marL="0" indent="0">
+              <a:buNone/>
+            </a:pPr>
+            <a:endParaRPr lang="en-US" sz="1400" dirty="0"/>
+          </a:p>
+          <a:p>
+            <a:pPr marL="0" indent="0">
+              <a:buNone/>
+            </a:pPr>
+            <a:r>
+              <a:rPr lang="en-US" sz="1000" b="1" i="1" dirty="0"/>
+              <a:t>Manual Log transformation with Lambda set to 0 .                                           Box Cox transformation with selected ideal Lambda value of -0.152542.</a:t>
+            </a:r>
+          </a:p>
+          <a:p>
+            <a:pPr marL="0" indent="0">
+              <a:buNone/>
+            </a:pPr>
+            <a:endParaRPr lang="en-US" sz="1400" dirty="0"/>
+          </a:p>
+          <a:p>
+            <a:pPr marL="0" indent="0">
+              <a:buNone/>
+            </a:pPr>
             <a:endParaRPr lang="en-US" sz="1200" dirty="0"/>
           </a:p>
           <a:p>
@@ -10140,7 +10886,7 @@
             <a:pPr marL="0" indent="0">
               <a:buNone/>
             </a:pPr>
-            <a:endParaRPr lang="en-US" sz="1600" b="1" dirty="0"/>
+            <a:endParaRPr lang="en-US" sz="1200" dirty="0"/>
           </a:p>
         </p:txBody>
       </p:sp>
@@ -10178,7 +10924,7 @@
           <p:cNvPr id="5" name="TextBox 4">
             <a:extLst>
               <a:ext uri="{FF2B5EF4-FFF2-40B4-BE49-F238E27FC236}">
-                <a16:creationId xmlns:a16="http://schemas.microsoft.com/office/drawing/2014/main" id="{3B11B03F-1D94-234E-AF2D-BD7312C1808B}"/>
+                <a16:creationId xmlns:a16="http://schemas.microsoft.com/office/drawing/2014/main" id="{8EE40ED9-1C0A-4C4E-9863-74EE11F820A9}"/>
               </a:ext>
             </a:extLst>
           </p:cNvPr>
@@ -10187,8 +10933,8 @@
         </p:nvSpPr>
         <p:spPr>
           <a:xfrm>
-            <a:off x="10765331" y="868271"/>
-            <a:ext cx="1267911" cy="954107"/>
+            <a:off x="10654557" y="1025490"/>
+            <a:ext cx="1468159" cy="523220"/>
           </a:xfrm>
           <a:prstGeom prst="rect">
             <a:avLst/>
@@ -10204,38 +10950,24 @@
             <a:pPr algn="ctr"/>
             <a:r>
               <a:rPr lang="en-US" sz="1400" dirty="0"/>
-              <a:t>Performing a </a:t>
+              <a:t>Box Cox</a:t>
             </a:r>
           </a:p>
           <a:p>
             <a:pPr algn="ctr"/>
             <a:r>
               <a:rPr lang="en-US" sz="1400" dirty="0"/>
-              <a:t>Calendar</a:t>
-            </a:r>
-          </a:p>
-          <a:p>
-            <a:pPr algn="ctr"/>
-            <a:r>
-              <a:rPr lang="en-US" sz="1400" dirty="0"/>
-              <a:t>Adjustment</a:t>
-            </a:r>
-          </a:p>
-          <a:p>
-            <a:pPr algn="ctr"/>
-            <a:r>
-              <a:rPr lang="en-US" sz="1400" dirty="0"/>
-              <a:t>In R</a:t>
+              <a:t>Transformations</a:t>
             </a:r>
           </a:p>
         </p:txBody>
       </p:sp>
       <p:pic>
         <p:nvPicPr>
-          <p:cNvPr id="7" name="Picture 6" descr="Text&#10;&#10;Description automatically generated">
+          <p:cNvPr id="7" name="Picture 6" descr="Graphical user interface&#10;&#10;Description automatically generated with medium confidence">
             <a:extLst>
               <a:ext uri="{FF2B5EF4-FFF2-40B4-BE49-F238E27FC236}">
-                <a16:creationId xmlns:a16="http://schemas.microsoft.com/office/drawing/2014/main" id="{9FD13AEF-09B8-7949-ABE6-4B5CD01239D8}"/>
+                <a16:creationId xmlns:a16="http://schemas.microsoft.com/office/drawing/2014/main" id="{ADCAC83A-83BA-6A44-A2D6-84C08EEA9B50}"/>
               </a:ext>
             </a:extLst>
           </p:cNvPr>
@@ -10252,8 +10984,8 @@
         </p:blipFill>
         <p:spPr>
           <a:xfrm>
-            <a:off x="680321" y="3685129"/>
-            <a:ext cx="3676495" cy="3012895"/>
+            <a:off x="680321" y="3283350"/>
+            <a:ext cx="3841164" cy="2357581"/>
           </a:xfrm>
           <a:prstGeom prst="rect">
             <a:avLst/>
@@ -10262,10 +10994,10 @@
       </p:pic>
       <p:pic>
         <p:nvPicPr>
-          <p:cNvPr id="10" name="Picture 9">
+          <p:cNvPr id="10" name="Picture 9" descr="Chart, histogram&#10;&#10;Description automatically generated">
             <a:extLst>
               <a:ext uri="{FF2B5EF4-FFF2-40B4-BE49-F238E27FC236}">
-                <a16:creationId xmlns:a16="http://schemas.microsoft.com/office/drawing/2014/main" id="{DCE2B798-0115-314A-895D-793513BC2F07}"/>
+                <a16:creationId xmlns:a16="http://schemas.microsoft.com/office/drawing/2014/main" id="{0E23DAE9-0BAC-1741-84BF-3888CE7F21CF}"/>
               </a:ext>
             </a:extLst>
           </p:cNvPr>
@@ -10282,8 +11014,8 @@
         </p:blipFill>
         <p:spPr>
           <a:xfrm>
-            <a:off x="4356816" y="3680870"/>
-            <a:ext cx="6115652" cy="3017154"/>
+            <a:off x="5234440" y="3283350"/>
+            <a:ext cx="4020395" cy="2357581"/>
           </a:xfrm>
           <a:prstGeom prst="rect">
             <a:avLst/>
@@ -10293,7 +11025,7 @@
     </p:spTree>
     <p:extLst>
       <p:ext uri="{BB962C8B-B14F-4D97-AF65-F5344CB8AC3E}">
-        <p14:creationId xmlns:p14="http://schemas.microsoft.com/office/powerpoint/2010/main" val="2738247598"/>
+        <p14:creationId xmlns:p14="http://schemas.microsoft.com/office/powerpoint/2010/main" val="2391501962"/>
       </p:ext>
     </p:extLst>
   </p:cSld>
